--- a/trunk/Entregáveis/Cartaz/Draft Poster.pptx
+++ b/trunk/Entregáveis/Cartaz/Draft Poster.pptx
@@ -17,92 +17,122 @@
     <a:defPPr>
       <a:defRPr lang="pt-PT"/>
     </a:defPPr>
-    <a:lvl1pPr marL="0" algn="l" defTabSz="914400" rtl="0" eaLnBrk="1" latinLnBrk="0" hangingPunct="1">
-      <a:defRPr sz="1800" kern="1200">
+    <a:lvl1pPr algn="l" rtl="0" fontAlgn="base">
+      <a:spcBef>
+        <a:spcPct val="0"/>
+      </a:spcBef>
+      <a:spcAft>
+        <a:spcPct val="0"/>
+      </a:spcAft>
+      <a:defRPr kern="1200">
         <a:solidFill>
           <a:schemeClr val="tx1"/>
         </a:solidFill>
-        <a:latin typeface="+mn-lt"/>
+        <a:latin typeface="Arial" charset="0"/>
         <a:ea typeface="+mn-ea"/>
         <a:cs typeface="+mn-cs"/>
       </a:defRPr>
     </a:lvl1pPr>
-    <a:lvl2pPr marL="457200" algn="l" defTabSz="914400" rtl="0" eaLnBrk="1" latinLnBrk="0" hangingPunct="1">
-      <a:defRPr sz="1800" kern="1200">
+    <a:lvl2pPr marL="457200" algn="l" rtl="0" fontAlgn="base">
+      <a:spcBef>
+        <a:spcPct val="0"/>
+      </a:spcBef>
+      <a:spcAft>
+        <a:spcPct val="0"/>
+      </a:spcAft>
+      <a:defRPr kern="1200">
         <a:solidFill>
           <a:schemeClr val="tx1"/>
         </a:solidFill>
-        <a:latin typeface="+mn-lt"/>
+        <a:latin typeface="Arial" charset="0"/>
         <a:ea typeface="+mn-ea"/>
         <a:cs typeface="+mn-cs"/>
       </a:defRPr>
     </a:lvl2pPr>
-    <a:lvl3pPr marL="914400" algn="l" defTabSz="914400" rtl="0" eaLnBrk="1" latinLnBrk="0" hangingPunct="1">
-      <a:defRPr sz="1800" kern="1200">
+    <a:lvl3pPr marL="914400" algn="l" rtl="0" fontAlgn="base">
+      <a:spcBef>
+        <a:spcPct val="0"/>
+      </a:spcBef>
+      <a:spcAft>
+        <a:spcPct val="0"/>
+      </a:spcAft>
+      <a:defRPr kern="1200">
         <a:solidFill>
           <a:schemeClr val="tx1"/>
         </a:solidFill>
-        <a:latin typeface="+mn-lt"/>
+        <a:latin typeface="Arial" charset="0"/>
         <a:ea typeface="+mn-ea"/>
         <a:cs typeface="+mn-cs"/>
       </a:defRPr>
     </a:lvl3pPr>
-    <a:lvl4pPr marL="1371600" algn="l" defTabSz="914400" rtl="0" eaLnBrk="1" latinLnBrk="0" hangingPunct="1">
-      <a:defRPr sz="1800" kern="1200">
+    <a:lvl4pPr marL="1371600" algn="l" rtl="0" fontAlgn="base">
+      <a:spcBef>
+        <a:spcPct val="0"/>
+      </a:spcBef>
+      <a:spcAft>
+        <a:spcPct val="0"/>
+      </a:spcAft>
+      <a:defRPr kern="1200">
         <a:solidFill>
           <a:schemeClr val="tx1"/>
         </a:solidFill>
-        <a:latin typeface="+mn-lt"/>
+        <a:latin typeface="Arial" charset="0"/>
         <a:ea typeface="+mn-ea"/>
         <a:cs typeface="+mn-cs"/>
       </a:defRPr>
     </a:lvl4pPr>
-    <a:lvl5pPr marL="1828800" algn="l" defTabSz="914400" rtl="0" eaLnBrk="1" latinLnBrk="0" hangingPunct="1">
-      <a:defRPr sz="1800" kern="1200">
+    <a:lvl5pPr marL="1828800" algn="l" rtl="0" fontAlgn="base">
+      <a:spcBef>
+        <a:spcPct val="0"/>
+      </a:spcBef>
+      <a:spcAft>
+        <a:spcPct val="0"/>
+      </a:spcAft>
+      <a:defRPr kern="1200">
         <a:solidFill>
           <a:schemeClr val="tx1"/>
         </a:solidFill>
-        <a:latin typeface="+mn-lt"/>
+        <a:latin typeface="Arial" charset="0"/>
         <a:ea typeface="+mn-ea"/>
         <a:cs typeface="+mn-cs"/>
       </a:defRPr>
     </a:lvl5pPr>
     <a:lvl6pPr marL="2286000" algn="l" defTabSz="914400" rtl="0" eaLnBrk="1" latinLnBrk="0" hangingPunct="1">
-      <a:defRPr sz="1800" kern="1200">
+      <a:defRPr kern="1200">
         <a:solidFill>
           <a:schemeClr val="tx1"/>
         </a:solidFill>
-        <a:latin typeface="+mn-lt"/>
+        <a:latin typeface="Arial" charset="0"/>
         <a:ea typeface="+mn-ea"/>
         <a:cs typeface="+mn-cs"/>
       </a:defRPr>
     </a:lvl6pPr>
     <a:lvl7pPr marL="2743200" algn="l" defTabSz="914400" rtl="0" eaLnBrk="1" latinLnBrk="0" hangingPunct="1">
-      <a:defRPr sz="1800" kern="1200">
+      <a:defRPr kern="1200">
         <a:solidFill>
           <a:schemeClr val="tx1"/>
         </a:solidFill>
-        <a:latin typeface="+mn-lt"/>
+        <a:latin typeface="Arial" charset="0"/>
         <a:ea typeface="+mn-ea"/>
         <a:cs typeface="+mn-cs"/>
       </a:defRPr>
     </a:lvl7pPr>
     <a:lvl8pPr marL="3200400" algn="l" defTabSz="914400" rtl="0" eaLnBrk="1" latinLnBrk="0" hangingPunct="1">
-      <a:defRPr sz="1800" kern="1200">
+      <a:defRPr kern="1200">
         <a:solidFill>
           <a:schemeClr val="tx1"/>
         </a:solidFill>
-        <a:latin typeface="+mn-lt"/>
+        <a:latin typeface="Arial" charset="0"/>
         <a:ea typeface="+mn-ea"/>
         <a:cs typeface="+mn-cs"/>
       </a:defRPr>
     </a:lvl8pPr>
     <a:lvl9pPr marL="3657600" algn="l" defTabSz="914400" rtl="0" eaLnBrk="1" latinLnBrk="0" hangingPunct="1">
-      <a:defRPr sz="1800" kern="1200">
+      <a:defRPr kern="1200">
         <a:solidFill>
           <a:schemeClr val="tx1"/>
         </a:solidFill>
-        <a:latin typeface="+mn-lt"/>
+        <a:latin typeface="Arial" charset="0"/>
         <a:ea typeface="+mn-ea"/>
         <a:cs typeface="+mn-cs"/>
       </a:defRPr>
@@ -155,11 +185,22 @@
         <p:txBody>
           <a:bodyPr vert="horz" lIns="91440" tIns="45720" rIns="91440" bIns="45720" rtlCol="0"/>
           <a:lstStyle>
-            <a:lvl1pPr algn="l">
-              <a:defRPr sz="1200"/>
+            <a:lvl1pPr algn="l" fontAlgn="auto">
+              <a:spcBef>
+                <a:spcPts val="0"/>
+              </a:spcBef>
+              <a:spcAft>
+                <a:spcPts val="0"/>
+              </a:spcAft>
+              <a:defRPr sz="1200">
+                <a:latin typeface="+mn-lt"/>
+              </a:defRPr>
             </a:lvl1pPr>
           </a:lstStyle>
           <a:p>
+            <a:pPr>
+              <a:defRPr/>
+            </a:pPr>
             <a:endParaRPr lang="pt-PT"/>
           </a:p>
         </p:txBody>
@@ -186,14 +227,28 @@
         <p:txBody>
           <a:bodyPr vert="horz" lIns="91440" tIns="45720" rIns="91440" bIns="45720" rtlCol="0"/>
           <a:lstStyle>
-            <a:lvl1pPr algn="r">
-              <a:defRPr sz="1200"/>
+            <a:lvl1pPr algn="r" fontAlgn="auto">
+              <a:spcBef>
+                <a:spcPts val="0"/>
+              </a:spcBef>
+              <a:spcAft>
+                <a:spcPts val="0"/>
+              </a:spcAft>
+              <a:defRPr sz="1200" smtClean="0">
+                <a:latin typeface="+mn-lt"/>
+              </a:defRPr>
             </a:lvl1pPr>
           </a:lstStyle>
           <a:p>
-            <a:fld id="{EDD4C717-1159-4D95-B4A7-DB035C77C730}" type="datetimeFigureOut">
-              <a:rPr lang="pt-PT" smtClean="0"/>
-              <a:t>05-06-2010</a:t>
+            <a:pPr>
+              <a:defRPr/>
+            </a:pPr>
+            <a:fld id="{B2700603-2E23-46E8-B01C-5984D2A9D454}" type="datetimeFigureOut">
+              <a:rPr lang="pt-PT"/>
+              <a:pPr>
+                <a:defRPr/>
+              </a:pPr>
+              <a:t>07-06-2010</a:t>
             </a:fld>
             <a:endParaRPr lang="pt-PT"/>
           </a:p>
@@ -228,7 +283,8 @@
           <a:bodyPr vert="horz" lIns="91440" tIns="45720" rIns="91440" bIns="45720" rtlCol="0" anchor="ctr"/>
           <a:lstStyle/>
           <a:p>
-            <a:endParaRPr lang="pt-PT"/>
+            <a:pPr lvl="0"/>
+            <a:endParaRPr lang="pt-PT" noProof="0"/>
           </a:p>
         </p:txBody>
       </p:sp>
@@ -259,38 +315,38 @@
           <a:p>
             <a:pPr lvl="0"/>
             <a:r>
-              <a:rPr lang="en-US" smtClean="0"/>
+              <a:rPr lang="en-US" noProof="0" smtClean="0"/>
               <a:t>Click to edit Master text styles</a:t>
             </a:r>
           </a:p>
           <a:p>
             <a:pPr lvl="1"/>
             <a:r>
-              <a:rPr lang="en-US" smtClean="0"/>
+              <a:rPr lang="en-US" noProof="0" smtClean="0"/>
               <a:t>Second level</a:t>
             </a:r>
           </a:p>
           <a:p>
             <a:pPr lvl="2"/>
             <a:r>
-              <a:rPr lang="en-US" smtClean="0"/>
+              <a:rPr lang="en-US" noProof="0" smtClean="0"/>
               <a:t>Third level</a:t>
             </a:r>
           </a:p>
           <a:p>
             <a:pPr lvl="3"/>
             <a:r>
-              <a:rPr lang="en-US" smtClean="0"/>
+              <a:rPr lang="en-US" noProof="0" smtClean="0"/>
               <a:t>Fourth level</a:t>
             </a:r>
           </a:p>
           <a:p>
             <a:pPr lvl="4"/>
             <a:r>
-              <a:rPr lang="en-US" smtClean="0"/>
+              <a:rPr lang="en-US" noProof="0" smtClean="0"/>
               <a:t>Fifth level</a:t>
             </a:r>
-            <a:endParaRPr lang="pt-PT"/>
+            <a:endParaRPr lang="pt-PT" noProof="0"/>
           </a:p>
         </p:txBody>
       </p:sp>
@@ -316,11 +372,22 @@
         <p:txBody>
           <a:bodyPr vert="horz" lIns="91440" tIns="45720" rIns="91440" bIns="45720" rtlCol="0" anchor="b"/>
           <a:lstStyle>
-            <a:lvl1pPr algn="l">
-              <a:defRPr sz="1200"/>
+            <a:lvl1pPr algn="l" fontAlgn="auto">
+              <a:spcBef>
+                <a:spcPts val="0"/>
+              </a:spcBef>
+              <a:spcAft>
+                <a:spcPts val="0"/>
+              </a:spcAft>
+              <a:defRPr sz="1200">
+                <a:latin typeface="+mn-lt"/>
+              </a:defRPr>
             </a:lvl1pPr>
           </a:lstStyle>
           <a:p>
+            <a:pPr>
+              <a:defRPr/>
+            </a:pPr>
             <a:endParaRPr lang="pt-PT"/>
           </a:p>
         </p:txBody>
@@ -347,13 +414,27 @@
         <p:txBody>
           <a:bodyPr vert="horz" lIns="91440" tIns="45720" rIns="91440" bIns="45720" rtlCol="0" anchor="b"/>
           <a:lstStyle>
-            <a:lvl1pPr algn="r">
-              <a:defRPr sz="1200"/>
+            <a:lvl1pPr algn="r" fontAlgn="auto">
+              <a:spcBef>
+                <a:spcPts val="0"/>
+              </a:spcBef>
+              <a:spcAft>
+                <a:spcPts val="0"/>
+              </a:spcAft>
+              <a:defRPr sz="1200" smtClean="0">
+                <a:latin typeface="+mn-lt"/>
+              </a:defRPr>
             </a:lvl1pPr>
           </a:lstStyle>
           <a:p>
-            <a:fld id="{C9B3D87D-6548-4568-AEFA-82CB771CFAF9}" type="slidenum">
-              <a:rPr lang="pt-PT" smtClean="0"/>
+            <a:pPr>
+              <a:defRPr/>
+            </a:pPr>
+            <a:fld id="{C8E756AC-FDE1-4BCD-9DFF-AB145ADCDA98}" type="slidenum">
+              <a:rPr lang="pt-PT"/>
+              <a:pPr>
+                <a:defRPr/>
+              </a:pPr>
               <a:t>‹#›</a:t>
             </a:fld>
             <a:endParaRPr lang="pt-PT"/>
@@ -364,7 +445,13 @@
   </p:cSld>
   <p:clrMap bg1="lt1" tx1="dk1" bg2="lt2" tx2="dk2" accent1="accent1" accent2="accent2" accent3="accent3" accent4="accent4" accent5="accent5" accent6="accent6" hlink="hlink" folHlink="folHlink"/>
   <p:notesStyle>
-    <a:lvl1pPr marL="0" algn="l" defTabSz="914400" rtl="0" eaLnBrk="1" latinLnBrk="0" hangingPunct="1">
+    <a:lvl1pPr algn="l" rtl="0" fontAlgn="base">
+      <a:spcBef>
+        <a:spcPct val="30000"/>
+      </a:spcBef>
+      <a:spcAft>
+        <a:spcPct val="0"/>
+      </a:spcAft>
       <a:defRPr sz="1200" kern="1200">
         <a:solidFill>
           <a:schemeClr val="tx1"/>
@@ -374,7 +461,13 @@
         <a:cs typeface="+mn-cs"/>
       </a:defRPr>
     </a:lvl1pPr>
-    <a:lvl2pPr marL="457200" algn="l" defTabSz="914400" rtl="0" eaLnBrk="1" latinLnBrk="0" hangingPunct="1">
+    <a:lvl2pPr marL="457200" algn="l" rtl="0" fontAlgn="base">
+      <a:spcBef>
+        <a:spcPct val="30000"/>
+      </a:spcBef>
+      <a:spcAft>
+        <a:spcPct val="0"/>
+      </a:spcAft>
       <a:defRPr sz="1200" kern="1200">
         <a:solidFill>
           <a:schemeClr val="tx1"/>
@@ -384,7 +477,13 @@
         <a:cs typeface="+mn-cs"/>
       </a:defRPr>
     </a:lvl2pPr>
-    <a:lvl3pPr marL="914400" algn="l" defTabSz="914400" rtl="0" eaLnBrk="1" latinLnBrk="0" hangingPunct="1">
+    <a:lvl3pPr marL="914400" algn="l" rtl="0" fontAlgn="base">
+      <a:spcBef>
+        <a:spcPct val="30000"/>
+      </a:spcBef>
+      <a:spcAft>
+        <a:spcPct val="0"/>
+      </a:spcAft>
       <a:defRPr sz="1200" kern="1200">
         <a:solidFill>
           <a:schemeClr val="tx1"/>
@@ -394,7 +493,13 @@
         <a:cs typeface="+mn-cs"/>
       </a:defRPr>
     </a:lvl3pPr>
-    <a:lvl4pPr marL="1371600" algn="l" defTabSz="914400" rtl="0" eaLnBrk="1" latinLnBrk="0" hangingPunct="1">
+    <a:lvl4pPr marL="1371600" algn="l" rtl="0" fontAlgn="base">
+      <a:spcBef>
+        <a:spcPct val="30000"/>
+      </a:spcBef>
+      <a:spcAft>
+        <a:spcPct val="0"/>
+      </a:spcAft>
       <a:defRPr sz="1200" kern="1200">
         <a:solidFill>
           <a:schemeClr val="tx1"/>
@@ -404,7 +509,13 @@
         <a:cs typeface="+mn-cs"/>
       </a:defRPr>
     </a:lvl4pPr>
-    <a:lvl5pPr marL="1828800" algn="l" defTabSz="914400" rtl="0" eaLnBrk="1" latinLnBrk="0" hangingPunct="1">
+    <a:lvl5pPr marL="1828800" algn="l" rtl="0" fontAlgn="base">
+      <a:spcBef>
+        <a:spcPct val="30000"/>
+      </a:spcBef>
+      <a:spcAft>
+        <a:spcPct val="0"/>
+      </a:spcAft>
       <a:defRPr sz="1200" kern="1200">
         <a:solidFill>
           <a:schemeClr val="tx1"/>
@@ -477,7 +588,7 @@
       </p:grpSpPr>
       <p:sp>
         <p:nvSpPr>
-          <p:cNvPr id="2" name="Slide Image Placeholder 1"/>
+          <p:cNvPr id="15361" name="Slide Image Placeholder 1"/>
           <p:cNvSpPr>
             <a:spLocks noGrp="1" noRot="1" noChangeAspect="1"/>
           </p:cNvSpPr>
@@ -485,11 +596,21 @@
             <p:ph type="sldImg"/>
           </p:nvPr>
         </p:nvSpPr>
-        <p:spPr/>
+        <p:spPr bwMode="auto">
+          <a:noFill/>
+          <a:ln>
+            <a:solidFill>
+              <a:srgbClr val="000000"/>
+            </a:solidFill>
+            <a:miter lim="800000"/>
+            <a:headEnd/>
+            <a:tailEnd/>
+          </a:ln>
+        </p:spPr>
       </p:sp>
       <p:sp>
         <p:nvSpPr>
-          <p:cNvPr id="3" name="Notes Placeholder 2"/>
+          <p:cNvPr id="15362" name="Notes Placeholder 2"/>
           <p:cNvSpPr>
             <a:spLocks noGrp="1"/>
           </p:cNvSpPr>
@@ -497,34 +618,70 @@
             <p:ph type="body" idx="1"/>
           </p:nvPr>
         </p:nvSpPr>
-        <p:spPr/>
+        <p:spPr bwMode="auto">
+          <a:noFill/>
+        </p:spPr>
         <p:txBody>
-          <a:bodyPr>
-            <a:normAutofit/>
+          <a:bodyPr wrap="square" numCol="1" anchor="t" anchorCtr="0" compatLnSpc="1">
+            <a:prstTxWarp prst="textNoShape">
+              <a:avLst/>
+            </a:prstTxWarp>
           </a:bodyPr>
           <a:lstStyle/>
           <a:p>
-            <a:endParaRPr lang="pt-PT" dirty="0"/>
+            <a:pPr>
+              <a:spcBef>
+                <a:spcPct val="0"/>
+              </a:spcBef>
+            </a:pPr>
+            <a:endParaRPr lang="en-US" smtClean="0"/>
           </a:p>
         </p:txBody>
       </p:sp>
       <p:sp>
         <p:nvSpPr>
-          <p:cNvPr id="4" name="Slide Number Placeholder 3"/>
+          <p:cNvPr id="15363" name="Slide Number Placeholder 3"/>
           <p:cNvSpPr>
             <a:spLocks noGrp="1"/>
           </p:cNvSpPr>
           <p:nvPr>
-            <p:ph type="sldNum" sz="quarter" idx="10"/>
+            <p:ph type="sldNum" sz="quarter" idx="5"/>
           </p:nvPr>
         </p:nvSpPr>
-        <p:spPr/>
+        <p:spPr bwMode="auto">
+          <a:noFill/>
+          <a:ln>
+            <a:miter lim="800000"/>
+            <a:headEnd/>
+            <a:tailEnd/>
+          </a:ln>
+        </p:spPr>
         <p:txBody>
-          <a:bodyPr/>
+          <a:bodyPr wrap="square" numCol="1" anchorCtr="0" compatLnSpc="1">
+            <a:prstTxWarp prst="textNoShape">
+              <a:avLst/>
+            </a:prstTxWarp>
+          </a:bodyPr>
           <a:lstStyle/>
           <a:p>
-            <a:fld id="{C9B3D87D-6548-4568-AEFA-82CB771CFAF9}" type="slidenum">
-              <a:rPr lang="pt-PT" smtClean="0"/>
+            <a:pPr fontAlgn="base">
+              <a:spcBef>
+                <a:spcPct val="0"/>
+              </a:spcBef>
+              <a:spcAft>
+                <a:spcPct val="0"/>
+              </a:spcAft>
+            </a:pPr>
+            <a:fld id="{4F2DC761-F762-4CF8-9824-CA010B10C031}" type="slidenum">
+              <a:rPr lang="pt-PT"/>
+              <a:pPr fontAlgn="base">
+                <a:spcBef>
+                  <a:spcPct val="0"/>
+                </a:spcBef>
+                <a:spcAft>
+                  <a:spcPct val="0"/>
+                </a:spcAft>
+              </a:pPr>
               <a:t>1</a:t>
             </a:fld>
             <a:endParaRPr lang="pt-PT"/>
@@ -716,12 +873,21 @@
         <p:spPr/>
         <p:txBody>
           <a:bodyPr/>
-          <a:lstStyle/>
+          <a:lstStyle>
+            <a:lvl1pPr>
+              <a:defRPr/>
+            </a:lvl1pPr>
+          </a:lstStyle>
           <a:p>
-            <a:fld id="{26DF8626-EC5C-4898-B0FA-A9A4D1E0BDEF}" type="datetimeFigureOut">
-              <a:rPr lang="pt-PT" smtClean="0"/>
-              <a:pPr/>
-              <a:t>05-06-2010</a:t>
+            <a:pPr>
+              <a:defRPr/>
+            </a:pPr>
+            <a:fld id="{CD5BC8C4-053C-41F9-BF6B-0C650E541A3A}" type="datetimeFigureOut">
+              <a:rPr lang="pt-PT"/>
+              <a:pPr>
+                <a:defRPr/>
+              </a:pPr>
+              <a:t>07-06-2010</a:t>
             </a:fld>
             <a:endParaRPr lang="pt-PT"/>
           </a:p>
@@ -740,8 +906,15 @@
         <p:spPr/>
         <p:txBody>
           <a:bodyPr/>
-          <a:lstStyle/>
+          <a:lstStyle>
+            <a:lvl1pPr>
+              <a:defRPr/>
+            </a:lvl1pPr>
+          </a:lstStyle>
           <a:p>
+            <a:pPr>
+              <a:defRPr/>
+            </a:pPr>
             <a:endParaRPr lang="pt-PT"/>
           </a:p>
         </p:txBody>
@@ -759,11 +932,20 @@
         <p:spPr/>
         <p:txBody>
           <a:bodyPr/>
-          <a:lstStyle/>
+          <a:lstStyle>
+            <a:lvl1pPr>
+              <a:defRPr/>
+            </a:lvl1pPr>
+          </a:lstStyle>
           <a:p>
-            <a:fld id="{D5DDCC6F-A596-4ABA-B205-E05A930128F1}" type="slidenum">
-              <a:rPr lang="pt-PT" smtClean="0"/>
-              <a:pPr/>
+            <a:pPr>
+              <a:defRPr/>
+            </a:pPr>
+            <a:fld id="{C291C701-FEF6-4D98-911F-FE3F94075EF7}" type="slidenum">
+              <a:rPr lang="pt-PT"/>
+              <a:pPr>
+                <a:defRPr/>
+              </a:pPr>
               <a:t>‹#›</a:t>
             </a:fld>
             <a:endParaRPr lang="pt-PT"/>
@@ -883,12 +1065,21 @@
         <p:spPr/>
         <p:txBody>
           <a:bodyPr/>
-          <a:lstStyle/>
+          <a:lstStyle>
+            <a:lvl1pPr>
+              <a:defRPr/>
+            </a:lvl1pPr>
+          </a:lstStyle>
           <a:p>
-            <a:fld id="{26DF8626-EC5C-4898-B0FA-A9A4D1E0BDEF}" type="datetimeFigureOut">
-              <a:rPr lang="pt-PT" smtClean="0"/>
-              <a:pPr/>
-              <a:t>05-06-2010</a:t>
+            <a:pPr>
+              <a:defRPr/>
+            </a:pPr>
+            <a:fld id="{92A55A3C-4640-415D-966E-7C5808DA9C78}" type="datetimeFigureOut">
+              <a:rPr lang="pt-PT"/>
+              <a:pPr>
+                <a:defRPr/>
+              </a:pPr>
+              <a:t>07-06-2010</a:t>
             </a:fld>
             <a:endParaRPr lang="pt-PT"/>
           </a:p>
@@ -907,8 +1098,15 @@
         <p:spPr/>
         <p:txBody>
           <a:bodyPr/>
-          <a:lstStyle/>
+          <a:lstStyle>
+            <a:lvl1pPr>
+              <a:defRPr/>
+            </a:lvl1pPr>
+          </a:lstStyle>
           <a:p>
+            <a:pPr>
+              <a:defRPr/>
+            </a:pPr>
             <a:endParaRPr lang="pt-PT"/>
           </a:p>
         </p:txBody>
@@ -926,11 +1124,20 @@
         <p:spPr/>
         <p:txBody>
           <a:bodyPr/>
-          <a:lstStyle/>
+          <a:lstStyle>
+            <a:lvl1pPr>
+              <a:defRPr/>
+            </a:lvl1pPr>
+          </a:lstStyle>
           <a:p>
-            <a:fld id="{D5DDCC6F-A596-4ABA-B205-E05A930128F1}" type="slidenum">
-              <a:rPr lang="pt-PT" smtClean="0"/>
-              <a:pPr/>
+            <a:pPr>
+              <a:defRPr/>
+            </a:pPr>
+            <a:fld id="{8C30E6D3-85FE-497C-9163-E382D66106B8}" type="slidenum">
+              <a:rPr lang="pt-PT"/>
+              <a:pPr>
+                <a:defRPr/>
+              </a:pPr>
               <a:t>‹#›</a:t>
             </a:fld>
             <a:endParaRPr lang="pt-PT"/>
@@ -1060,12 +1267,21 @@
         <p:spPr/>
         <p:txBody>
           <a:bodyPr/>
-          <a:lstStyle/>
+          <a:lstStyle>
+            <a:lvl1pPr>
+              <a:defRPr/>
+            </a:lvl1pPr>
+          </a:lstStyle>
           <a:p>
-            <a:fld id="{26DF8626-EC5C-4898-B0FA-A9A4D1E0BDEF}" type="datetimeFigureOut">
-              <a:rPr lang="pt-PT" smtClean="0"/>
-              <a:pPr/>
-              <a:t>05-06-2010</a:t>
+            <a:pPr>
+              <a:defRPr/>
+            </a:pPr>
+            <a:fld id="{35BD1DCD-6431-49C4-BFC6-4CF3D90BCB63}" type="datetimeFigureOut">
+              <a:rPr lang="pt-PT"/>
+              <a:pPr>
+                <a:defRPr/>
+              </a:pPr>
+              <a:t>07-06-2010</a:t>
             </a:fld>
             <a:endParaRPr lang="pt-PT"/>
           </a:p>
@@ -1084,8 +1300,15 @@
         <p:spPr/>
         <p:txBody>
           <a:bodyPr/>
-          <a:lstStyle/>
+          <a:lstStyle>
+            <a:lvl1pPr>
+              <a:defRPr/>
+            </a:lvl1pPr>
+          </a:lstStyle>
           <a:p>
+            <a:pPr>
+              <a:defRPr/>
+            </a:pPr>
             <a:endParaRPr lang="pt-PT"/>
           </a:p>
         </p:txBody>
@@ -1103,11 +1326,20 @@
         <p:spPr/>
         <p:txBody>
           <a:bodyPr/>
-          <a:lstStyle/>
+          <a:lstStyle>
+            <a:lvl1pPr>
+              <a:defRPr/>
+            </a:lvl1pPr>
+          </a:lstStyle>
           <a:p>
-            <a:fld id="{D5DDCC6F-A596-4ABA-B205-E05A930128F1}" type="slidenum">
-              <a:rPr lang="pt-PT" smtClean="0"/>
-              <a:pPr/>
+            <a:pPr>
+              <a:defRPr/>
+            </a:pPr>
+            <a:fld id="{A8BF72AC-1606-40D1-94E1-410548E4019B}" type="slidenum">
+              <a:rPr lang="pt-PT"/>
+              <a:pPr>
+                <a:defRPr/>
+              </a:pPr>
               <a:t>‹#›</a:t>
             </a:fld>
             <a:endParaRPr lang="pt-PT"/>
@@ -1227,12 +1459,21 @@
         <p:spPr/>
         <p:txBody>
           <a:bodyPr/>
-          <a:lstStyle/>
+          <a:lstStyle>
+            <a:lvl1pPr>
+              <a:defRPr/>
+            </a:lvl1pPr>
+          </a:lstStyle>
           <a:p>
-            <a:fld id="{26DF8626-EC5C-4898-B0FA-A9A4D1E0BDEF}" type="datetimeFigureOut">
-              <a:rPr lang="pt-PT" smtClean="0"/>
-              <a:pPr/>
-              <a:t>05-06-2010</a:t>
+            <a:pPr>
+              <a:defRPr/>
+            </a:pPr>
+            <a:fld id="{14B2C9BB-500D-4AEB-BE22-99AB393FA834}" type="datetimeFigureOut">
+              <a:rPr lang="pt-PT"/>
+              <a:pPr>
+                <a:defRPr/>
+              </a:pPr>
+              <a:t>07-06-2010</a:t>
             </a:fld>
             <a:endParaRPr lang="pt-PT"/>
           </a:p>
@@ -1251,8 +1492,15 @@
         <p:spPr/>
         <p:txBody>
           <a:bodyPr/>
-          <a:lstStyle/>
+          <a:lstStyle>
+            <a:lvl1pPr>
+              <a:defRPr/>
+            </a:lvl1pPr>
+          </a:lstStyle>
           <a:p>
+            <a:pPr>
+              <a:defRPr/>
+            </a:pPr>
             <a:endParaRPr lang="pt-PT"/>
           </a:p>
         </p:txBody>
@@ -1270,11 +1518,20 @@
         <p:spPr/>
         <p:txBody>
           <a:bodyPr/>
-          <a:lstStyle/>
+          <a:lstStyle>
+            <a:lvl1pPr>
+              <a:defRPr/>
+            </a:lvl1pPr>
+          </a:lstStyle>
           <a:p>
-            <a:fld id="{D5DDCC6F-A596-4ABA-B205-E05A930128F1}" type="slidenum">
-              <a:rPr lang="pt-PT" smtClean="0"/>
-              <a:pPr/>
+            <a:pPr>
+              <a:defRPr/>
+            </a:pPr>
+            <a:fld id="{4A72DDB9-D674-4D5B-A961-3E1F7F066C4F}" type="slidenum">
+              <a:rPr lang="pt-PT"/>
+              <a:pPr>
+                <a:defRPr/>
+              </a:pPr>
               <a:t>‹#›</a:t>
             </a:fld>
             <a:endParaRPr lang="pt-PT"/>
@@ -1470,12 +1727,21 @@
         <p:spPr/>
         <p:txBody>
           <a:bodyPr/>
-          <a:lstStyle/>
+          <a:lstStyle>
+            <a:lvl1pPr>
+              <a:defRPr/>
+            </a:lvl1pPr>
+          </a:lstStyle>
           <a:p>
-            <a:fld id="{26DF8626-EC5C-4898-B0FA-A9A4D1E0BDEF}" type="datetimeFigureOut">
-              <a:rPr lang="pt-PT" smtClean="0"/>
-              <a:pPr/>
-              <a:t>05-06-2010</a:t>
+            <a:pPr>
+              <a:defRPr/>
+            </a:pPr>
+            <a:fld id="{15499ABB-85DA-41B1-A916-D3F7F5CEAB13}" type="datetimeFigureOut">
+              <a:rPr lang="pt-PT"/>
+              <a:pPr>
+                <a:defRPr/>
+              </a:pPr>
+              <a:t>07-06-2010</a:t>
             </a:fld>
             <a:endParaRPr lang="pt-PT"/>
           </a:p>
@@ -1494,8 +1760,15 @@
         <p:spPr/>
         <p:txBody>
           <a:bodyPr/>
-          <a:lstStyle/>
+          <a:lstStyle>
+            <a:lvl1pPr>
+              <a:defRPr/>
+            </a:lvl1pPr>
+          </a:lstStyle>
           <a:p>
+            <a:pPr>
+              <a:defRPr/>
+            </a:pPr>
             <a:endParaRPr lang="pt-PT"/>
           </a:p>
         </p:txBody>
@@ -1513,11 +1786,20 @@
         <p:spPr/>
         <p:txBody>
           <a:bodyPr/>
-          <a:lstStyle/>
+          <a:lstStyle>
+            <a:lvl1pPr>
+              <a:defRPr/>
+            </a:lvl1pPr>
+          </a:lstStyle>
           <a:p>
-            <a:fld id="{D5DDCC6F-A596-4ABA-B205-E05A930128F1}" type="slidenum">
-              <a:rPr lang="pt-PT" smtClean="0"/>
-              <a:pPr/>
+            <a:pPr>
+              <a:defRPr/>
+            </a:pPr>
+            <a:fld id="{6E9684C0-D103-44FE-B630-97CF78039C83}" type="slidenum">
+              <a:rPr lang="pt-PT"/>
+              <a:pPr>
+                <a:defRPr/>
+              </a:pPr>
               <a:t>‹#›</a:t>
             </a:fld>
             <a:endParaRPr lang="pt-PT"/>
@@ -1744,7 +2026,7 @@
       </p:sp>
       <p:sp>
         <p:nvSpPr>
-          <p:cNvPr id="5" name="Date Placeholder 4"/>
+          <p:cNvPr id="5" name="Date Placeholder 3"/>
           <p:cNvSpPr>
             <a:spLocks noGrp="1"/>
           </p:cNvSpPr>
@@ -1755,12 +2037,21 @@
         <p:spPr/>
         <p:txBody>
           <a:bodyPr/>
-          <a:lstStyle/>
+          <a:lstStyle>
+            <a:lvl1pPr>
+              <a:defRPr/>
+            </a:lvl1pPr>
+          </a:lstStyle>
           <a:p>
-            <a:fld id="{26DF8626-EC5C-4898-B0FA-A9A4D1E0BDEF}" type="datetimeFigureOut">
-              <a:rPr lang="pt-PT" smtClean="0"/>
-              <a:pPr/>
-              <a:t>05-06-2010</a:t>
+            <a:pPr>
+              <a:defRPr/>
+            </a:pPr>
+            <a:fld id="{E325BEB9-FF13-42E2-B240-D734F6514F21}" type="datetimeFigureOut">
+              <a:rPr lang="pt-PT"/>
+              <a:pPr>
+                <a:defRPr/>
+              </a:pPr>
+              <a:t>07-06-2010</a:t>
             </a:fld>
             <a:endParaRPr lang="pt-PT"/>
           </a:p>
@@ -1768,7 +2059,7 @@
       </p:sp>
       <p:sp>
         <p:nvSpPr>
-          <p:cNvPr id="6" name="Footer Placeholder 5"/>
+          <p:cNvPr id="6" name="Footer Placeholder 4"/>
           <p:cNvSpPr>
             <a:spLocks noGrp="1"/>
           </p:cNvSpPr>
@@ -1779,15 +2070,22 @@
         <p:spPr/>
         <p:txBody>
           <a:bodyPr/>
-          <a:lstStyle/>
+          <a:lstStyle>
+            <a:lvl1pPr>
+              <a:defRPr/>
+            </a:lvl1pPr>
+          </a:lstStyle>
           <a:p>
+            <a:pPr>
+              <a:defRPr/>
+            </a:pPr>
             <a:endParaRPr lang="pt-PT"/>
           </a:p>
         </p:txBody>
       </p:sp>
       <p:sp>
         <p:nvSpPr>
-          <p:cNvPr id="7" name="Slide Number Placeholder 6"/>
+          <p:cNvPr id="7" name="Slide Number Placeholder 5"/>
           <p:cNvSpPr>
             <a:spLocks noGrp="1"/>
           </p:cNvSpPr>
@@ -1798,11 +2096,20 @@
         <p:spPr/>
         <p:txBody>
           <a:bodyPr/>
-          <a:lstStyle/>
+          <a:lstStyle>
+            <a:lvl1pPr>
+              <a:defRPr/>
+            </a:lvl1pPr>
+          </a:lstStyle>
           <a:p>
-            <a:fld id="{D5DDCC6F-A596-4ABA-B205-E05A930128F1}" type="slidenum">
-              <a:rPr lang="pt-PT" smtClean="0"/>
-              <a:pPr/>
+            <a:pPr>
+              <a:defRPr/>
+            </a:pPr>
+            <a:fld id="{814B46A7-2736-495C-A837-1F278A93B0F3}" type="slidenum">
+              <a:rPr lang="pt-PT"/>
+              <a:pPr>
+                <a:defRPr/>
+              </a:pPr>
               <a:t>‹#›</a:t>
             </a:fld>
             <a:endParaRPr lang="pt-PT"/>
@@ -2168,7 +2475,7 @@
       </p:sp>
       <p:sp>
         <p:nvSpPr>
-          <p:cNvPr id="7" name="Date Placeholder 6"/>
+          <p:cNvPr id="7" name="Date Placeholder 3"/>
           <p:cNvSpPr>
             <a:spLocks noGrp="1"/>
           </p:cNvSpPr>
@@ -2179,12 +2486,21 @@
         <p:spPr/>
         <p:txBody>
           <a:bodyPr/>
-          <a:lstStyle/>
+          <a:lstStyle>
+            <a:lvl1pPr>
+              <a:defRPr/>
+            </a:lvl1pPr>
+          </a:lstStyle>
           <a:p>
-            <a:fld id="{26DF8626-EC5C-4898-B0FA-A9A4D1E0BDEF}" type="datetimeFigureOut">
-              <a:rPr lang="pt-PT" smtClean="0"/>
-              <a:pPr/>
-              <a:t>05-06-2010</a:t>
+            <a:pPr>
+              <a:defRPr/>
+            </a:pPr>
+            <a:fld id="{39C8DCE3-6385-484E-ACE4-8801B1F52FDB}" type="datetimeFigureOut">
+              <a:rPr lang="pt-PT"/>
+              <a:pPr>
+                <a:defRPr/>
+              </a:pPr>
+              <a:t>07-06-2010</a:t>
             </a:fld>
             <a:endParaRPr lang="pt-PT"/>
           </a:p>
@@ -2192,7 +2508,7 @@
       </p:sp>
       <p:sp>
         <p:nvSpPr>
-          <p:cNvPr id="8" name="Footer Placeholder 7"/>
+          <p:cNvPr id="8" name="Footer Placeholder 4"/>
           <p:cNvSpPr>
             <a:spLocks noGrp="1"/>
           </p:cNvSpPr>
@@ -2203,15 +2519,22 @@
         <p:spPr/>
         <p:txBody>
           <a:bodyPr/>
-          <a:lstStyle/>
+          <a:lstStyle>
+            <a:lvl1pPr>
+              <a:defRPr/>
+            </a:lvl1pPr>
+          </a:lstStyle>
           <a:p>
+            <a:pPr>
+              <a:defRPr/>
+            </a:pPr>
             <a:endParaRPr lang="pt-PT"/>
           </a:p>
         </p:txBody>
       </p:sp>
       <p:sp>
         <p:nvSpPr>
-          <p:cNvPr id="9" name="Slide Number Placeholder 8"/>
+          <p:cNvPr id="9" name="Slide Number Placeholder 5"/>
           <p:cNvSpPr>
             <a:spLocks noGrp="1"/>
           </p:cNvSpPr>
@@ -2222,11 +2545,20 @@
         <p:spPr/>
         <p:txBody>
           <a:bodyPr/>
-          <a:lstStyle/>
+          <a:lstStyle>
+            <a:lvl1pPr>
+              <a:defRPr/>
+            </a:lvl1pPr>
+          </a:lstStyle>
           <a:p>
-            <a:fld id="{D5DDCC6F-A596-4ABA-B205-E05A930128F1}" type="slidenum">
-              <a:rPr lang="pt-PT" smtClean="0"/>
-              <a:pPr/>
+            <a:pPr>
+              <a:defRPr/>
+            </a:pPr>
+            <a:fld id="{34FF2240-074C-42D0-A64E-ECCF05BBA27C}" type="slidenum">
+              <a:rPr lang="pt-PT"/>
+              <a:pPr>
+                <a:defRPr/>
+              </a:pPr>
               <a:t>‹#›</a:t>
             </a:fld>
             <a:endParaRPr lang="pt-PT"/>
@@ -2283,7 +2615,7 @@
       </p:sp>
       <p:sp>
         <p:nvSpPr>
-          <p:cNvPr id="3" name="Date Placeholder 2"/>
+          <p:cNvPr id="3" name="Date Placeholder 3"/>
           <p:cNvSpPr>
             <a:spLocks noGrp="1"/>
           </p:cNvSpPr>
@@ -2294,12 +2626,21 @@
         <p:spPr/>
         <p:txBody>
           <a:bodyPr/>
-          <a:lstStyle/>
+          <a:lstStyle>
+            <a:lvl1pPr>
+              <a:defRPr/>
+            </a:lvl1pPr>
+          </a:lstStyle>
           <a:p>
-            <a:fld id="{26DF8626-EC5C-4898-B0FA-A9A4D1E0BDEF}" type="datetimeFigureOut">
-              <a:rPr lang="pt-PT" smtClean="0"/>
-              <a:pPr/>
-              <a:t>05-06-2010</a:t>
+            <a:pPr>
+              <a:defRPr/>
+            </a:pPr>
+            <a:fld id="{F198B25E-5C44-44C0-8926-6C2CBF636FF9}" type="datetimeFigureOut">
+              <a:rPr lang="pt-PT"/>
+              <a:pPr>
+                <a:defRPr/>
+              </a:pPr>
+              <a:t>07-06-2010</a:t>
             </a:fld>
             <a:endParaRPr lang="pt-PT"/>
           </a:p>
@@ -2307,7 +2648,7 @@
       </p:sp>
       <p:sp>
         <p:nvSpPr>
-          <p:cNvPr id="4" name="Footer Placeholder 3"/>
+          <p:cNvPr id="4" name="Footer Placeholder 4"/>
           <p:cNvSpPr>
             <a:spLocks noGrp="1"/>
           </p:cNvSpPr>
@@ -2318,15 +2659,22 @@
         <p:spPr/>
         <p:txBody>
           <a:bodyPr/>
-          <a:lstStyle/>
+          <a:lstStyle>
+            <a:lvl1pPr>
+              <a:defRPr/>
+            </a:lvl1pPr>
+          </a:lstStyle>
           <a:p>
+            <a:pPr>
+              <a:defRPr/>
+            </a:pPr>
             <a:endParaRPr lang="pt-PT"/>
           </a:p>
         </p:txBody>
       </p:sp>
       <p:sp>
         <p:nvSpPr>
-          <p:cNvPr id="5" name="Slide Number Placeholder 4"/>
+          <p:cNvPr id="5" name="Slide Number Placeholder 5"/>
           <p:cNvSpPr>
             <a:spLocks noGrp="1"/>
           </p:cNvSpPr>
@@ -2337,11 +2685,20 @@
         <p:spPr/>
         <p:txBody>
           <a:bodyPr/>
-          <a:lstStyle/>
+          <a:lstStyle>
+            <a:lvl1pPr>
+              <a:defRPr/>
+            </a:lvl1pPr>
+          </a:lstStyle>
           <a:p>
-            <a:fld id="{D5DDCC6F-A596-4ABA-B205-E05A930128F1}" type="slidenum">
-              <a:rPr lang="pt-PT" smtClean="0"/>
-              <a:pPr/>
+            <a:pPr>
+              <a:defRPr/>
+            </a:pPr>
+            <a:fld id="{451707C3-43DC-4E86-8D94-6C142DE29F53}" type="slidenum">
+              <a:rPr lang="pt-PT"/>
+              <a:pPr>
+                <a:defRPr/>
+              </a:pPr>
               <a:t>‹#›</a:t>
             </a:fld>
             <a:endParaRPr lang="pt-PT"/>
@@ -2375,7 +2732,7 @@
       </p:grpSpPr>
       <p:sp>
         <p:nvSpPr>
-          <p:cNvPr id="2" name="Date Placeholder 1"/>
+          <p:cNvPr id="2" name="Date Placeholder 3"/>
           <p:cNvSpPr>
             <a:spLocks noGrp="1"/>
           </p:cNvSpPr>
@@ -2386,12 +2743,21 @@
         <p:spPr/>
         <p:txBody>
           <a:bodyPr/>
-          <a:lstStyle/>
+          <a:lstStyle>
+            <a:lvl1pPr>
+              <a:defRPr/>
+            </a:lvl1pPr>
+          </a:lstStyle>
           <a:p>
-            <a:fld id="{26DF8626-EC5C-4898-B0FA-A9A4D1E0BDEF}" type="datetimeFigureOut">
-              <a:rPr lang="pt-PT" smtClean="0"/>
-              <a:pPr/>
-              <a:t>05-06-2010</a:t>
+            <a:pPr>
+              <a:defRPr/>
+            </a:pPr>
+            <a:fld id="{E51A7287-49FA-407D-B237-31834759807E}" type="datetimeFigureOut">
+              <a:rPr lang="pt-PT"/>
+              <a:pPr>
+                <a:defRPr/>
+              </a:pPr>
+              <a:t>07-06-2010</a:t>
             </a:fld>
             <a:endParaRPr lang="pt-PT"/>
           </a:p>
@@ -2399,7 +2765,7 @@
       </p:sp>
       <p:sp>
         <p:nvSpPr>
-          <p:cNvPr id="3" name="Footer Placeholder 2"/>
+          <p:cNvPr id="3" name="Footer Placeholder 4"/>
           <p:cNvSpPr>
             <a:spLocks noGrp="1"/>
           </p:cNvSpPr>
@@ -2410,15 +2776,22 @@
         <p:spPr/>
         <p:txBody>
           <a:bodyPr/>
-          <a:lstStyle/>
+          <a:lstStyle>
+            <a:lvl1pPr>
+              <a:defRPr/>
+            </a:lvl1pPr>
+          </a:lstStyle>
           <a:p>
+            <a:pPr>
+              <a:defRPr/>
+            </a:pPr>
             <a:endParaRPr lang="pt-PT"/>
           </a:p>
         </p:txBody>
       </p:sp>
       <p:sp>
         <p:nvSpPr>
-          <p:cNvPr id="4" name="Slide Number Placeholder 3"/>
+          <p:cNvPr id="4" name="Slide Number Placeholder 5"/>
           <p:cNvSpPr>
             <a:spLocks noGrp="1"/>
           </p:cNvSpPr>
@@ -2429,11 +2802,20 @@
         <p:spPr/>
         <p:txBody>
           <a:bodyPr/>
-          <a:lstStyle/>
+          <a:lstStyle>
+            <a:lvl1pPr>
+              <a:defRPr/>
+            </a:lvl1pPr>
+          </a:lstStyle>
           <a:p>
-            <a:fld id="{D5DDCC6F-A596-4ABA-B205-E05A930128F1}" type="slidenum">
-              <a:rPr lang="pt-PT" smtClean="0"/>
-              <a:pPr/>
+            <a:pPr>
+              <a:defRPr/>
+            </a:pPr>
+            <a:fld id="{9216C30C-1A48-4F91-856D-BD905177DD25}" type="slidenum">
+              <a:rPr lang="pt-PT"/>
+              <a:pPr>
+                <a:defRPr/>
+              </a:pPr>
               <a:t>‹#›</a:t>
             </a:fld>
             <a:endParaRPr lang="pt-PT"/>
@@ -2649,7 +3031,7 @@
       </p:sp>
       <p:sp>
         <p:nvSpPr>
-          <p:cNvPr id="5" name="Date Placeholder 4"/>
+          <p:cNvPr id="5" name="Date Placeholder 3"/>
           <p:cNvSpPr>
             <a:spLocks noGrp="1"/>
           </p:cNvSpPr>
@@ -2660,12 +3042,21 @@
         <p:spPr/>
         <p:txBody>
           <a:bodyPr/>
-          <a:lstStyle/>
+          <a:lstStyle>
+            <a:lvl1pPr>
+              <a:defRPr/>
+            </a:lvl1pPr>
+          </a:lstStyle>
           <a:p>
-            <a:fld id="{26DF8626-EC5C-4898-B0FA-A9A4D1E0BDEF}" type="datetimeFigureOut">
-              <a:rPr lang="pt-PT" smtClean="0"/>
-              <a:pPr/>
-              <a:t>05-06-2010</a:t>
+            <a:pPr>
+              <a:defRPr/>
+            </a:pPr>
+            <a:fld id="{5AC99737-EF7B-4046-8485-113B3962FAC9}" type="datetimeFigureOut">
+              <a:rPr lang="pt-PT"/>
+              <a:pPr>
+                <a:defRPr/>
+              </a:pPr>
+              <a:t>07-06-2010</a:t>
             </a:fld>
             <a:endParaRPr lang="pt-PT"/>
           </a:p>
@@ -2673,7 +3064,7 @@
       </p:sp>
       <p:sp>
         <p:nvSpPr>
-          <p:cNvPr id="6" name="Footer Placeholder 5"/>
+          <p:cNvPr id="6" name="Footer Placeholder 4"/>
           <p:cNvSpPr>
             <a:spLocks noGrp="1"/>
           </p:cNvSpPr>
@@ -2684,15 +3075,22 @@
         <p:spPr/>
         <p:txBody>
           <a:bodyPr/>
-          <a:lstStyle/>
+          <a:lstStyle>
+            <a:lvl1pPr>
+              <a:defRPr/>
+            </a:lvl1pPr>
+          </a:lstStyle>
           <a:p>
+            <a:pPr>
+              <a:defRPr/>
+            </a:pPr>
             <a:endParaRPr lang="pt-PT"/>
           </a:p>
         </p:txBody>
       </p:sp>
       <p:sp>
         <p:nvSpPr>
-          <p:cNvPr id="7" name="Slide Number Placeholder 6"/>
+          <p:cNvPr id="7" name="Slide Number Placeholder 5"/>
           <p:cNvSpPr>
             <a:spLocks noGrp="1"/>
           </p:cNvSpPr>
@@ -2703,11 +3101,20 @@
         <p:spPr/>
         <p:txBody>
           <a:bodyPr/>
-          <a:lstStyle/>
+          <a:lstStyle>
+            <a:lvl1pPr>
+              <a:defRPr/>
+            </a:lvl1pPr>
+          </a:lstStyle>
           <a:p>
-            <a:fld id="{D5DDCC6F-A596-4ABA-B205-E05A930128F1}" type="slidenum">
-              <a:rPr lang="pt-PT" smtClean="0"/>
-              <a:pPr/>
+            <a:pPr>
+              <a:defRPr/>
+            </a:pPr>
+            <a:fld id="{06B2F309-C8E9-42E2-9E14-A605DE282DEF}" type="slidenum">
+              <a:rPr lang="pt-PT"/>
+              <a:pPr>
+                <a:defRPr/>
+              </a:pPr>
               <a:t>‹#›</a:t>
             </a:fld>
             <a:endParaRPr lang="pt-PT"/>
@@ -2788,7 +3195,9 @@
           </a:xfrm>
         </p:spPr>
         <p:txBody>
-          <a:bodyPr/>
+          <a:bodyPr rtlCol="0">
+            <a:normAutofit/>
+          </a:bodyPr>
           <a:lstStyle>
             <a:lvl1pPr marL="0" indent="0">
               <a:buNone/>
@@ -2828,7 +3237,8 @@
             </a:lvl9pPr>
           </a:lstStyle>
           <a:p>
-            <a:endParaRPr lang="pt-PT"/>
+            <a:pPr lvl="0"/>
+            <a:endParaRPr lang="pt-PT" noProof="0"/>
           </a:p>
         </p:txBody>
       </p:sp>
@@ -2899,7 +3309,7 @@
       </p:sp>
       <p:sp>
         <p:nvSpPr>
-          <p:cNvPr id="5" name="Date Placeholder 4"/>
+          <p:cNvPr id="5" name="Date Placeholder 3"/>
           <p:cNvSpPr>
             <a:spLocks noGrp="1"/>
           </p:cNvSpPr>
@@ -2910,12 +3320,21 @@
         <p:spPr/>
         <p:txBody>
           <a:bodyPr/>
-          <a:lstStyle/>
+          <a:lstStyle>
+            <a:lvl1pPr>
+              <a:defRPr/>
+            </a:lvl1pPr>
+          </a:lstStyle>
           <a:p>
-            <a:fld id="{26DF8626-EC5C-4898-B0FA-A9A4D1E0BDEF}" type="datetimeFigureOut">
-              <a:rPr lang="pt-PT" smtClean="0"/>
-              <a:pPr/>
-              <a:t>05-06-2010</a:t>
+            <a:pPr>
+              <a:defRPr/>
+            </a:pPr>
+            <a:fld id="{0D5A08CD-334D-4BA8-A300-820280061087}" type="datetimeFigureOut">
+              <a:rPr lang="pt-PT"/>
+              <a:pPr>
+                <a:defRPr/>
+              </a:pPr>
+              <a:t>07-06-2010</a:t>
             </a:fld>
             <a:endParaRPr lang="pt-PT"/>
           </a:p>
@@ -2923,7 +3342,7 @@
       </p:sp>
       <p:sp>
         <p:nvSpPr>
-          <p:cNvPr id="6" name="Footer Placeholder 5"/>
+          <p:cNvPr id="6" name="Footer Placeholder 4"/>
           <p:cNvSpPr>
             <a:spLocks noGrp="1"/>
           </p:cNvSpPr>
@@ -2934,15 +3353,22 @@
         <p:spPr/>
         <p:txBody>
           <a:bodyPr/>
-          <a:lstStyle/>
+          <a:lstStyle>
+            <a:lvl1pPr>
+              <a:defRPr/>
+            </a:lvl1pPr>
+          </a:lstStyle>
           <a:p>
+            <a:pPr>
+              <a:defRPr/>
+            </a:pPr>
             <a:endParaRPr lang="pt-PT"/>
           </a:p>
         </p:txBody>
       </p:sp>
       <p:sp>
         <p:nvSpPr>
-          <p:cNvPr id="7" name="Slide Number Placeholder 6"/>
+          <p:cNvPr id="7" name="Slide Number Placeholder 5"/>
           <p:cNvSpPr>
             <a:spLocks noGrp="1"/>
           </p:cNvSpPr>
@@ -2953,11 +3379,20 @@
         <p:spPr/>
         <p:txBody>
           <a:bodyPr/>
-          <a:lstStyle/>
+          <a:lstStyle>
+            <a:lvl1pPr>
+              <a:defRPr/>
+            </a:lvl1pPr>
+          </a:lstStyle>
           <a:p>
-            <a:fld id="{D5DDCC6F-A596-4ABA-B205-E05A930128F1}" type="slidenum">
-              <a:rPr lang="pt-PT" smtClean="0"/>
-              <a:pPr/>
+            <a:pPr>
+              <a:defRPr/>
+            </a:pPr>
+            <a:fld id="{B6CD857F-3AB0-4A3A-B9BF-566C9658A85B}" type="slidenum">
+              <a:rPr lang="pt-PT"/>
+              <a:pPr>
+                <a:defRPr/>
+              </a:pPr>
               <a:t>‹#›</a:t>
             </a:fld>
             <a:endParaRPr lang="pt-PT"/>
@@ -2996,7 +3431,7 @@
       </p:grpSpPr>
       <p:sp>
         <p:nvSpPr>
-          <p:cNvPr id="2" name="Title Placeholder 1"/>
+          <p:cNvPr id="1026" name="Title Placeholder 1"/>
           <p:cNvSpPr>
             <a:spLocks noGrp="1"/>
           </p:cNvSpPr>
@@ -3004,32 +3439,42 @@
             <p:ph type="title"/>
           </p:nvPr>
         </p:nvSpPr>
-        <p:spPr>
+        <p:spPr bwMode="auto">
           <a:xfrm>
-            <a:off x="342900" y="396699"/>
+            <a:off x="342900" y="396875"/>
             <a:ext cx="6172200" cy="1651000"/>
           </a:xfrm>
           <a:prstGeom prst="rect">
             <a:avLst/>
           </a:prstGeom>
+          <a:noFill/>
+          <a:ln w="9525">
+            <a:noFill/>
+            <a:miter lim="800000"/>
+            <a:headEnd/>
+            <a:tailEnd/>
+          </a:ln>
         </p:spPr>
         <p:txBody>
-          <a:bodyPr vert="horz" lIns="91440" tIns="45720" rIns="91440" bIns="45720" rtlCol="0" anchor="ctr">
-            <a:normAutofit/>
+          <a:bodyPr vert="horz" wrap="square" lIns="91440" tIns="45720" rIns="91440" bIns="45720" numCol="1" anchor="ctr" anchorCtr="0" compatLnSpc="1">
+            <a:prstTxWarp prst="textNoShape">
+              <a:avLst/>
+            </a:prstTxWarp>
           </a:bodyPr>
           <a:lstStyle/>
           <a:p>
+            <a:pPr lvl="0"/>
             <a:r>
               <a:rPr lang="en-US" smtClean="0"/>
               <a:t>Click to edit Master title style</a:t>
             </a:r>
-            <a:endParaRPr lang="pt-PT"/>
+            <a:endParaRPr lang="pt-PT" smtClean="0"/>
           </a:p>
         </p:txBody>
       </p:sp>
       <p:sp>
         <p:nvSpPr>
-          <p:cNvPr id="3" name="Text Placeholder 2"/>
+          <p:cNvPr id="1027" name="Text Placeholder 2"/>
           <p:cNvSpPr>
             <a:spLocks noGrp="1"/>
           </p:cNvSpPr>
@@ -3037,18 +3482,27 @@
             <p:ph type="body" idx="1"/>
           </p:nvPr>
         </p:nvSpPr>
-        <p:spPr>
+        <p:spPr bwMode="auto">
           <a:xfrm>
-            <a:off x="342900" y="2311401"/>
-            <a:ext cx="6172200" cy="6537502"/>
+            <a:off x="342900" y="2311400"/>
+            <a:ext cx="6172200" cy="6537325"/>
           </a:xfrm>
           <a:prstGeom prst="rect">
             <a:avLst/>
           </a:prstGeom>
+          <a:noFill/>
+          <a:ln w="9525">
+            <a:noFill/>
+            <a:miter lim="800000"/>
+            <a:headEnd/>
+            <a:tailEnd/>
+          </a:ln>
         </p:spPr>
         <p:txBody>
-          <a:bodyPr vert="horz" lIns="91440" tIns="45720" rIns="91440" bIns="45720" rtlCol="0">
-            <a:normAutofit/>
+          <a:bodyPr vert="horz" wrap="square" lIns="91440" tIns="45720" rIns="91440" bIns="45720" numCol="1" anchor="t" anchorCtr="0" compatLnSpc="1">
+            <a:prstTxWarp prst="textNoShape">
+              <a:avLst/>
+            </a:prstTxWarp>
           </a:bodyPr>
           <a:lstStyle/>
           <a:p>
@@ -3085,7 +3539,7 @@
               <a:rPr lang="en-US" smtClean="0"/>
               <a:t>Fifth level</a:t>
             </a:r>
-            <a:endParaRPr lang="pt-PT"/>
+            <a:endParaRPr lang="pt-PT" smtClean="0"/>
           </a:p>
         </p:txBody>
       </p:sp>
@@ -3101,8 +3555,8 @@
         </p:nvSpPr>
         <p:spPr>
           <a:xfrm>
-            <a:off x="342900" y="9181395"/>
-            <a:ext cx="1600200" cy="527403"/>
+            <a:off x="342900" y="9182100"/>
+            <a:ext cx="1600200" cy="527050"/>
           </a:xfrm>
           <a:prstGeom prst="rect">
             <a:avLst/>
@@ -3111,21 +3565,33 @@
         <p:txBody>
           <a:bodyPr vert="horz" lIns="91440" tIns="45720" rIns="91440" bIns="45720" rtlCol="0" anchor="ctr"/>
           <a:lstStyle>
-            <a:lvl1pPr algn="l">
-              <a:defRPr sz="1200">
+            <a:lvl1pPr algn="l" fontAlgn="auto">
+              <a:spcBef>
+                <a:spcPts val="0"/>
+              </a:spcBef>
+              <a:spcAft>
+                <a:spcPts val="0"/>
+              </a:spcAft>
+              <a:defRPr sz="1200" smtClean="0">
                 <a:solidFill>
                   <a:schemeClr val="tx1">
                     <a:tint val="75000"/>
                   </a:schemeClr>
                 </a:solidFill>
+                <a:latin typeface="+mn-lt"/>
               </a:defRPr>
             </a:lvl1pPr>
           </a:lstStyle>
           <a:p>
-            <a:fld id="{26DF8626-EC5C-4898-B0FA-A9A4D1E0BDEF}" type="datetimeFigureOut">
-              <a:rPr lang="pt-PT" smtClean="0"/>
-              <a:pPr/>
-              <a:t>05-06-2010</a:t>
+            <a:pPr>
+              <a:defRPr/>
+            </a:pPr>
+            <a:fld id="{A89EC774-6F76-4A47-A31C-57A9AD699BD2}" type="datetimeFigureOut">
+              <a:rPr lang="pt-PT"/>
+              <a:pPr>
+                <a:defRPr/>
+              </a:pPr>
+              <a:t>07-06-2010</a:t>
             </a:fld>
             <a:endParaRPr lang="pt-PT"/>
           </a:p>
@@ -3143,8 +3609,8 @@
         </p:nvSpPr>
         <p:spPr>
           <a:xfrm>
-            <a:off x="2343150" y="9181395"/>
-            <a:ext cx="2171700" cy="527403"/>
+            <a:off x="2343150" y="9182100"/>
+            <a:ext cx="2171700" cy="527050"/>
           </a:xfrm>
           <a:prstGeom prst="rect">
             <a:avLst/>
@@ -3153,17 +3619,27 @@
         <p:txBody>
           <a:bodyPr vert="horz" lIns="91440" tIns="45720" rIns="91440" bIns="45720" rtlCol="0" anchor="ctr"/>
           <a:lstStyle>
-            <a:lvl1pPr algn="ctr">
+            <a:lvl1pPr algn="ctr" fontAlgn="auto">
+              <a:spcBef>
+                <a:spcPts val="0"/>
+              </a:spcBef>
+              <a:spcAft>
+                <a:spcPts val="0"/>
+              </a:spcAft>
               <a:defRPr sz="1200">
                 <a:solidFill>
                   <a:schemeClr val="tx1">
                     <a:tint val="75000"/>
                   </a:schemeClr>
                 </a:solidFill>
+                <a:latin typeface="+mn-lt"/>
               </a:defRPr>
             </a:lvl1pPr>
           </a:lstStyle>
           <a:p>
+            <a:pPr>
+              <a:defRPr/>
+            </a:pPr>
             <a:endParaRPr lang="pt-PT"/>
           </a:p>
         </p:txBody>
@@ -3180,8 +3656,8 @@
         </p:nvSpPr>
         <p:spPr>
           <a:xfrm>
-            <a:off x="4914900" y="9181395"/>
-            <a:ext cx="1600200" cy="527403"/>
+            <a:off x="4914900" y="9182100"/>
+            <a:ext cx="1600200" cy="527050"/>
           </a:xfrm>
           <a:prstGeom prst="rect">
             <a:avLst/>
@@ -3190,20 +3666,32 @@
         <p:txBody>
           <a:bodyPr vert="horz" lIns="91440" tIns="45720" rIns="91440" bIns="45720" rtlCol="0" anchor="ctr"/>
           <a:lstStyle>
-            <a:lvl1pPr algn="r">
-              <a:defRPr sz="1200">
+            <a:lvl1pPr algn="r" fontAlgn="auto">
+              <a:spcBef>
+                <a:spcPts val="0"/>
+              </a:spcBef>
+              <a:spcAft>
+                <a:spcPts val="0"/>
+              </a:spcAft>
+              <a:defRPr sz="1200" smtClean="0">
                 <a:solidFill>
                   <a:schemeClr val="tx1">
                     <a:tint val="75000"/>
                   </a:schemeClr>
                 </a:solidFill>
+                <a:latin typeface="+mn-lt"/>
               </a:defRPr>
             </a:lvl1pPr>
           </a:lstStyle>
           <a:p>
-            <a:fld id="{D5DDCC6F-A596-4ABA-B205-E05A930128F1}" type="slidenum">
-              <a:rPr lang="pt-PT" smtClean="0"/>
-              <a:pPr/>
+            <a:pPr>
+              <a:defRPr/>
+            </a:pPr>
+            <a:fld id="{0DA6F7DE-EC50-4A79-A4F0-DA53881FC266}" type="slidenum">
+              <a:rPr lang="pt-PT"/>
+              <a:pPr>
+                <a:defRPr/>
+              </a:pPr>
               <a:t>‹#›</a:t>
             </a:fld>
             <a:endParaRPr lang="pt-PT"/>
@@ -3228,11 +3716,13 @@
   </p:sldLayoutIdLst>
   <p:txStyles>
     <p:titleStyle>
-      <a:lvl1pPr algn="ctr" defTabSz="914400" rtl="0" eaLnBrk="1" latinLnBrk="0" hangingPunct="1">
+      <a:lvl1pPr algn="ctr" rtl="0" fontAlgn="base">
         <a:spcBef>
           <a:spcPct val="0"/>
         </a:spcBef>
-        <a:buNone/>
+        <a:spcAft>
+          <a:spcPct val="0"/>
+        </a:spcAft>
         <a:defRPr sz="4400" kern="1200">
           <a:solidFill>
             <a:schemeClr val="tx1"/>
@@ -3242,13 +3732,128 @@
           <a:cs typeface="+mj-cs"/>
         </a:defRPr>
       </a:lvl1pPr>
+      <a:lvl2pPr algn="ctr" rtl="0" fontAlgn="base">
+        <a:spcBef>
+          <a:spcPct val="0"/>
+        </a:spcBef>
+        <a:spcAft>
+          <a:spcPct val="0"/>
+        </a:spcAft>
+        <a:defRPr sz="4400">
+          <a:solidFill>
+            <a:schemeClr val="tx1"/>
+          </a:solidFill>
+          <a:latin typeface="Calibri" pitchFamily="34" charset="0"/>
+        </a:defRPr>
+      </a:lvl2pPr>
+      <a:lvl3pPr algn="ctr" rtl="0" fontAlgn="base">
+        <a:spcBef>
+          <a:spcPct val="0"/>
+        </a:spcBef>
+        <a:spcAft>
+          <a:spcPct val="0"/>
+        </a:spcAft>
+        <a:defRPr sz="4400">
+          <a:solidFill>
+            <a:schemeClr val="tx1"/>
+          </a:solidFill>
+          <a:latin typeface="Calibri" pitchFamily="34" charset="0"/>
+        </a:defRPr>
+      </a:lvl3pPr>
+      <a:lvl4pPr algn="ctr" rtl="0" fontAlgn="base">
+        <a:spcBef>
+          <a:spcPct val="0"/>
+        </a:spcBef>
+        <a:spcAft>
+          <a:spcPct val="0"/>
+        </a:spcAft>
+        <a:defRPr sz="4400">
+          <a:solidFill>
+            <a:schemeClr val="tx1"/>
+          </a:solidFill>
+          <a:latin typeface="Calibri" pitchFamily="34" charset="0"/>
+        </a:defRPr>
+      </a:lvl4pPr>
+      <a:lvl5pPr algn="ctr" rtl="0" fontAlgn="base">
+        <a:spcBef>
+          <a:spcPct val="0"/>
+        </a:spcBef>
+        <a:spcAft>
+          <a:spcPct val="0"/>
+        </a:spcAft>
+        <a:defRPr sz="4400">
+          <a:solidFill>
+            <a:schemeClr val="tx1"/>
+          </a:solidFill>
+          <a:latin typeface="Calibri" pitchFamily="34" charset="0"/>
+        </a:defRPr>
+      </a:lvl5pPr>
+      <a:lvl6pPr marL="457200" algn="ctr" rtl="0" fontAlgn="base">
+        <a:spcBef>
+          <a:spcPct val="0"/>
+        </a:spcBef>
+        <a:spcAft>
+          <a:spcPct val="0"/>
+        </a:spcAft>
+        <a:defRPr sz="4400">
+          <a:solidFill>
+            <a:schemeClr val="tx1"/>
+          </a:solidFill>
+          <a:latin typeface="Calibri" pitchFamily="34" charset="0"/>
+        </a:defRPr>
+      </a:lvl6pPr>
+      <a:lvl7pPr marL="914400" algn="ctr" rtl="0" fontAlgn="base">
+        <a:spcBef>
+          <a:spcPct val="0"/>
+        </a:spcBef>
+        <a:spcAft>
+          <a:spcPct val="0"/>
+        </a:spcAft>
+        <a:defRPr sz="4400">
+          <a:solidFill>
+            <a:schemeClr val="tx1"/>
+          </a:solidFill>
+          <a:latin typeface="Calibri" pitchFamily="34" charset="0"/>
+        </a:defRPr>
+      </a:lvl7pPr>
+      <a:lvl8pPr marL="1371600" algn="ctr" rtl="0" fontAlgn="base">
+        <a:spcBef>
+          <a:spcPct val="0"/>
+        </a:spcBef>
+        <a:spcAft>
+          <a:spcPct val="0"/>
+        </a:spcAft>
+        <a:defRPr sz="4400">
+          <a:solidFill>
+            <a:schemeClr val="tx1"/>
+          </a:solidFill>
+          <a:latin typeface="Calibri" pitchFamily="34" charset="0"/>
+        </a:defRPr>
+      </a:lvl8pPr>
+      <a:lvl9pPr marL="1828800" algn="ctr" rtl="0" fontAlgn="base">
+        <a:spcBef>
+          <a:spcPct val="0"/>
+        </a:spcBef>
+        <a:spcAft>
+          <a:spcPct val="0"/>
+        </a:spcAft>
+        <a:defRPr sz="4400">
+          <a:solidFill>
+            <a:schemeClr val="tx1"/>
+          </a:solidFill>
+          <a:latin typeface="Calibri" pitchFamily="34" charset="0"/>
+        </a:defRPr>
+      </a:lvl9pPr>
     </p:titleStyle>
     <p:bodyStyle>
-      <a:lvl1pPr marL="342900" indent="-342900" algn="l" defTabSz="914400" rtl="0" eaLnBrk="1" latinLnBrk="0" hangingPunct="1">
+      <a:lvl1pPr marL="342900" indent="-342900" algn="l" rtl="0" fontAlgn="base">
         <a:spcBef>
           <a:spcPct val="20000"/>
         </a:spcBef>
-        <a:buFont typeface="Arial" pitchFamily="34" charset="0"/>
+        <a:spcAft>
+          <a:spcPct val="0"/>
+        </a:spcAft>
+        <a:buFont typeface="Arial" charset="0"/>
         <a:buChar char="•"/>
         <a:defRPr sz="3200" kern="1200">
           <a:solidFill>
@@ -3259,11 +3864,14 @@
           <a:cs typeface="+mn-cs"/>
         </a:defRPr>
       </a:lvl1pPr>
-      <a:lvl2pPr marL="742950" indent="-285750" algn="l" defTabSz="914400" rtl="0" eaLnBrk="1" latinLnBrk="0" hangingPunct="1">
+      <a:lvl2pPr marL="742950" indent="-285750" algn="l" rtl="0" fontAlgn="base">
         <a:spcBef>
           <a:spcPct val="20000"/>
         </a:spcBef>
-        <a:buFont typeface="Arial" pitchFamily="34" charset="0"/>
+        <a:spcAft>
+          <a:spcPct val="0"/>
+        </a:spcAft>
+        <a:buFont typeface="Arial" charset="0"/>
         <a:buChar char="–"/>
         <a:defRPr sz="2800" kern="1200">
           <a:solidFill>
@@ -3274,11 +3882,14 @@
           <a:cs typeface="+mn-cs"/>
         </a:defRPr>
       </a:lvl2pPr>
-      <a:lvl3pPr marL="1143000" indent="-228600" algn="l" defTabSz="914400" rtl="0" eaLnBrk="1" latinLnBrk="0" hangingPunct="1">
+      <a:lvl3pPr marL="1143000" indent="-228600" algn="l" rtl="0" fontAlgn="base">
         <a:spcBef>
           <a:spcPct val="20000"/>
         </a:spcBef>
-        <a:buFont typeface="Arial" pitchFamily="34" charset="0"/>
+        <a:spcAft>
+          <a:spcPct val="0"/>
+        </a:spcAft>
+        <a:buFont typeface="Arial" charset="0"/>
         <a:buChar char="•"/>
         <a:defRPr sz="2400" kern="1200">
           <a:solidFill>
@@ -3289,11 +3900,14 @@
           <a:cs typeface="+mn-cs"/>
         </a:defRPr>
       </a:lvl3pPr>
-      <a:lvl4pPr marL="1600200" indent="-228600" algn="l" defTabSz="914400" rtl="0" eaLnBrk="1" latinLnBrk="0" hangingPunct="1">
+      <a:lvl4pPr marL="1600200" indent="-228600" algn="l" rtl="0" fontAlgn="base">
         <a:spcBef>
           <a:spcPct val="20000"/>
         </a:spcBef>
-        <a:buFont typeface="Arial" pitchFamily="34" charset="0"/>
+        <a:spcAft>
+          <a:spcPct val="0"/>
+        </a:spcAft>
+        <a:buFont typeface="Arial" charset="0"/>
         <a:buChar char="–"/>
         <a:defRPr sz="2000" kern="1200">
           <a:solidFill>
@@ -3304,11 +3918,14 @@
           <a:cs typeface="+mn-cs"/>
         </a:defRPr>
       </a:lvl4pPr>
-      <a:lvl5pPr marL="2057400" indent="-228600" algn="l" defTabSz="914400" rtl="0" eaLnBrk="1" latinLnBrk="0" hangingPunct="1">
+      <a:lvl5pPr marL="2057400" indent="-228600" algn="l" rtl="0" fontAlgn="base">
         <a:spcBef>
           <a:spcPct val="20000"/>
         </a:spcBef>
-        <a:buFont typeface="Arial" pitchFamily="34" charset="0"/>
+        <a:spcAft>
+          <a:spcPct val="0"/>
+        </a:spcAft>
+        <a:buFont typeface="Arial" charset="0"/>
         <a:buChar char="»"/>
         <a:defRPr sz="2000" kern="1200">
           <a:solidFill>
@@ -3498,7 +4115,7 @@
       </p:grpSpPr>
       <p:pic>
         <p:nvPicPr>
-          <p:cNvPr id="3075" name="Picture 3"/>
+          <p:cNvPr id="14337" name="Picture 3"/>
           <p:cNvPicPr>
             <a:picLocks noChangeAspect="1" noChangeArrowheads="1"/>
           </p:cNvPicPr>
@@ -3513,8 +4130,8 @@
         </p:blipFill>
         <p:spPr bwMode="auto">
           <a:xfrm>
-            <a:off x="1" y="1"/>
-            <a:ext cx="6857999" cy="9906000"/>
+            <a:off x="0" y="0"/>
+            <a:ext cx="6858000" cy="9906000"/>
           </a:xfrm>
           <a:prstGeom prst="rect">
             <a:avLst/>
@@ -3526,7 +4143,6 @@
             <a:headEnd/>
             <a:tailEnd/>
           </a:ln>
-          <a:effectLst/>
         </p:spPr>
       </p:pic>
       <p:sp>
@@ -3537,8 +4153,8 @@
         </p:nvSpPr>
         <p:spPr>
           <a:xfrm>
-            <a:off x="249152" y="6953264"/>
-            <a:ext cx="3357586" cy="1928826"/>
+            <a:off x="142875" y="6953250"/>
+            <a:ext cx="3357563" cy="1928813"/>
           </a:xfrm>
           <a:prstGeom prst="roundRect">
             <a:avLst/>
@@ -3561,55 +4177,74 @@
           </a:fontRef>
         </p:style>
         <p:txBody>
-          <a:bodyPr rtlCol="0" anchor="ctr"/>
+          <a:bodyPr anchor="ctr"/>
           <a:lstStyle/>
           <a:p>
-            <a:pPr algn="ctr"/>
+            <a:pPr algn="ctr" fontAlgn="auto">
+              <a:spcBef>
+                <a:spcPts val="0"/>
+              </a:spcBef>
+              <a:spcAft>
+                <a:spcPts val="0"/>
+              </a:spcAft>
+              <a:defRPr/>
+            </a:pPr>
             <a:endParaRPr lang="pt-PT"/>
           </a:p>
         </p:txBody>
       </p:sp>
       <p:sp>
         <p:nvSpPr>
-          <p:cNvPr id="79" name="TextBox 78"/>
-          <p:cNvSpPr txBox="1"/>
+          <p:cNvPr id="14339" name="TextBox 78"/>
+          <p:cNvSpPr txBox="1">
+            <a:spLocks noChangeArrowheads="1"/>
+          </p:cNvSpPr>
           <p:nvPr/>
         </p:nvSpPr>
-        <p:spPr>
+        <p:spPr bwMode="auto">
           <a:xfrm>
-            <a:off x="142852" y="2881298"/>
-            <a:ext cx="2348207" cy="523220"/>
+            <a:off x="142875" y="2881313"/>
+            <a:ext cx="2362200" cy="517525"/>
           </a:xfrm>
           <a:prstGeom prst="rect">
             <a:avLst/>
           </a:prstGeom>
           <a:noFill/>
+          <a:ln w="9525">
+            <a:noFill/>
+            <a:miter lim="800000"/>
+            <a:headEnd/>
+            <a:tailEnd/>
+          </a:ln>
         </p:spPr>
         <p:txBody>
-          <a:bodyPr wrap="none" rtlCol="0">
+          <a:bodyPr wrap="none">
             <a:spAutoFit/>
           </a:bodyPr>
           <a:lstStyle/>
           <a:p>
             <a:pPr>
-              <a:buFontTx/>
-              <a:buChar char="-"/>
+              <a:buFont typeface="Wingdings" pitchFamily="2" charset="2"/>
+              <a:buChar char="§"/>
             </a:pPr>
             <a:r>
-              <a:rPr lang="pt-PT" sz="1400" dirty="0" smtClean="0"/>
+              <a:rPr lang="pt-PT" sz="1400">
+                <a:latin typeface="Calibri" pitchFamily="34" charset="0"/>
+              </a:rPr>
               <a:t>Identificação de objectivos</a:t>
             </a:r>
           </a:p>
           <a:p>
             <a:pPr>
-              <a:buFontTx/>
-              <a:buChar char="-"/>
+              <a:buFont typeface="Wingdings" pitchFamily="2" charset="2"/>
+              <a:buChar char="§"/>
             </a:pPr>
             <a:r>
-              <a:rPr lang="pt-PT" sz="1400" dirty="0" smtClean="0"/>
+              <a:rPr lang="pt-PT" sz="1400">
+                <a:latin typeface="Calibri" pitchFamily="34" charset="0"/>
+              </a:rPr>
               <a:t>Modularização em requisitos</a:t>
             </a:r>
-            <a:endParaRPr lang="pt-PT" sz="1400" dirty="0" smtClean="0"/>
           </a:p>
         </p:txBody>
       </p:sp>
@@ -3676,10 +4311,18 @@
           </a:fontRef>
         </p:style>
         <p:txBody>
-          <a:bodyPr rtlCol="0" anchor="ctr"/>
+          <a:bodyPr anchor="ctr"/>
           <a:lstStyle/>
           <a:p>
-            <a:pPr algn="ctr"/>
+            <a:pPr algn="ctr" fontAlgn="auto">
+              <a:spcBef>
+                <a:spcPts val="0"/>
+              </a:spcBef>
+              <a:spcAft>
+                <a:spcPts val="0"/>
+              </a:spcAft>
+              <a:defRPr/>
+            </a:pPr>
             <a:endParaRPr lang="pt-PT"/>
           </a:p>
         </p:txBody>
@@ -3747,10 +4390,18 @@
           </a:fontRef>
         </p:style>
         <p:txBody>
-          <a:bodyPr rtlCol="0" anchor="ctr"/>
+          <a:bodyPr anchor="ctr"/>
           <a:lstStyle/>
           <a:p>
-            <a:pPr algn="ctr"/>
+            <a:pPr algn="ctr" fontAlgn="auto">
+              <a:spcBef>
+                <a:spcPts val="0"/>
+              </a:spcBef>
+              <a:spcAft>
+                <a:spcPts val="0"/>
+              </a:spcAft>
+              <a:defRPr/>
+            </a:pPr>
             <a:endParaRPr lang="pt-PT"/>
           </a:p>
         </p:txBody>
@@ -3818,128 +4469,151 @@
           </a:fontRef>
         </p:style>
         <p:txBody>
-          <a:bodyPr rtlCol="0" anchor="ctr"/>
+          <a:bodyPr anchor="ctr"/>
           <a:lstStyle/>
           <a:p>
-            <a:pPr algn="ctr"/>
+            <a:pPr algn="ctr" fontAlgn="auto">
+              <a:spcBef>
+                <a:spcPts val="0"/>
+              </a:spcBef>
+              <a:spcAft>
+                <a:spcPts val="0"/>
+              </a:spcAft>
+              <a:defRPr/>
+            </a:pPr>
             <a:endParaRPr lang="pt-PT"/>
           </a:p>
         </p:txBody>
       </p:sp>
       <p:sp>
         <p:nvSpPr>
-          <p:cNvPr id="84" name="TextBox 83"/>
-          <p:cNvSpPr txBox="1"/>
+          <p:cNvPr id="14349" name="TextBox 83"/>
+          <p:cNvSpPr txBox="1">
+            <a:spLocks noChangeArrowheads="1"/>
+          </p:cNvSpPr>
           <p:nvPr/>
         </p:nvSpPr>
-        <p:spPr>
+        <p:spPr bwMode="auto">
           <a:xfrm>
-            <a:off x="3357562" y="4167182"/>
-            <a:ext cx="3357586" cy="1384995"/>
+            <a:off x="3357563" y="4167188"/>
+            <a:ext cx="3357562" cy="1368425"/>
           </a:xfrm>
           <a:prstGeom prst="rect">
             <a:avLst/>
           </a:prstGeom>
           <a:noFill/>
+          <a:ln w="9525">
+            <a:noFill/>
+            <a:miter lim="800000"/>
+            <a:headEnd/>
+            <a:tailEnd/>
+          </a:ln>
         </p:spPr>
         <p:txBody>
-          <a:bodyPr wrap="square" rtlCol="0">
+          <a:bodyPr>
             <a:spAutoFit/>
           </a:bodyPr>
           <a:lstStyle/>
           <a:p>
             <a:pPr>
-              <a:buFontTx/>
-              <a:buChar char="-"/>
+              <a:buFont typeface="Wingdings" pitchFamily="2" charset="2"/>
+              <a:buChar char="§"/>
             </a:pPr>
             <a:r>
-              <a:rPr lang="pt-PT" sz="1400" dirty="0" smtClean="0"/>
+              <a:rPr lang="pt-PT" sz="1400">
+                <a:latin typeface="Calibri" pitchFamily="34" charset="0"/>
+              </a:rPr>
               <a:t> Definição do modelo de tipos</a:t>
             </a:r>
           </a:p>
           <a:p>
             <a:pPr>
-              <a:buFontTx/>
-              <a:buChar char="-"/>
+              <a:buFont typeface="Wingdings" pitchFamily="2" charset="2"/>
+              <a:buChar char="§"/>
             </a:pPr>
             <a:r>
-              <a:rPr lang="pt-PT" sz="1400" dirty="0" smtClean="0"/>
-              <a:t> Digrama de classes e modelo entidade associação</a:t>
+              <a:rPr lang="pt-PT" sz="1400">
+                <a:latin typeface="Calibri" pitchFamily="34" charset="0"/>
+              </a:rPr>
+              <a:t> Diagrama de classes e modelo entidade associação</a:t>
             </a:r>
           </a:p>
           <a:p>
             <a:pPr>
-              <a:buFontTx/>
-              <a:buChar char="-"/>
+              <a:buFont typeface="Wingdings" pitchFamily="2" charset="2"/>
+              <a:buChar char="§"/>
             </a:pPr>
             <a:r>
-              <a:rPr lang="pt-PT" sz="1400" dirty="0" smtClean="0"/>
-              <a:t> </a:t>
-            </a:r>
-            <a:r>
-              <a:rPr lang="pt-PT" sz="1400" dirty="0" smtClean="0"/>
-              <a:t>Levantamento de recursos (BD, email, ...)</a:t>
+              <a:rPr lang="pt-PT" sz="1400">
+                <a:latin typeface="Calibri" pitchFamily="34" charset="0"/>
+              </a:rPr>
+              <a:t> Levantamento de recursos (BD, email, ...)</a:t>
             </a:r>
           </a:p>
           <a:p>
             <a:pPr>
-              <a:buFontTx/>
-              <a:buChar char="-"/>
+              <a:buFont typeface="Wingdings" pitchFamily="2" charset="2"/>
+              <a:buChar char="§"/>
             </a:pPr>
             <a:r>
-              <a:rPr lang="pt-PT" sz="1400" dirty="0" smtClean="0"/>
+              <a:rPr lang="pt-PT" sz="1400">
+                <a:latin typeface="Calibri" pitchFamily="34" charset="0"/>
+              </a:rPr>
               <a:t>Especificação de processos de negócio e respectivas permissões (RBAC)</a:t>
             </a:r>
-            <a:endParaRPr lang="pt-PT" sz="1400" dirty="0" smtClean="0"/>
           </a:p>
         </p:txBody>
       </p:sp>
       <p:sp>
         <p:nvSpPr>
-          <p:cNvPr id="85" name="TextBox 84"/>
-          <p:cNvSpPr txBox="1"/>
+          <p:cNvPr id="14350" name="TextBox 84"/>
+          <p:cNvSpPr txBox="1">
+            <a:spLocks noChangeArrowheads="1"/>
+          </p:cNvSpPr>
           <p:nvPr/>
         </p:nvSpPr>
-        <p:spPr>
+        <p:spPr bwMode="auto">
           <a:xfrm>
-            <a:off x="71414" y="5453066"/>
-            <a:ext cx="3214710" cy="954107"/>
+            <a:off x="71438" y="5453063"/>
+            <a:ext cx="3214687" cy="942975"/>
           </a:xfrm>
           <a:prstGeom prst="rect">
             <a:avLst/>
           </a:prstGeom>
           <a:noFill/>
+          <a:ln w="9525">
+            <a:noFill/>
+            <a:miter lim="800000"/>
+            <a:headEnd/>
+            <a:tailEnd/>
+          </a:ln>
         </p:spPr>
         <p:txBody>
-          <a:bodyPr wrap="square" rtlCol="0">
+          <a:bodyPr>
             <a:spAutoFit/>
           </a:bodyPr>
           <a:lstStyle/>
           <a:p>
             <a:pPr>
-              <a:buFontTx/>
-              <a:buChar char="-"/>
+              <a:buFont typeface="Wingdings" pitchFamily="2" charset="2"/>
+              <a:buChar char="§"/>
             </a:pPr>
             <a:r>
-              <a:rPr lang="pt-PT" sz="1400" dirty="0" smtClean="0"/>
-              <a:t> </a:t>
-            </a:r>
-            <a:r>
-              <a:rPr lang="pt-PT" sz="1400" dirty="0" smtClean="0"/>
-              <a:t>Resultado da análise codificado em XML com s</a:t>
-            </a:r>
-            <a:r>
-              <a:rPr lang="pt-PT" sz="1400" dirty="0" smtClean="0"/>
-              <a:t>quema pré-definido</a:t>
+              <a:rPr lang="pt-PT" sz="1400">
+                <a:latin typeface="Calibri" pitchFamily="34" charset="0"/>
+              </a:rPr>
+              <a:t> Resultado da análise codificado em XML com schema pré-definido</a:t>
             </a:r>
           </a:p>
           <a:p>
             <a:pPr>
-              <a:buFontTx/>
-              <a:buChar char="-"/>
+              <a:buFont typeface="Wingdings" pitchFamily="2" charset="2"/>
+              <a:buChar char="§"/>
             </a:pPr>
             <a:r>
-              <a:rPr lang="pt-PT" sz="1400" dirty="0" smtClean="0"/>
+              <a:rPr lang="pt-PT" sz="1400">
+                <a:latin typeface="Calibri" pitchFamily="34" charset="0"/>
+              </a:rPr>
               <a:t> Agrupamento de toda a estrutura da solução</a:t>
             </a:r>
           </a:p>
@@ -3947,66 +4621,78 @@
       </p:sp>
       <p:sp>
         <p:nvSpPr>
-          <p:cNvPr id="86" name="TextBox 85"/>
-          <p:cNvSpPr txBox="1"/>
+          <p:cNvPr id="14351" name="TextBox 85"/>
+          <p:cNvSpPr txBox="1">
+            <a:spLocks noChangeArrowheads="1"/>
+          </p:cNvSpPr>
           <p:nvPr/>
         </p:nvSpPr>
-        <p:spPr>
+        <p:spPr bwMode="auto">
           <a:xfrm>
-            <a:off x="3714776" y="7568533"/>
-            <a:ext cx="3214686" cy="954107"/>
+            <a:off x="3714750" y="7569200"/>
+            <a:ext cx="3214688" cy="942975"/>
           </a:xfrm>
           <a:prstGeom prst="rect">
             <a:avLst/>
           </a:prstGeom>
           <a:noFill/>
+          <a:ln w="9525">
+            <a:noFill/>
+            <a:miter lim="800000"/>
+            <a:headEnd/>
+            <a:tailEnd/>
+          </a:ln>
         </p:spPr>
         <p:txBody>
-          <a:bodyPr wrap="square" rtlCol="0">
+          <a:bodyPr>
             <a:spAutoFit/>
           </a:bodyPr>
           <a:lstStyle/>
           <a:p>
             <a:pPr>
-              <a:buFontTx/>
-              <a:buChar char="-"/>
+              <a:buFont typeface="Wingdings" pitchFamily="2" charset="2"/>
+              <a:buChar char="§"/>
             </a:pPr>
             <a:r>
-              <a:rPr lang="pt-PT" sz="1400" dirty="0" smtClean="0"/>
-              <a:t> </a:t>
-            </a:r>
-            <a:r>
-              <a:rPr lang="pt-PT" sz="1400" dirty="0" smtClean="0"/>
-              <a:t>Suporte para C#, SQL</a:t>
+              <a:rPr lang="pt-PT" sz="1400">
+                <a:latin typeface="Calibri" pitchFamily="34" charset="0"/>
+              </a:rPr>
+              <a:t> Suporte para C#, SQL</a:t>
             </a:r>
           </a:p>
           <a:p>
             <a:pPr>
-              <a:buFontTx/>
-              <a:buChar char="-"/>
+              <a:buFont typeface="Wingdings" pitchFamily="2" charset="2"/>
+              <a:buChar char="§"/>
             </a:pPr>
             <a:r>
-              <a:rPr lang="pt-PT" sz="1400" dirty="0" smtClean="0"/>
+              <a:rPr lang="pt-PT" sz="1400">
+                <a:latin typeface="Calibri" pitchFamily="34" charset="0"/>
+              </a:rPr>
               <a:t> Extensível a outras linguagens</a:t>
             </a:r>
           </a:p>
           <a:p>
             <a:pPr>
-              <a:buFontTx/>
-              <a:buChar char="-"/>
+              <a:buFont typeface="Wingdings" pitchFamily="2" charset="2"/>
+              <a:buChar char="§"/>
             </a:pPr>
             <a:r>
-              <a:rPr lang="pt-PT" sz="1400" dirty="0" smtClean="0"/>
+              <a:rPr lang="pt-PT" sz="1400">
+                <a:latin typeface="Calibri" pitchFamily="34" charset="0"/>
+              </a:rPr>
               <a:t>Integração com Visual Studio</a:t>
             </a:r>
           </a:p>
           <a:p>
             <a:pPr>
-              <a:buFontTx/>
-              <a:buChar char="-"/>
+              <a:buFont typeface="Wingdings" pitchFamily="2" charset="2"/>
+              <a:buChar char="§"/>
             </a:pPr>
             <a:r>
-              <a:rPr lang="pt-PT" sz="1400" dirty="0" smtClean="0"/>
+              <a:rPr lang="pt-PT" sz="1400">
+                <a:latin typeface="Calibri" pitchFamily="34" charset="0"/>
+              </a:rPr>
               <a:t>Implementação de operações CRUD</a:t>
             </a:r>
           </a:p>
@@ -4021,7 +4707,7 @@
         <p:spPr>
           <a:xfrm>
             <a:off x="0" y="0"/>
-            <a:ext cx="6858000" cy="666720"/>
+            <a:ext cx="6858000" cy="666750"/>
           </a:xfrm>
           <a:prstGeom prst="flowChartDocument">
             <a:avLst/>
@@ -4065,10 +4751,18 @@
           </a:fontRef>
         </p:style>
         <p:txBody>
-          <a:bodyPr rtlCol="0" anchor="ctr"/>
+          <a:bodyPr anchor="ctr"/>
           <a:lstStyle/>
           <a:p>
-            <a:pPr algn="ctr"/>
+            <a:pPr algn="ctr" fontAlgn="auto">
+              <a:spcBef>
+                <a:spcPts val="0"/>
+              </a:spcBef>
+              <a:spcAft>
+                <a:spcPts val="0"/>
+              </a:spcAft>
+              <a:defRPr/>
+            </a:pPr>
             <a:endParaRPr lang="pt-PT"/>
           </a:p>
         </p:txBody>
@@ -4081,8 +4775,8 @@
         </p:nvSpPr>
         <p:spPr>
           <a:xfrm rot="10800000">
-            <a:off x="0" y="8953528"/>
-            <a:ext cx="6858000" cy="952472"/>
+            <a:off x="0" y="8953500"/>
+            <a:ext cx="6858000" cy="952500"/>
           </a:xfrm>
           <a:prstGeom prst="flowChartDocument">
             <a:avLst/>
@@ -4126,10 +4820,18 @@
           </a:fontRef>
         </p:style>
         <p:txBody>
-          <a:bodyPr rtlCol="0" anchor="ctr"/>
+          <a:bodyPr anchor="ctr"/>
           <a:lstStyle/>
           <a:p>
-            <a:pPr algn="ctr"/>
+            <a:pPr algn="ctr" fontAlgn="auto">
+              <a:spcBef>
+                <a:spcPts val="0"/>
+              </a:spcBef>
+              <a:spcAft>
+                <a:spcPts val="0"/>
+              </a:spcAft>
+              <a:defRPr/>
+            </a:pPr>
             <a:endParaRPr lang="pt-PT"/>
           </a:p>
         </p:txBody>
@@ -4142,8 +4844,8 @@
         </p:nvSpPr>
         <p:spPr>
           <a:xfrm>
-            <a:off x="18264" y="21302"/>
-            <a:ext cx="4236353" cy="461665"/>
+            <a:off x="19050" y="20638"/>
+            <a:ext cx="4235450" cy="461962"/>
           </a:xfrm>
           <a:prstGeom prst="rect">
             <a:avLst/>
@@ -4158,16 +4860,26 @@
           </a:effectLst>
         </p:spPr>
         <p:txBody>
-          <a:bodyPr wrap="none" rtlCol="0">
+          <a:bodyPr wrap="none">
             <a:spAutoFit/>
           </a:bodyPr>
           <a:lstStyle/>
           <a:p>
+            <a:pPr fontAlgn="auto">
+              <a:spcBef>
+                <a:spcPts val="0"/>
+              </a:spcBef>
+              <a:spcAft>
+                <a:spcPts val="0"/>
+              </a:spcAft>
+              <a:defRPr/>
+            </a:pPr>
             <a:r>
-              <a:rPr lang="pt-PT" sz="2400" b="1" dirty="0" smtClean="0">
+              <a:rPr lang="pt-PT" sz="2400" b="1" dirty="0">
                 <a:solidFill>
                   <a:schemeClr val="bg1"/>
                 </a:solidFill>
+                <a:latin typeface="+mn-lt"/>
               </a:rPr>
               <a:t>Rapid Application Development</a:t>
             </a:r>
@@ -4175,6 +4887,7 @@
               <a:solidFill>
                 <a:schemeClr val="bg1"/>
               </a:solidFill>
+              <a:latin typeface="+mn-lt"/>
             </a:endParaRPr>
           </a:p>
         </p:txBody>
@@ -4187,8 +4900,8 @@
         </p:nvCxnSpPr>
         <p:spPr>
           <a:xfrm flipV="1">
-            <a:off x="4304544" y="252135"/>
-            <a:ext cx="2381244" cy="1865"/>
+            <a:off x="4305300" y="252413"/>
+            <a:ext cx="2381250" cy="1587"/>
           </a:xfrm>
           <a:prstGeom prst="line">
             <a:avLst/>
@@ -4223,14 +4936,16 @@
       </p:cxnSp>
       <p:grpSp>
         <p:nvGrpSpPr>
-          <p:cNvPr id="111" name="Group 110"/>
-          <p:cNvGrpSpPr/>
+          <p:cNvPr id="14356" name="Group 110"/>
+          <p:cNvGrpSpPr>
+            <a:grpSpLocks/>
+          </p:cNvGrpSpPr>
           <p:nvPr/>
         </p:nvGrpSpPr>
-        <p:grpSpPr>
+        <p:grpSpPr bwMode="auto">
           <a:xfrm>
-            <a:off x="267167" y="1013749"/>
-            <a:ext cx="1794070" cy="1752266"/>
+            <a:off x="266700" y="1014413"/>
+            <a:ext cx="1793875" cy="1751012"/>
             <a:chOff x="338605" y="1347785"/>
             <a:chExt cx="1794070" cy="1752266"/>
           </a:xfrm>
@@ -4243,8 +4958,8 @@
           </p:nvSpPr>
           <p:spPr>
             <a:xfrm rot="2400216">
-              <a:off x="338605" y="1397412"/>
-              <a:ext cx="1429604" cy="1429604"/>
+              <a:off x="338605" y="1397032"/>
+              <a:ext cx="1428905" cy="1429773"/>
             </a:xfrm>
             <a:prstGeom prst="ellipse">
               <a:avLst/>
@@ -4273,10 +4988,18 @@
             </a:fontRef>
           </p:style>
           <p:txBody>
-            <a:bodyPr rtlCol="0" anchor="ctr"/>
+            <a:bodyPr anchor="ctr"/>
             <a:lstStyle/>
             <a:p>
-              <a:pPr algn="ctr"/>
+              <a:pPr algn="ctr" fontAlgn="auto">
+                <a:spcBef>
+                  <a:spcPts val="0"/>
+                </a:spcBef>
+                <a:spcAft>
+                  <a:spcPts val="0"/>
+                </a:spcAft>
+                <a:defRPr/>
+              </a:pPr>
               <a:endParaRPr lang="pt-PT"/>
             </a:p>
           </p:txBody>
@@ -4289,8 +5012,8 @@
           </p:nvSpPr>
           <p:spPr>
             <a:xfrm rot="2400216">
-              <a:off x="576542" y="1347785"/>
-              <a:ext cx="1489171" cy="1489171"/>
+              <a:off x="576756" y="1347785"/>
+              <a:ext cx="1489237" cy="1488552"/>
             </a:xfrm>
             <a:prstGeom prst="ellipse">
               <a:avLst/>
@@ -4319,17 +5042,25 @@
             </a:fontRef>
           </p:style>
           <p:txBody>
-            <a:bodyPr rtlCol="0" anchor="ctr"/>
+            <a:bodyPr anchor="ctr"/>
             <a:lstStyle/>
             <a:p>
-              <a:pPr algn="ctr"/>
+              <a:pPr algn="ctr" fontAlgn="auto">
+                <a:spcBef>
+                  <a:spcPts val="0"/>
+                </a:spcBef>
+                <a:spcAft>
+                  <a:spcPts val="0"/>
+                </a:spcAft>
+                <a:defRPr/>
+              </a:pPr>
               <a:endParaRPr lang="pt-PT"/>
             </a:p>
           </p:txBody>
         </p:sp>
         <p:pic>
           <p:nvPicPr>
-            <p:cNvPr id="1030" name="Picture 6" descr="C:\Void\ISEL\6º Semestre\PS - Projecto e Seminário\Repositório\trunk\Entregáveis\Cartaz\Step1 - Customer Meeting copy.png"/>
+            <p:cNvPr id="14407" name="Picture 6" descr="C:\Void\ISEL\6º Semestre\PS - Projecto e Seminário\Repositório\trunk\Entregáveis\Cartaz\Step1 - Customer Meeting copy.png"/>
             <p:cNvPicPr>
               <a:picLocks noChangeAspect="1" noChangeArrowheads="1"/>
             </p:cNvPicPr>
@@ -4351,6 +5082,12 @@
               <a:avLst/>
             </a:prstGeom>
             <a:noFill/>
+            <a:ln w="9525">
+              <a:noFill/>
+              <a:miter lim="800000"/>
+              <a:headEnd/>
+              <a:tailEnd/>
+            </a:ln>
           </p:spPr>
         </p:pic>
         <p:sp>
@@ -4407,10 +5144,18 @@
             </a:fontRef>
           </p:style>
           <p:txBody>
-            <a:bodyPr rtlCol="0" anchor="ctr"/>
+            <a:bodyPr anchor="ctr"/>
             <a:lstStyle/>
             <a:p>
-              <a:pPr algn="ctr"/>
+              <a:pPr algn="ctr" fontAlgn="auto">
+                <a:spcBef>
+                  <a:spcPts val="0"/>
+                </a:spcBef>
+                <a:spcAft>
+                  <a:spcPts val="0"/>
+                </a:spcAft>
+                <a:defRPr/>
+              </a:pPr>
               <a:endParaRPr lang="pt-PT"/>
             </a:p>
           </p:txBody>
@@ -4432,7 +5177,7 @@
             <a:noFill/>
           </p:spPr>
           <p:txBody>
-            <a:bodyPr wrap="none" lIns="91440" tIns="45720" rIns="91440" bIns="45720">
+            <a:bodyPr spcFirstLastPara="1" wrap="none">
               <a:prstTxWarp prst="textArchDown">
                 <a:avLst>
                   <a:gd name="adj" fmla="val 19114290"/>
@@ -4442,9 +5187,17 @@
             </a:bodyPr>
             <a:lstStyle/>
             <a:p>
-              <a:pPr algn="ctr"/>
+              <a:pPr algn="ctr" fontAlgn="auto">
+                <a:spcBef>
+                  <a:spcPts val="0"/>
+                </a:spcBef>
+                <a:spcAft>
+                  <a:spcPts val="0"/>
+                </a:spcAft>
+                <a:defRPr/>
+              </a:pPr>
               <a:r>
-                <a:rPr lang="pt-PT" b="1" dirty="0" smtClean="0">
+                <a:rPr lang="pt-PT" b="1" dirty="0">
                   <a:ln w="10541" cmpd="sng">
                     <a:solidFill>
                       <a:srgbClr val="7D7D7D">
@@ -4458,6 +5211,7 @@
                   <a:solidFill>
                     <a:srgbClr val="01359D"/>
                   </a:solidFill>
+                  <a:latin typeface="+mn-lt"/>
                 </a:rPr>
                 <a:t>Análise Funcional / Requisitos</a:t>
               </a:r>
@@ -4475,6 +5229,7 @@
                 <a:solidFill>
                   <a:srgbClr val="01359D"/>
                 </a:solidFill>
+                <a:latin typeface="+mn-lt"/>
               </a:endParaRPr>
             </a:p>
           </p:txBody>
@@ -4482,14 +5237,16 @@
       </p:grpSp>
       <p:grpSp>
         <p:nvGrpSpPr>
-          <p:cNvPr id="116" name="Group 115"/>
-          <p:cNvGrpSpPr/>
+          <p:cNvPr id="14357" name="Group 115"/>
+          <p:cNvGrpSpPr>
+            <a:grpSpLocks/>
+          </p:cNvGrpSpPr>
           <p:nvPr/>
         </p:nvGrpSpPr>
-        <p:grpSpPr>
+        <p:grpSpPr bwMode="auto">
           <a:xfrm>
-            <a:off x="214290" y="3595678"/>
-            <a:ext cx="1852531" cy="1805960"/>
+            <a:off x="214313" y="3595688"/>
+            <a:ext cx="1852612" cy="1806575"/>
             <a:chOff x="686143" y="4426391"/>
             <a:chExt cx="1852531" cy="1805960"/>
           </a:xfrm>
@@ -4502,8 +5259,8 @@
           </p:nvSpPr>
           <p:spPr>
             <a:xfrm>
-              <a:off x="958829" y="4426391"/>
-              <a:ext cx="1519614" cy="1519614"/>
+              <a:off x="959181" y="4426391"/>
+              <a:ext cx="1519171" cy="1520307"/>
             </a:xfrm>
             <a:prstGeom prst="ellipse">
               <a:avLst/>
@@ -4534,10 +5291,18 @@
             </a:fontRef>
           </p:style>
           <p:txBody>
-            <a:bodyPr rtlCol="0" anchor="ctr"/>
+            <a:bodyPr anchor="ctr"/>
             <a:lstStyle/>
             <a:p>
-              <a:pPr algn="ctr"/>
+              <a:pPr algn="ctr" fontAlgn="auto">
+                <a:spcBef>
+                  <a:spcPts val="0"/>
+                </a:spcBef>
+                <a:spcAft>
+                  <a:spcPts val="0"/>
+                </a:spcAft>
+                <a:defRPr/>
+              </a:pPr>
               <a:endParaRPr lang="pt-PT"/>
             </a:p>
           </p:txBody>
@@ -4550,8 +5315,8 @@
           </p:nvSpPr>
           <p:spPr>
             <a:xfrm>
-              <a:off x="686143" y="4671085"/>
-              <a:ext cx="1429604" cy="1429604"/>
+              <a:off x="686143" y="4670783"/>
+              <a:ext cx="1430274" cy="1429850"/>
             </a:xfrm>
             <a:prstGeom prst="ellipse">
               <a:avLst/>
@@ -4580,10 +5345,18 @@
             </a:fontRef>
           </p:style>
           <p:txBody>
-            <a:bodyPr rtlCol="0" anchor="ctr"/>
+            <a:bodyPr anchor="ctr"/>
             <a:lstStyle/>
             <a:p>
-              <a:pPr algn="ctr"/>
+              <a:pPr algn="ctr" fontAlgn="auto">
+                <a:spcBef>
+                  <a:spcPts val="0"/>
+                </a:spcBef>
+                <a:spcAft>
+                  <a:spcPts val="0"/>
+                </a:spcAft>
+                <a:defRPr/>
+              </a:pPr>
               <a:endParaRPr lang="pt-PT"/>
             </a:p>
           </p:txBody>
@@ -4596,8 +5369,8 @@
           </p:nvSpPr>
           <p:spPr>
             <a:xfrm>
-              <a:off x="829019" y="4434099"/>
-              <a:ext cx="1489171" cy="1489171"/>
+              <a:off x="829012" y="4434325"/>
+              <a:ext cx="1489010" cy="1488568"/>
             </a:xfrm>
             <a:prstGeom prst="ellipse">
               <a:avLst/>
@@ -4626,17 +5399,25 @@
             </a:fontRef>
           </p:style>
           <p:txBody>
-            <a:bodyPr rtlCol="0" anchor="ctr"/>
+            <a:bodyPr anchor="ctr"/>
             <a:lstStyle/>
             <a:p>
-              <a:pPr algn="ctr"/>
+              <a:pPr algn="ctr" fontAlgn="auto">
+                <a:spcBef>
+                  <a:spcPts val="0"/>
+                </a:spcBef>
+                <a:spcAft>
+                  <a:spcPts val="0"/>
+                </a:spcAft>
+                <a:defRPr/>
+              </a:pPr>
               <a:endParaRPr lang="pt-PT"/>
             </a:p>
           </p:txBody>
         </p:sp>
         <p:pic>
           <p:nvPicPr>
-            <p:cNvPr id="1036" name="Picture 12" descr="C:\Void\ISEL\6º Semestre\PS - Projecto e Seminário\Repositório\trunk\Entregáveis\Cartaz\Filtered Photos\Step3 - Validation.png"/>
+            <p:cNvPr id="14400" name="Picture 12" descr="C:\Void\ISEL\6º Semestre\PS - Projecto e Seminário\Repositório\trunk\Entregáveis\Cartaz\Filtered Photos\Step3 - Validation.png"/>
             <p:cNvPicPr>
               <a:picLocks noChangeAspect="1" noChangeArrowheads="1"/>
             </p:cNvPicPr>
@@ -4658,6 +5439,12 @@
               <a:avLst/>
             </a:prstGeom>
             <a:noFill/>
+            <a:ln w="9525">
+              <a:noFill/>
+              <a:miter lim="800000"/>
+              <a:headEnd/>
+              <a:tailEnd/>
+            </a:ln>
           </p:spPr>
         </p:pic>
         <p:sp>
@@ -4714,10 +5501,18 @@
             </a:fontRef>
           </p:style>
           <p:txBody>
-            <a:bodyPr rtlCol="0" anchor="ctr"/>
+            <a:bodyPr anchor="ctr"/>
             <a:lstStyle/>
             <a:p>
-              <a:pPr algn="ctr"/>
+              <a:pPr algn="ctr" fontAlgn="auto">
+                <a:spcBef>
+                  <a:spcPts val="0"/>
+                </a:spcBef>
+                <a:spcAft>
+                  <a:spcPts val="0"/>
+                </a:spcAft>
+                <a:defRPr/>
+              </a:pPr>
               <a:endParaRPr lang="pt-PT"/>
             </a:p>
           </p:txBody>
@@ -4739,7 +5534,7 @@
             <a:noFill/>
           </p:spPr>
           <p:txBody>
-            <a:bodyPr wrap="none" lIns="91440" tIns="45720" rIns="91440" bIns="45720">
+            <a:bodyPr spcFirstLastPara="1" wrap="none">
               <a:prstTxWarp prst="textArchDown">
                 <a:avLst>
                   <a:gd name="adj" fmla="val 19114290"/>
@@ -4749,9 +5544,17 @@
             </a:bodyPr>
             <a:lstStyle/>
             <a:p>
-              <a:pPr algn="ctr"/>
+              <a:pPr algn="ctr" fontAlgn="auto">
+                <a:spcBef>
+                  <a:spcPts val="0"/>
+                </a:spcBef>
+                <a:spcAft>
+                  <a:spcPts val="0"/>
+                </a:spcAft>
+                <a:defRPr/>
+              </a:pPr>
               <a:r>
-                <a:rPr lang="pt-PT" b="1" dirty="0" smtClean="0">
+                <a:rPr lang="pt-PT" b="1" dirty="0">
                   <a:ln w="10541" cmpd="sng">
                     <a:solidFill>
                       <a:srgbClr val="7D7D7D">
@@ -4765,6 +5568,7 @@
                   <a:solidFill>
                     <a:srgbClr val="01359D"/>
                   </a:solidFill>
+                  <a:latin typeface="+mn-lt"/>
                 </a:rPr>
                 <a:t>Dicionário de Dados</a:t>
               </a:r>
@@ -4782,6 +5586,7 @@
                 <a:solidFill>
                   <a:srgbClr val="01359D"/>
                 </a:solidFill>
+                <a:latin typeface="+mn-lt"/>
               </a:endParaRPr>
             </a:p>
           </p:txBody>
@@ -4789,14 +5594,16 @@
       </p:grpSp>
       <p:grpSp>
         <p:nvGrpSpPr>
-          <p:cNvPr id="100" name="Group 99"/>
-          <p:cNvGrpSpPr/>
+          <p:cNvPr id="14358" name="Group 99"/>
+          <p:cNvGrpSpPr>
+            <a:grpSpLocks/>
+          </p:cNvGrpSpPr>
           <p:nvPr/>
         </p:nvGrpSpPr>
-        <p:grpSpPr>
+        <p:grpSpPr bwMode="auto">
           <a:xfrm>
-            <a:off x="3357562" y="1023910"/>
-            <a:ext cx="3378178" cy="2992963"/>
+            <a:off x="3357563" y="1023938"/>
+            <a:ext cx="3378200" cy="2992437"/>
             <a:chOff x="3265532" y="1388533"/>
             <a:chExt cx="3378178" cy="2992963"/>
           </a:xfrm>
@@ -4809,8 +5616,8 @@
           </p:nvSpPr>
           <p:spPr>
             <a:xfrm rot="5731139">
-              <a:off x="5181985" y="3296824"/>
-              <a:ext cx="832042" cy="1000132"/>
+              <a:off x="5181557" y="3297134"/>
+              <a:ext cx="831996" cy="1000118"/>
             </a:xfrm>
             <a:prstGeom prst="triangle">
               <a:avLst>
@@ -4861,10 +5668,18 @@
             </a:fontRef>
           </p:style>
           <p:txBody>
-            <a:bodyPr rtlCol="0" anchor="ctr"/>
+            <a:bodyPr anchor="ctr"/>
             <a:lstStyle/>
             <a:p>
-              <a:pPr algn="ctr"/>
+              <a:pPr algn="ctr" fontAlgn="auto">
+                <a:spcBef>
+                  <a:spcPts val="0"/>
+                </a:spcBef>
+                <a:spcAft>
+                  <a:spcPts val="0"/>
+                </a:spcAft>
+                <a:defRPr/>
+              </a:pPr>
               <a:endParaRPr lang="pt-PT"/>
             </a:p>
           </p:txBody>
@@ -4877,8 +5692,8 @@
           </p:nvSpPr>
           <p:spPr>
             <a:xfrm rot="2517547">
-              <a:off x="4777170" y="2140539"/>
-              <a:ext cx="832042" cy="1000132"/>
+              <a:off x="4776822" y="2141140"/>
+              <a:ext cx="831845" cy="1000301"/>
             </a:xfrm>
             <a:prstGeom prst="triangle">
               <a:avLst>
@@ -4929,10 +5744,18 @@
             </a:fontRef>
           </p:style>
           <p:txBody>
-            <a:bodyPr rtlCol="0" anchor="ctr"/>
+            <a:bodyPr anchor="ctr"/>
             <a:lstStyle/>
             <a:p>
-              <a:pPr algn="ctr"/>
+              <a:pPr algn="ctr" fontAlgn="auto">
+                <a:spcBef>
+                  <a:spcPts val="0"/>
+                </a:spcBef>
+                <a:spcAft>
+                  <a:spcPts val="0"/>
+                </a:spcAft>
+                <a:defRPr/>
+              </a:pPr>
               <a:endParaRPr lang="pt-PT"/>
             </a:p>
           </p:txBody>
@@ -4945,8 +5768,8 @@
           </p:nvSpPr>
           <p:spPr>
             <a:xfrm rot="20468532">
-              <a:off x="3544364" y="1927420"/>
-              <a:ext cx="832042" cy="1000132"/>
+              <a:off x="3544930" y="1926790"/>
+              <a:ext cx="831845" cy="1000301"/>
             </a:xfrm>
             <a:prstGeom prst="triangle">
               <a:avLst>
@@ -4997,10 +5820,18 @@
             </a:fontRef>
           </p:style>
           <p:txBody>
-            <a:bodyPr rtlCol="0" anchor="ctr"/>
+            <a:bodyPr anchor="ctr"/>
             <a:lstStyle/>
             <a:p>
-              <a:pPr algn="ctr"/>
+              <a:pPr algn="ctr" fontAlgn="auto">
+                <a:spcBef>
+                  <a:spcPts val="0"/>
+                </a:spcBef>
+                <a:spcAft>
+                  <a:spcPts val="0"/>
+                </a:spcAft>
+                <a:defRPr/>
+              </a:pPr>
               <a:endParaRPr lang="pt-PT"/>
             </a:p>
           </p:txBody>
@@ -5013,8 +5844,8 @@
           </p:nvSpPr>
           <p:spPr>
             <a:xfrm rot="1248804">
-              <a:off x="3672302" y="2626674"/>
-              <a:ext cx="1429604" cy="1429605"/>
+              <a:off x="3671929" y="2627001"/>
+              <a:ext cx="1430328" cy="1429001"/>
             </a:xfrm>
             <a:prstGeom prst="ellipse">
               <a:avLst/>
@@ -5043,10 +5874,18 @@
             </a:fontRef>
           </p:style>
           <p:txBody>
-            <a:bodyPr rtlCol="0" anchor="ctr"/>
+            <a:bodyPr anchor="ctr"/>
             <a:lstStyle/>
             <a:p>
-              <a:pPr algn="ctr"/>
+              <a:pPr algn="ctr" fontAlgn="auto">
+                <a:spcBef>
+                  <a:spcPts val="0"/>
+                </a:spcBef>
+                <a:spcAft>
+                  <a:spcPts val="0"/>
+                </a:spcAft>
+                <a:defRPr/>
+              </a:pPr>
               <a:endParaRPr lang="pt-PT"/>
             </a:p>
           </p:txBody>
@@ -5059,8 +5898,8 @@
           </p:nvSpPr>
           <p:spPr>
             <a:xfrm rot="1248804">
-              <a:off x="3716419" y="2668723"/>
-              <a:ext cx="1489171" cy="1489172"/>
+              <a:off x="3716379" y="2668283"/>
+              <a:ext cx="1489065" cy="1489337"/>
             </a:xfrm>
             <a:prstGeom prst="ellipse">
               <a:avLst/>
@@ -5089,17 +5928,25 @@
             </a:fontRef>
           </p:style>
           <p:txBody>
-            <a:bodyPr rtlCol="0" anchor="ctr"/>
+            <a:bodyPr anchor="ctr"/>
             <a:lstStyle/>
             <a:p>
-              <a:pPr algn="ctr"/>
+              <a:pPr algn="ctr" fontAlgn="auto">
+                <a:spcBef>
+                  <a:spcPts val="0"/>
+                </a:spcBef>
+                <a:spcAft>
+                  <a:spcPts val="0"/>
+                </a:spcAft>
+                <a:defRPr/>
+              </a:pPr>
               <a:endParaRPr lang="pt-PT"/>
             </a:p>
           </p:txBody>
         </p:sp>
         <p:pic>
           <p:nvPicPr>
-            <p:cNvPr id="1031" name="Picture 7" descr="C:\Void\ISEL\6º Semestre\PS - Projecto e Seminário\Repositório\trunk\Entregáveis\Cartaz\Filtered Photos\Step2 - Solution Annalisis copy.png"/>
+            <p:cNvPr id="14377" name="Picture 7" descr="C:\Void\ISEL\6º Semestre\PS - Projecto e Seminário\Repositório\trunk\Entregáveis\Cartaz\Filtered Photos\Step2 - Solution Annalisis copy.png"/>
             <p:cNvPicPr>
               <a:picLocks noChangeAspect="1" noChangeArrowheads="1"/>
             </p:cNvPicPr>
@@ -5121,6 +5968,12 @@
               <a:avLst/>
             </a:prstGeom>
             <a:noFill/>
+            <a:ln w="9525">
+              <a:noFill/>
+              <a:miter lim="800000"/>
+              <a:headEnd/>
+              <a:tailEnd/>
+            </a:ln>
           </p:spPr>
         </p:pic>
         <p:sp>
@@ -5177,10 +6030,18 @@
             </a:fontRef>
           </p:style>
           <p:txBody>
-            <a:bodyPr rtlCol="0" anchor="ctr"/>
+            <a:bodyPr anchor="ctr"/>
             <a:lstStyle/>
             <a:p>
-              <a:pPr algn="ctr"/>
+              <a:pPr algn="ctr" fontAlgn="auto">
+                <a:spcBef>
+                  <a:spcPts val="0"/>
+                </a:spcBef>
+                <a:spcAft>
+                  <a:spcPts val="0"/>
+                </a:spcAft>
+                <a:defRPr/>
+              </a:pPr>
               <a:endParaRPr lang="pt-PT"/>
             </a:p>
           </p:txBody>
@@ -5202,7 +6063,7 @@
             <a:noFill/>
           </p:spPr>
           <p:txBody>
-            <a:bodyPr wrap="none" lIns="91440" tIns="45720" rIns="91440" bIns="45720">
+            <a:bodyPr spcFirstLastPara="1" wrap="none">
               <a:prstTxWarp prst="textArchUp">
                 <a:avLst/>
               </a:prstTxWarp>
@@ -5210,9 +6071,17 @@
             </a:bodyPr>
             <a:lstStyle/>
             <a:p>
-              <a:pPr algn="ctr"/>
+              <a:pPr algn="ctr" fontAlgn="auto">
+                <a:spcBef>
+                  <a:spcPts val="0"/>
+                </a:spcBef>
+                <a:spcAft>
+                  <a:spcPts val="0"/>
+                </a:spcAft>
+                <a:defRPr/>
+              </a:pPr>
               <a:r>
-                <a:rPr lang="en-US" sz="1600" dirty="0" err="1" smtClean="0">
+                <a:rPr lang="en-US" sz="1600" dirty="0" err="1">
                   <a:ln w="10541" cmpd="sng">
                     <a:solidFill>
                       <a:srgbClr val="7D7D7D">
@@ -5226,6 +6095,7 @@
                   <a:solidFill>
                     <a:srgbClr val="01359D"/>
                   </a:solidFill>
+                  <a:latin typeface="+mn-lt"/>
                 </a:rPr>
                 <a:t>Environemnts</a:t>
               </a:r>
@@ -5243,27 +6113,28 @@
                 <a:solidFill>
                   <a:srgbClr val="01359D"/>
                 </a:solidFill>
+                <a:latin typeface="+mn-lt"/>
               </a:endParaRPr>
             </a:p>
           </p:txBody>
         </p:sp>
         <p:pic>
           <p:nvPicPr>
-            <p:cNvPr id="1034" name="Picture 10" descr="C:\Void\ISEL\6º Semestre\PS - Projecto e Seminário\Repositório\trunk\Entregáveis\Cartaz\Filtered Photos\Step2.1 - Environments.png"/>
+            <p:cNvPr id="14382" name="Picture 10" descr="C:\Void\ISEL\6º Semestre\PS - Projecto e Seminário\Repositório\trunk\Entregáveis\Cartaz\Filtered Photos\Step2.1 - Environments.png"/>
             <p:cNvPicPr>
               <a:picLocks noChangeAspect="1" noChangeArrowheads="1"/>
             </p:cNvPicPr>
             <p:nvPr/>
           </p:nvPicPr>
           <p:blipFill>
-            <a:blip r:embed="rId7" cstate="print"/>
+            <a:blip r:embed="rId7"/>
             <a:srcRect/>
             <a:stretch>
               <a:fillRect/>
             </a:stretch>
           </p:blipFill>
           <p:spPr bwMode="auto">
-            <a:xfrm rot="20378552">
+            <a:xfrm rot="-1221448">
               <a:off x="3418232" y="1514216"/>
               <a:ext cx="922647" cy="917375"/>
             </a:xfrm>
@@ -5271,6 +6142,12 @@
               <a:avLst/>
             </a:prstGeom>
             <a:noFill/>
+            <a:ln w="9525">
+              <a:noFill/>
+              <a:miter lim="800000"/>
+              <a:headEnd/>
+              <a:tailEnd/>
+            </a:ln>
           </p:spPr>
         </p:pic>
         <p:sp>
@@ -5327,10 +6204,18 @@
             </a:fontRef>
           </p:style>
           <p:txBody>
-            <a:bodyPr rtlCol="0" anchor="ctr"/>
+            <a:bodyPr anchor="ctr"/>
             <a:lstStyle/>
             <a:p>
-              <a:pPr algn="ctr"/>
+              <a:pPr algn="ctr" fontAlgn="auto">
+                <a:spcBef>
+                  <a:spcPts val="0"/>
+                </a:spcBef>
+                <a:spcAft>
+                  <a:spcPts val="0"/>
+                </a:spcAft>
+                <a:defRPr/>
+              </a:pPr>
               <a:endParaRPr lang="pt-PT"/>
             </a:p>
           </p:txBody>
@@ -5352,7 +6237,7 @@
             <a:noFill/>
           </p:spPr>
           <p:txBody>
-            <a:bodyPr wrap="none" lIns="91440" tIns="45720" rIns="91440" bIns="45720">
+            <a:bodyPr spcFirstLastPara="1" wrap="none">
               <a:prstTxWarp prst="textArchUp">
                 <a:avLst>
                   <a:gd name="adj" fmla="val 10016314"/>
@@ -5362,9 +6247,17 @@
             </a:bodyPr>
             <a:lstStyle/>
             <a:p>
-              <a:pPr algn="ctr"/>
+              <a:pPr algn="ctr" fontAlgn="auto">
+                <a:spcBef>
+                  <a:spcPts val="0"/>
+                </a:spcBef>
+                <a:spcAft>
+                  <a:spcPts val="0"/>
+                </a:spcAft>
+                <a:defRPr/>
+              </a:pPr>
               <a:r>
-                <a:rPr lang="en-US" sz="1600" dirty="0" smtClean="0">
+                <a:rPr lang="en-US" sz="1600" dirty="0">
                   <a:ln w="10541" cmpd="sng">
                     <a:solidFill>
                       <a:srgbClr val="7D7D7D">
@@ -5378,6 +6271,7 @@
                   <a:solidFill>
                     <a:srgbClr val="01359D"/>
                   </a:solidFill>
+                  <a:latin typeface="+mn-lt"/>
                 </a:rPr>
                 <a:t>Business Processes</a:t>
               </a:r>
@@ -5395,20 +6289,21 @@
                 <a:solidFill>
                   <a:srgbClr val="01359D"/>
                 </a:solidFill>
+                <a:latin typeface="+mn-lt"/>
               </a:endParaRPr>
             </a:p>
           </p:txBody>
         </p:sp>
         <p:pic>
           <p:nvPicPr>
-            <p:cNvPr id="1032" name="Picture 8" descr="C:\Void\ISEL\6º Semestre\PS - Projecto e Seminário\Repositório\trunk\Entregáveis\Cartaz\Filtered Photos\Step2.2 - Business Process.png"/>
+            <p:cNvPr id="14387" name="Picture 8" descr="C:\Void\ISEL\6º Semestre\PS - Projecto e Seminário\Repositório\trunk\Entregáveis\Cartaz\Filtered Photos\Step2.2 - Business Process.png"/>
             <p:cNvPicPr>
               <a:picLocks noChangeAspect="1" noChangeArrowheads="1"/>
             </p:cNvPicPr>
             <p:nvPr/>
           </p:nvPicPr>
           <p:blipFill>
-            <a:blip r:embed="rId8" cstate="print"/>
+            <a:blip r:embed="rId8"/>
             <a:srcRect/>
             <a:stretch>
               <a:fillRect/>
@@ -5423,6 +6318,12 @@
               <a:avLst/>
             </a:prstGeom>
             <a:noFill/>
+            <a:ln w="9525">
+              <a:noFill/>
+              <a:miter lim="800000"/>
+              <a:headEnd/>
+              <a:tailEnd/>
+            </a:ln>
           </p:spPr>
         </p:pic>
         <p:sp>
@@ -5479,10 +6380,18 @@
             </a:fontRef>
           </p:style>
           <p:txBody>
-            <a:bodyPr rtlCol="0" anchor="ctr"/>
+            <a:bodyPr anchor="ctr"/>
             <a:lstStyle/>
             <a:p>
-              <a:pPr algn="ctr"/>
+              <a:pPr algn="ctr" fontAlgn="auto">
+                <a:spcBef>
+                  <a:spcPts val="0"/>
+                </a:spcBef>
+                <a:spcAft>
+                  <a:spcPts val="0"/>
+                </a:spcAft>
+                <a:defRPr/>
+              </a:pPr>
               <a:endParaRPr lang="pt-PT"/>
             </a:p>
           </p:txBody>
@@ -5504,7 +6413,7 @@
             <a:noFill/>
           </p:spPr>
           <p:txBody>
-            <a:bodyPr wrap="none" lIns="91440" tIns="45720" rIns="91440" bIns="45720">
+            <a:bodyPr spcFirstLastPara="1" wrap="none">
               <a:prstTxWarp prst="textArchUp">
                 <a:avLst/>
               </a:prstTxWarp>
@@ -5512,9 +6421,17 @@
             </a:bodyPr>
             <a:lstStyle/>
             <a:p>
-              <a:pPr algn="ctr"/>
+              <a:pPr algn="ctr" fontAlgn="auto">
+                <a:spcBef>
+                  <a:spcPts val="0"/>
+                </a:spcBef>
+                <a:spcAft>
+                  <a:spcPts val="0"/>
+                </a:spcAft>
+                <a:defRPr/>
+              </a:pPr>
               <a:r>
-                <a:rPr lang="en-US" sz="1600" dirty="0" smtClean="0">
+                <a:rPr lang="en-US" sz="1600" dirty="0">
                   <a:ln w="10541" cmpd="sng">
                     <a:solidFill>
                       <a:srgbClr val="7D7D7D">
@@ -5528,6 +6445,7 @@
                   <a:solidFill>
                     <a:srgbClr val="01359D"/>
                   </a:solidFill>
+                  <a:latin typeface="+mn-lt"/>
                 </a:rPr>
                 <a:t>Security</a:t>
               </a:r>
@@ -5545,20 +6463,21 @@
                 <a:solidFill>
                   <a:srgbClr val="01359D"/>
                 </a:solidFill>
+                <a:latin typeface="+mn-lt"/>
               </a:endParaRPr>
             </a:p>
           </p:txBody>
         </p:sp>
         <p:pic>
           <p:nvPicPr>
-            <p:cNvPr id="1035" name="Picture 11" descr="C:\Void\ISEL\6º Semestre\PS - Projecto e Seminário\Repositório\trunk\Entregáveis\Cartaz\Filtered Photos\Step2.3 - Security.png"/>
+            <p:cNvPr id="14392" name="Picture 11" descr="C:\Void\ISEL\6º Semestre\PS - Projecto e Seminário\Repositório\trunk\Entregáveis\Cartaz\Filtered Photos\Step2.3 - Security.png"/>
             <p:cNvPicPr>
               <a:picLocks noChangeAspect="1" noChangeArrowheads="1"/>
             </p:cNvPicPr>
             <p:nvPr/>
           </p:nvPicPr>
           <p:blipFill>
-            <a:blip r:embed="rId9" cstate="print"/>
+            <a:blip r:embed="rId9"/>
             <a:srcRect/>
             <a:stretch>
               <a:fillRect/>
@@ -5573,6 +6492,12 @@
               <a:avLst/>
             </a:prstGeom>
             <a:noFill/>
+            <a:ln w="9525">
+              <a:noFill/>
+              <a:miter lim="800000"/>
+              <a:headEnd/>
+              <a:tailEnd/>
+            </a:ln>
           </p:spPr>
         </p:pic>
         <p:sp>
@@ -5629,10 +6554,18 @@
             </a:fontRef>
           </p:style>
           <p:txBody>
-            <a:bodyPr rtlCol="0" anchor="ctr"/>
+            <a:bodyPr anchor="ctr"/>
             <a:lstStyle/>
             <a:p>
-              <a:pPr algn="ctr"/>
+              <a:pPr algn="ctr" fontAlgn="auto">
+                <a:spcBef>
+                  <a:spcPts val="0"/>
+                </a:spcBef>
+                <a:spcAft>
+                  <a:spcPts val="0"/>
+                </a:spcAft>
+                <a:defRPr/>
+              </a:pPr>
               <a:endParaRPr lang="pt-PT"/>
             </a:p>
           </p:txBody>
@@ -5654,7 +6587,7 @@
             <a:noFill/>
           </p:spPr>
           <p:txBody>
-            <a:bodyPr wrap="none" lIns="91440" tIns="45720" rIns="91440" bIns="45720">
+            <a:bodyPr spcFirstLastPara="1" wrap="none">
               <a:prstTxWarp prst="textArchDown">
                 <a:avLst>
                   <a:gd name="adj" fmla="val 19114290"/>
@@ -5664,9 +6597,17 @@
             </a:bodyPr>
             <a:lstStyle/>
             <a:p>
-              <a:pPr algn="ctr"/>
+              <a:pPr algn="ctr" fontAlgn="auto">
+                <a:spcBef>
+                  <a:spcPts val="0"/>
+                </a:spcBef>
+                <a:spcAft>
+                  <a:spcPts val="0"/>
+                </a:spcAft>
+                <a:defRPr/>
+              </a:pPr>
               <a:r>
-                <a:rPr lang="pt-PT" b="1" dirty="0" smtClean="0">
+                <a:rPr lang="pt-PT" b="1" dirty="0">
                   <a:ln w="10541" cmpd="sng">
                     <a:solidFill>
                       <a:srgbClr val="7D7D7D">
@@ -5680,6 +6621,7 @@
                   <a:solidFill>
                     <a:srgbClr val="01359D"/>
                   </a:solidFill>
+                  <a:latin typeface="+mn-lt"/>
                 </a:rPr>
                 <a:t>Análise Técnica</a:t>
               </a:r>
@@ -5697,6 +6639,7 @@
                 <a:solidFill>
                   <a:srgbClr val="01359D"/>
                 </a:solidFill>
+                <a:latin typeface="+mn-lt"/>
               </a:endParaRPr>
             </a:p>
           </p:txBody>
@@ -5704,25 +6647,29 @@
       </p:grpSp>
       <p:grpSp>
         <p:nvGrpSpPr>
-          <p:cNvPr id="117" name="Group 116"/>
-          <p:cNvGrpSpPr/>
+          <p:cNvPr id="14359" name="Group 116"/>
+          <p:cNvGrpSpPr>
+            <a:grpSpLocks/>
+          </p:cNvGrpSpPr>
           <p:nvPr/>
         </p:nvGrpSpPr>
-        <p:grpSpPr>
+        <p:grpSpPr bwMode="auto">
           <a:xfrm>
-            <a:off x="4426225" y="5667380"/>
-            <a:ext cx="1788857" cy="1783838"/>
+            <a:off x="4425950" y="5667375"/>
+            <a:ext cx="1789113" cy="1784350"/>
             <a:chOff x="4755066" y="6103901"/>
             <a:chExt cx="1788857" cy="1783838"/>
           </a:xfrm>
         </p:grpSpPr>
         <p:grpSp>
           <p:nvGrpSpPr>
-            <p:cNvPr id="112" name="Group 111"/>
-            <p:cNvGrpSpPr/>
+            <p:cNvPr id="14364" name="Group 111"/>
+            <p:cNvGrpSpPr>
+              <a:grpSpLocks/>
+            </p:cNvGrpSpPr>
             <p:nvPr/>
           </p:nvGrpSpPr>
-          <p:grpSpPr>
+          <p:grpSpPr bwMode="auto">
             <a:xfrm>
               <a:off x="4941017" y="6103901"/>
               <a:ext cx="1559817" cy="1635181"/>
@@ -5738,8 +6685,8 @@
             </p:nvSpPr>
             <p:spPr>
               <a:xfrm>
-                <a:off x="4500570" y="5881694"/>
-                <a:ext cx="1429604" cy="1429604"/>
+                <a:off x="4501111" y="5881694"/>
+                <a:ext cx="1428546" cy="1429928"/>
               </a:xfrm>
               <a:prstGeom prst="ellipse">
                 <a:avLst/>
@@ -5768,10 +6715,18 @@
               </a:fontRef>
             </p:style>
             <p:txBody>
-              <a:bodyPr rtlCol="0" anchor="ctr"/>
+              <a:bodyPr anchor="ctr"/>
               <a:lstStyle/>
               <a:p>
-                <a:pPr algn="ctr"/>
+                <a:pPr algn="ctr" fontAlgn="auto">
+                  <a:spcBef>
+                    <a:spcPts val="0"/>
+                  </a:spcBef>
+                  <a:spcAft>
+                    <a:spcPts val="0"/>
+                  </a:spcAft>
+                  <a:defRPr/>
+                </a:pPr>
                 <a:endParaRPr lang="pt-PT"/>
               </a:p>
             </p:txBody>
@@ -5784,8 +6739,8 @@
             </p:nvSpPr>
             <p:spPr>
               <a:xfrm>
-                <a:off x="4500570" y="6024570"/>
-                <a:ext cx="1489171" cy="1489171"/>
+                <a:off x="4501111" y="6024528"/>
+                <a:ext cx="1488862" cy="1488648"/>
               </a:xfrm>
               <a:prstGeom prst="ellipse">
                 <a:avLst/>
@@ -5814,17 +6769,25 @@
               </a:fontRef>
             </p:style>
             <p:txBody>
-              <a:bodyPr rtlCol="0" anchor="ctr"/>
+              <a:bodyPr anchor="ctr"/>
               <a:lstStyle/>
               <a:p>
-                <a:pPr algn="ctr"/>
+                <a:pPr algn="ctr" fontAlgn="auto">
+                  <a:spcBef>
+                    <a:spcPts val="0"/>
+                  </a:spcBef>
+                  <a:spcAft>
+                    <a:spcPts val="0"/>
+                  </a:spcAft>
+                  <a:defRPr/>
+                </a:pPr>
                 <a:endParaRPr lang="pt-PT"/>
               </a:p>
             </p:txBody>
           </p:sp>
           <p:pic>
             <p:nvPicPr>
-              <p:cNvPr id="1037" name="Picture 13" descr="C:\Void\ISEL\6º Semestre\PS - Projecto e Seminário\Repositório\trunk\Entregáveis\Cartaz\Filtered Photos\Step4 - Code Generator.png"/>
+              <p:cNvPr id="14368" name="Picture 13" descr="C:\Void\ISEL\6º Semestre\PS - Projecto e Seminário\Repositório\trunk\Entregáveis\Cartaz\Filtered Photos\Step4 - Code Generator.png"/>
               <p:cNvPicPr>
                 <a:picLocks noChangeAspect="1" noChangeArrowheads="1"/>
               </p:cNvPicPr>
@@ -5846,6 +6809,12 @@
                 <a:avLst/>
               </a:prstGeom>
               <a:noFill/>
+              <a:ln w="9525">
+                <a:noFill/>
+                <a:miter lim="800000"/>
+                <a:headEnd/>
+                <a:tailEnd/>
+              </a:ln>
             </p:spPr>
           </p:pic>
           <p:sp>
@@ -5902,10 +6871,18 @@
               </a:fontRef>
             </p:style>
             <p:txBody>
-              <a:bodyPr rtlCol="0" anchor="ctr"/>
+              <a:bodyPr anchor="ctr"/>
               <a:lstStyle/>
               <a:p>
-                <a:pPr algn="ctr"/>
+                <a:pPr algn="ctr" fontAlgn="auto">
+                  <a:spcBef>
+                    <a:spcPts val="0"/>
+                  </a:spcBef>
+                  <a:spcAft>
+                    <a:spcPts val="0"/>
+                  </a:spcAft>
+                  <a:defRPr/>
+                </a:pPr>
                 <a:endParaRPr lang="pt-PT"/>
               </a:p>
             </p:txBody>
@@ -5928,7 +6905,7 @@
             <a:noFill/>
           </p:spPr>
           <p:txBody>
-            <a:bodyPr wrap="none" lIns="91440" tIns="45720" rIns="91440" bIns="45720">
+            <a:bodyPr spcFirstLastPara="1" wrap="none">
               <a:prstTxWarp prst="textArchDown">
                 <a:avLst>
                   <a:gd name="adj" fmla="val 19114290"/>
@@ -5938,9 +6915,17 @@
             </a:bodyPr>
             <a:lstStyle/>
             <a:p>
-              <a:pPr algn="ctr"/>
+              <a:pPr algn="ctr" fontAlgn="auto">
+                <a:spcBef>
+                  <a:spcPts val="0"/>
+                </a:spcBef>
+                <a:spcAft>
+                  <a:spcPts val="0"/>
+                </a:spcAft>
+                <a:defRPr/>
+              </a:pPr>
               <a:r>
-                <a:rPr lang="pt-PT" b="1" dirty="0" smtClean="0">
+                <a:rPr lang="pt-PT" b="1" dirty="0">
                   <a:ln w="10541" cmpd="sng">
                     <a:solidFill>
                       <a:srgbClr val="7D7D7D">
@@ -5954,6 +6939,7 @@
                   <a:solidFill>
                     <a:srgbClr val="01359D"/>
                   </a:solidFill>
+                  <a:latin typeface="+mn-lt"/>
                 </a:rPr>
                 <a:t>Geração Automática de Código</a:t>
               </a:r>
@@ -5971,6 +6957,7 @@
                 <a:solidFill>
                   <a:srgbClr val="01359D"/>
                 </a:solidFill>
+                <a:latin typeface="+mn-lt"/>
               </a:endParaRPr>
             </a:p>
           </p:txBody>
@@ -5978,63 +6965,81 @@
       </p:grpSp>
       <p:sp>
         <p:nvSpPr>
-          <p:cNvPr id="123" name="TextBox 122"/>
-          <p:cNvSpPr txBox="1"/>
+          <p:cNvPr id="14360" name="TextBox 122"/>
+          <p:cNvSpPr txBox="1">
+            <a:spLocks noChangeArrowheads="1"/>
+          </p:cNvSpPr>
           <p:nvPr/>
         </p:nvSpPr>
-        <p:spPr>
+        <p:spPr bwMode="auto">
           <a:xfrm>
-            <a:off x="142876" y="7257304"/>
-            <a:ext cx="3643314" cy="707886"/>
+            <a:off x="-26988" y="7258050"/>
+            <a:ext cx="3643313" cy="701675"/>
           </a:xfrm>
           <a:prstGeom prst="rect">
             <a:avLst/>
           </a:prstGeom>
           <a:noFill/>
+          <a:ln w="9525">
+            <a:noFill/>
+            <a:miter lim="800000"/>
+            <a:headEnd/>
+            <a:tailEnd/>
+          </a:ln>
         </p:spPr>
         <p:txBody>
-          <a:bodyPr wrap="square" rtlCol="0">
+          <a:bodyPr>
             <a:spAutoFit/>
           </a:bodyPr>
           <a:lstStyle/>
           <a:p>
             <a:pPr algn="ctr"/>
             <a:r>
-              <a:rPr lang="pt-PT" sz="2000" dirty="0" smtClean="0"/>
+              <a:rPr lang="pt-PT" sz="2000">
+                <a:latin typeface="Calibri" pitchFamily="34" charset="0"/>
+              </a:rPr>
               <a:t>Análise da solução centralizada no dicionário de dados</a:t>
             </a:r>
-            <a:endParaRPr lang="pt-PT" sz="2000" dirty="0" smtClean="0"/>
           </a:p>
         </p:txBody>
       </p:sp>
       <p:sp>
         <p:nvSpPr>
-          <p:cNvPr id="124" name="TextBox 123"/>
-          <p:cNvSpPr txBox="1"/>
+          <p:cNvPr id="14361" name="TextBox 123"/>
+          <p:cNvSpPr txBox="1">
+            <a:spLocks noChangeArrowheads="1"/>
+          </p:cNvSpPr>
           <p:nvPr/>
         </p:nvSpPr>
-        <p:spPr>
+        <p:spPr bwMode="auto">
           <a:xfrm>
-            <a:off x="142876" y="8047902"/>
-            <a:ext cx="3643314" cy="707886"/>
+            <a:off x="-26988" y="8048625"/>
+            <a:ext cx="3643313" cy="701675"/>
           </a:xfrm>
           <a:prstGeom prst="rect">
             <a:avLst/>
           </a:prstGeom>
           <a:noFill/>
+          <a:ln w="9525">
+            <a:noFill/>
+            <a:miter lim="800000"/>
+            <a:headEnd/>
+            <a:tailEnd/>
+          </a:ln>
         </p:spPr>
         <p:txBody>
-          <a:bodyPr wrap="square" rtlCol="0">
+          <a:bodyPr>
             <a:spAutoFit/>
           </a:bodyPr>
           <a:lstStyle/>
           <a:p>
             <a:pPr algn="ctr"/>
             <a:r>
-              <a:rPr lang="pt-PT" sz="2000" dirty="0" smtClean="0"/>
+              <a:rPr lang="pt-PT" sz="2000">
+                <a:latin typeface="Calibri" pitchFamily="34" charset="0"/>
+              </a:rPr>
               <a:t>Geração de todo o código estrutural da solução</a:t>
             </a:r>
-            <a:endParaRPr lang="pt-PT" sz="2000" dirty="0" smtClean="0"/>
           </a:p>
         </p:txBody>
       </p:sp>
@@ -6450,11 +7455,7 @@
             </a:ln>
           </p:spPr>
           <p:txBody>
-            <a:bodyPr vert="horz" wrap="square" lIns="91440" tIns="45720" rIns="91440" bIns="45720" numCol="1" anchor="t" anchorCtr="0" compatLnSpc="1">
-              <a:prstTxWarp prst="textNoShape">
-                <a:avLst/>
-              </a:prstTxWarp>
-            </a:bodyPr>
+            <a:bodyPr/>
             <a:lstStyle>
               <a:defPPr>
                 <a:defRPr lang="pt-PT"/>
@@ -6581,6 +7582,9 @@
               </a:lvl9pPr>
             </a:lstStyle>
             <a:p>
+              <a:pPr>
+                <a:defRPr/>
+              </a:pPr>
               <a:endParaRPr lang="pt-PT"/>
             </a:p>
           </p:txBody>
@@ -6976,11 +7980,7 @@
             </a:ln>
           </p:spPr>
           <p:txBody>
-            <a:bodyPr vert="horz" wrap="square" lIns="91440" tIns="45720" rIns="91440" bIns="45720" numCol="1" anchor="t" anchorCtr="0" compatLnSpc="1">
-              <a:prstTxWarp prst="textNoShape">
-                <a:avLst/>
-              </a:prstTxWarp>
-            </a:bodyPr>
+            <a:bodyPr/>
             <a:lstStyle>
               <a:defPPr>
                 <a:defRPr lang="pt-PT"/>
@@ -7107,6 +8107,9 @@
               </a:lvl9pPr>
             </a:lstStyle>
             <a:p>
+              <a:pPr>
+                <a:defRPr/>
+              </a:pPr>
               <a:endParaRPr lang="pt-PT"/>
             </a:p>
           </p:txBody>
@@ -7139,11 +8142,7 @@
             </a:ln>
           </p:spPr>
           <p:txBody>
-            <a:bodyPr vert="horz" wrap="square" lIns="91440" tIns="45720" rIns="91440" bIns="45720" numCol="1" anchor="t" anchorCtr="0" compatLnSpc="1">
-              <a:prstTxWarp prst="textNoShape">
-                <a:avLst/>
-              </a:prstTxWarp>
-            </a:bodyPr>
+            <a:bodyPr/>
             <a:lstStyle>
               <a:defPPr>
                 <a:defRPr lang="pt-PT"/>
@@ -7270,6 +8269,9 @@
               </a:lvl9pPr>
             </a:lstStyle>
             <a:p>
+              <a:pPr>
+                <a:defRPr/>
+              </a:pPr>
               <a:endParaRPr lang="pt-PT"/>
             </a:p>
           </p:txBody>
@@ -7302,11 +8304,7 @@
             </a:ln>
           </p:spPr>
           <p:txBody>
-            <a:bodyPr vert="horz" wrap="square" lIns="91440" tIns="45720" rIns="91440" bIns="45720" numCol="1" anchor="t" anchorCtr="0" compatLnSpc="1">
-              <a:prstTxWarp prst="textNoShape">
-                <a:avLst/>
-              </a:prstTxWarp>
-            </a:bodyPr>
+            <a:bodyPr/>
             <a:lstStyle>
               <a:defPPr>
                 <a:defRPr lang="pt-PT"/>
@@ -7433,6 +8431,9 @@
               </a:lvl9pPr>
             </a:lstStyle>
             <a:p>
+              <a:pPr>
+                <a:defRPr/>
+              </a:pPr>
               <a:endParaRPr lang="pt-PT"/>
             </a:p>
           </p:txBody>
@@ -7465,11 +8466,7 @@
             </a:ln>
           </p:spPr>
           <p:txBody>
-            <a:bodyPr vert="horz" wrap="square" lIns="91440" tIns="45720" rIns="91440" bIns="45720" numCol="1" anchor="t" anchorCtr="0" compatLnSpc="1">
-              <a:prstTxWarp prst="textNoShape">
-                <a:avLst/>
-              </a:prstTxWarp>
-            </a:bodyPr>
+            <a:bodyPr/>
             <a:lstStyle>
               <a:defPPr>
                 <a:defRPr lang="pt-PT"/>
@@ -7596,6 +8593,9 @@
               </a:lvl9pPr>
             </a:lstStyle>
             <a:p>
+              <a:pPr>
+                <a:defRPr/>
+              </a:pPr>
               <a:endParaRPr lang="pt-PT"/>
             </a:p>
           </p:txBody>
@@ -7628,11 +8628,7 @@
             </a:ln>
           </p:spPr>
           <p:txBody>
-            <a:bodyPr vert="horz" wrap="square" lIns="91440" tIns="45720" rIns="91440" bIns="45720" numCol="1" anchor="t" anchorCtr="0" compatLnSpc="1">
-              <a:prstTxWarp prst="textNoShape">
-                <a:avLst/>
-              </a:prstTxWarp>
-            </a:bodyPr>
+            <a:bodyPr/>
             <a:lstStyle>
               <a:defPPr>
                 <a:defRPr lang="pt-PT"/>
@@ -7759,6 +8755,9 @@
               </a:lvl9pPr>
             </a:lstStyle>
             <a:p>
+              <a:pPr>
+                <a:defRPr/>
+              </a:pPr>
               <a:endParaRPr lang="pt-PT"/>
             </a:p>
           </p:txBody>
@@ -7791,11 +8790,7 @@
             </a:ln>
           </p:spPr>
           <p:txBody>
-            <a:bodyPr vert="horz" wrap="square" lIns="91440" tIns="45720" rIns="91440" bIns="45720" numCol="1" anchor="t" anchorCtr="0" compatLnSpc="1">
-              <a:prstTxWarp prst="textNoShape">
-                <a:avLst/>
-              </a:prstTxWarp>
-            </a:bodyPr>
+            <a:bodyPr/>
             <a:lstStyle>
               <a:defPPr>
                 <a:defRPr lang="pt-PT"/>
@@ -7922,6 +8917,9 @@
               </a:lvl9pPr>
             </a:lstStyle>
             <a:p>
+              <a:pPr>
+                <a:defRPr/>
+              </a:pPr>
               <a:endParaRPr lang="pt-PT"/>
             </a:p>
           </p:txBody>
@@ -7954,11 +8952,7 @@
             </a:ln>
           </p:spPr>
           <p:txBody>
-            <a:bodyPr vert="horz" wrap="square" lIns="91440" tIns="45720" rIns="91440" bIns="45720" numCol="1" anchor="t" anchorCtr="0" compatLnSpc="1">
-              <a:prstTxWarp prst="textNoShape">
-                <a:avLst/>
-              </a:prstTxWarp>
-            </a:bodyPr>
+            <a:bodyPr/>
             <a:lstStyle>
               <a:defPPr>
                 <a:defRPr lang="pt-PT"/>
@@ -8085,6 +9079,9 @@
               </a:lvl9pPr>
             </a:lstStyle>
             <a:p>
+              <a:pPr>
+                <a:defRPr/>
+              </a:pPr>
               <a:endParaRPr lang="pt-PT"/>
             </a:p>
           </p:txBody>
@@ -8228,11 +9225,7 @@
             </a:ln>
           </p:spPr>
           <p:txBody>
-            <a:bodyPr vert="horz" wrap="square" lIns="91440" tIns="45720" rIns="91440" bIns="45720" numCol="1" anchor="t" anchorCtr="0" compatLnSpc="1">
-              <a:prstTxWarp prst="textNoShape">
-                <a:avLst/>
-              </a:prstTxWarp>
-            </a:bodyPr>
+            <a:bodyPr/>
             <a:lstStyle>
               <a:defPPr>
                 <a:defRPr lang="pt-PT"/>
@@ -8359,6 +9352,9 @@
               </a:lvl9pPr>
             </a:lstStyle>
             <a:p>
+              <a:pPr>
+                <a:defRPr/>
+              </a:pPr>
               <a:endParaRPr lang="pt-PT"/>
             </a:p>
           </p:txBody>
@@ -8418,11 +9414,7 @@
             </a:ln>
           </p:spPr>
           <p:txBody>
-            <a:bodyPr vert="horz" wrap="square" lIns="91440" tIns="45720" rIns="91440" bIns="45720" numCol="1" anchor="t" anchorCtr="0" compatLnSpc="1">
-              <a:prstTxWarp prst="textNoShape">
-                <a:avLst/>
-              </a:prstTxWarp>
-            </a:bodyPr>
+            <a:bodyPr/>
             <a:lstStyle>
               <a:defPPr>
                 <a:defRPr lang="pt-PT"/>
@@ -8549,6 +9541,9 @@
               </a:lvl9pPr>
             </a:lstStyle>
             <a:p>
+              <a:pPr>
+                <a:defRPr/>
+              </a:pPr>
               <a:endParaRPr lang="pt-PT"/>
             </a:p>
           </p:txBody>
@@ -8581,11 +9576,7 @@
             </a:ln>
           </p:spPr>
           <p:txBody>
-            <a:bodyPr vert="horz" wrap="square" lIns="91440" tIns="45720" rIns="91440" bIns="45720" numCol="1" anchor="t" anchorCtr="0" compatLnSpc="1">
-              <a:prstTxWarp prst="textNoShape">
-                <a:avLst/>
-              </a:prstTxWarp>
-            </a:bodyPr>
+            <a:bodyPr/>
             <a:lstStyle>
               <a:defPPr>
                 <a:defRPr lang="pt-PT"/>
@@ -8712,6 +9703,9 @@
               </a:lvl9pPr>
             </a:lstStyle>
             <a:p>
+              <a:pPr>
+                <a:defRPr/>
+              </a:pPr>
               <a:endParaRPr lang="pt-PT"/>
             </a:p>
           </p:txBody>
@@ -8744,11 +9738,7 @@
             </a:ln>
           </p:spPr>
           <p:txBody>
-            <a:bodyPr vert="horz" wrap="square" lIns="91440" tIns="45720" rIns="91440" bIns="45720" numCol="1" anchor="t" anchorCtr="0" compatLnSpc="1">
-              <a:prstTxWarp prst="textNoShape">
-                <a:avLst/>
-              </a:prstTxWarp>
-            </a:bodyPr>
+            <a:bodyPr/>
             <a:lstStyle>
               <a:defPPr>
                 <a:defRPr lang="pt-PT"/>
@@ -8875,6 +9865,9 @@
               </a:lvl9pPr>
             </a:lstStyle>
             <a:p>
+              <a:pPr>
+                <a:defRPr/>
+              </a:pPr>
               <a:endParaRPr lang="pt-PT"/>
             </a:p>
           </p:txBody>
@@ -8907,11 +9900,7 @@
             </a:ln>
           </p:spPr>
           <p:txBody>
-            <a:bodyPr vert="horz" wrap="square" lIns="91440" tIns="45720" rIns="91440" bIns="45720" numCol="1" anchor="t" anchorCtr="0" compatLnSpc="1">
-              <a:prstTxWarp prst="textNoShape">
-                <a:avLst/>
-              </a:prstTxWarp>
-            </a:bodyPr>
+            <a:bodyPr/>
             <a:lstStyle>
               <a:defPPr>
                 <a:defRPr lang="pt-PT"/>
@@ -9038,6 +10027,9 @@
               </a:lvl9pPr>
             </a:lstStyle>
             <a:p>
+              <a:pPr>
+                <a:defRPr/>
+              </a:pPr>
               <a:endParaRPr lang="pt-PT"/>
             </a:p>
           </p:txBody>
@@ -9070,11 +10062,7 @@
             </a:ln>
           </p:spPr>
           <p:txBody>
-            <a:bodyPr vert="horz" wrap="square" lIns="91440" tIns="45720" rIns="91440" bIns="45720" numCol="1" anchor="t" anchorCtr="0" compatLnSpc="1">
-              <a:prstTxWarp prst="textNoShape">
-                <a:avLst/>
-              </a:prstTxWarp>
-            </a:bodyPr>
+            <a:bodyPr/>
             <a:lstStyle>
               <a:defPPr>
                 <a:defRPr lang="pt-PT"/>
@@ -9201,6 +10189,9 @@
               </a:lvl9pPr>
             </a:lstStyle>
             <a:p>
+              <a:pPr>
+                <a:defRPr/>
+              </a:pPr>
               <a:endParaRPr lang="pt-PT"/>
             </a:p>
           </p:txBody>
@@ -9233,11 +10224,7 @@
             </a:ln>
           </p:spPr>
           <p:txBody>
-            <a:bodyPr vert="horz" wrap="square" lIns="91440" tIns="45720" rIns="91440" bIns="45720" numCol="1" anchor="t" anchorCtr="0" compatLnSpc="1">
-              <a:prstTxWarp prst="textNoShape">
-                <a:avLst/>
-              </a:prstTxWarp>
-            </a:bodyPr>
+            <a:bodyPr/>
             <a:lstStyle>
               <a:defPPr>
                 <a:defRPr lang="pt-PT"/>
@@ -9364,6 +10351,9 @@
               </a:lvl9pPr>
             </a:lstStyle>
             <a:p>
+              <a:pPr>
+                <a:defRPr/>
+              </a:pPr>
               <a:endParaRPr lang="pt-PT"/>
             </a:p>
           </p:txBody>
@@ -9477,11 +10467,7 @@
             </a:ln>
           </p:spPr>
           <p:txBody>
-            <a:bodyPr vert="horz" wrap="square" lIns="91440" tIns="45720" rIns="91440" bIns="45720" numCol="1" anchor="t" anchorCtr="0" compatLnSpc="1">
-              <a:prstTxWarp prst="textNoShape">
-                <a:avLst/>
-              </a:prstTxWarp>
-            </a:bodyPr>
+            <a:bodyPr/>
             <a:lstStyle>
               <a:defPPr>
                 <a:defRPr lang="pt-PT"/>
@@ -9608,6 +10594,9 @@
               </a:lvl9pPr>
             </a:lstStyle>
             <a:p>
+              <a:pPr>
+                <a:defRPr/>
+              </a:pPr>
               <a:endParaRPr lang="pt-PT"/>
             </a:p>
           </p:txBody>
@@ -9673,11 +10662,7 @@
             </a:ln>
           </p:spPr>
           <p:txBody>
-            <a:bodyPr vert="horz" wrap="square" lIns="91440" tIns="45720" rIns="91440" bIns="45720" numCol="1" anchor="t" anchorCtr="0" compatLnSpc="1">
-              <a:prstTxWarp prst="textNoShape">
-                <a:avLst/>
-              </a:prstTxWarp>
-            </a:bodyPr>
+            <a:bodyPr/>
             <a:lstStyle>
               <a:defPPr>
                 <a:defRPr lang="pt-PT"/>
@@ -9804,6 +10789,9 @@
               </a:lvl9pPr>
             </a:lstStyle>
             <a:p>
+              <a:pPr>
+                <a:defRPr/>
+              </a:pPr>
               <a:endParaRPr lang="pt-PT"/>
             </a:p>
           </p:txBody>
@@ -10377,11 +11365,7 @@
             </a:ln>
           </p:spPr>
           <p:txBody>
-            <a:bodyPr vert="horz" wrap="square" lIns="91440" tIns="45720" rIns="91440" bIns="45720" numCol="1" anchor="t" anchorCtr="0" compatLnSpc="1">
-              <a:prstTxWarp prst="textNoShape">
-                <a:avLst/>
-              </a:prstTxWarp>
-            </a:bodyPr>
+            <a:bodyPr/>
             <a:lstStyle>
               <a:defPPr>
                 <a:defRPr lang="pt-PT"/>
@@ -10508,6 +11492,9 @@
               </a:lvl9pPr>
             </a:lstStyle>
             <a:p>
+              <a:pPr>
+                <a:defRPr/>
+              </a:pPr>
               <a:endParaRPr lang="pt-PT"/>
             </a:p>
           </p:txBody>
@@ -10624,11 +11611,7 @@
             </a:ln>
           </p:spPr>
           <p:txBody>
-            <a:bodyPr vert="horz" wrap="square" lIns="91440" tIns="45720" rIns="91440" bIns="45720" numCol="1" anchor="t" anchorCtr="0" compatLnSpc="1">
-              <a:prstTxWarp prst="textNoShape">
-                <a:avLst/>
-              </a:prstTxWarp>
-            </a:bodyPr>
+            <a:bodyPr/>
             <a:lstStyle>
               <a:defPPr>
                 <a:defRPr lang="pt-PT"/>
@@ -10755,6 +11738,9 @@
               </a:lvl9pPr>
             </a:lstStyle>
             <a:p>
+              <a:pPr>
+                <a:defRPr/>
+              </a:pPr>
               <a:endParaRPr lang="pt-PT"/>
             </a:p>
           </p:txBody>
@@ -10787,11 +11773,7 @@
             </a:ln>
           </p:spPr>
           <p:txBody>
-            <a:bodyPr vert="horz" wrap="square" lIns="91440" tIns="45720" rIns="91440" bIns="45720" numCol="1" anchor="t" anchorCtr="0" compatLnSpc="1">
-              <a:prstTxWarp prst="textNoShape">
-                <a:avLst/>
-              </a:prstTxWarp>
-            </a:bodyPr>
+            <a:bodyPr/>
             <a:lstStyle>
               <a:defPPr>
                 <a:defRPr lang="pt-PT"/>
@@ -10918,6 +11900,9 @@
               </a:lvl9pPr>
             </a:lstStyle>
             <a:p>
+              <a:pPr>
+                <a:defRPr/>
+              </a:pPr>
               <a:endParaRPr lang="pt-PT"/>
             </a:p>
           </p:txBody>
@@ -10950,11 +11935,7 @@
             </a:ln>
           </p:spPr>
           <p:txBody>
-            <a:bodyPr vert="horz" wrap="square" lIns="91440" tIns="45720" rIns="91440" bIns="45720" numCol="1" anchor="t" anchorCtr="0" compatLnSpc="1">
-              <a:prstTxWarp prst="textNoShape">
-                <a:avLst/>
-              </a:prstTxWarp>
-            </a:bodyPr>
+            <a:bodyPr/>
             <a:lstStyle>
               <a:defPPr>
                 <a:defRPr lang="pt-PT"/>
@@ -11081,6 +12062,9 @@
               </a:lvl9pPr>
             </a:lstStyle>
             <a:p>
+              <a:pPr>
+                <a:defRPr/>
+              </a:pPr>
               <a:endParaRPr lang="pt-PT"/>
             </a:p>
           </p:txBody>
@@ -11113,11 +12097,7 @@
             </a:ln>
           </p:spPr>
           <p:txBody>
-            <a:bodyPr vert="horz" wrap="square" lIns="91440" tIns="45720" rIns="91440" bIns="45720" numCol="1" anchor="t" anchorCtr="0" compatLnSpc="1">
-              <a:prstTxWarp prst="textNoShape">
-                <a:avLst/>
-              </a:prstTxWarp>
-            </a:bodyPr>
+            <a:bodyPr/>
             <a:lstStyle>
               <a:defPPr>
                 <a:defRPr lang="pt-PT"/>
@@ -11244,6 +12224,9 @@
               </a:lvl9pPr>
             </a:lstStyle>
             <a:p>
+              <a:pPr>
+                <a:defRPr/>
+              </a:pPr>
               <a:endParaRPr lang="pt-PT"/>
             </a:p>
           </p:txBody>
@@ -11276,11 +12259,7 @@
             </a:ln>
           </p:spPr>
           <p:txBody>
-            <a:bodyPr vert="horz" wrap="square" lIns="91440" tIns="45720" rIns="91440" bIns="45720" numCol="1" anchor="t" anchorCtr="0" compatLnSpc="1">
-              <a:prstTxWarp prst="textNoShape">
-                <a:avLst/>
-              </a:prstTxWarp>
-            </a:bodyPr>
+            <a:bodyPr/>
             <a:lstStyle>
               <a:defPPr>
                 <a:defRPr lang="pt-PT"/>
@@ -11407,6 +12386,9 @@
               </a:lvl9pPr>
             </a:lstStyle>
             <a:p>
+              <a:pPr>
+                <a:defRPr/>
+              </a:pPr>
               <a:endParaRPr lang="pt-PT"/>
             </a:p>
           </p:txBody>
@@ -11439,11 +12421,7 @@
             </a:ln>
           </p:spPr>
           <p:txBody>
-            <a:bodyPr vert="horz" wrap="square" lIns="91440" tIns="45720" rIns="91440" bIns="45720" numCol="1" anchor="t" anchorCtr="0" compatLnSpc="1">
-              <a:prstTxWarp prst="textNoShape">
-                <a:avLst/>
-              </a:prstTxWarp>
-            </a:bodyPr>
+            <a:bodyPr/>
             <a:lstStyle>
               <a:defPPr>
                 <a:defRPr lang="pt-PT"/>
@@ -11570,6 +12548,9 @@
               </a:lvl9pPr>
             </a:lstStyle>
             <a:p>
+              <a:pPr>
+                <a:defRPr/>
+              </a:pPr>
               <a:endParaRPr lang="pt-PT"/>
             </a:p>
           </p:txBody>
@@ -11728,11 +12709,7 @@
             </a:ln>
           </p:spPr>
           <p:txBody>
-            <a:bodyPr vert="horz" wrap="square" lIns="91440" tIns="45720" rIns="91440" bIns="45720" numCol="1" anchor="t" anchorCtr="0" compatLnSpc="1">
-              <a:prstTxWarp prst="textNoShape">
-                <a:avLst/>
-              </a:prstTxWarp>
-            </a:bodyPr>
+            <a:bodyPr/>
             <a:lstStyle>
               <a:defPPr>
                 <a:defRPr lang="pt-PT"/>
@@ -11859,6 +12836,9 @@
               </a:lvl9pPr>
             </a:lstStyle>
             <a:p>
+              <a:pPr>
+                <a:defRPr/>
+              </a:pPr>
               <a:endParaRPr lang="pt-PT"/>
             </a:p>
           </p:txBody>
@@ -11970,11 +12950,7 @@
             </a:ln>
           </p:spPr>
           <p:txBody>
-            <a:bodyPr vert="horz" wrap="square" lIns="91440" tIns="45720" rIns="91440" bIns="45720" numCol="1" anchor="t" anchorCtr="0" compatLnSpc="1">
-              <a:prstTxWarp prst="textNoShape">
-                <a:avLst/>
-              </a:prstTxWarp>
-            </a:bodyPr>
+            <a:bodyPr/>
             <a:lstStyle>
               <a:defPPr>
                 <a:defRPr lang="pt-PT"/>
@@ -12101,6 +13077,9 @@
               </a:lvl9pPr>
             </a:lstStyle>
             <a:p>
+              <a:pPr>
+                <a:defRPr/>
+              </a:pPr>
               <a:endParaRPr lang="pt-PT"/>
             </a:p>
           </p:txBody>
@@ -12169,11 +13148,7 @@
             </a:ln>
           </p:spPr>
           <p:txBody>
-            <a:bodyPr vert="horz" wrap="square" lIns="91440" tIns="45720" rIns="91440" bIns="45720" numCol="1" anchor="t" anchorCtr="0" compatLnSpc="1">
-              <a:prstTxWarp prst="textNoShape">
-                <a:avLst/>
-              </a:prstTxWarp>
-            </a:bodyPr>
+            <a:bodyPr/>
             <a:lstStyle>
               <a:defPPr>
                 <a:defRPr lang="pt-PT"/>
@@ -12300,6 +13275,9 @@
               </a:lvl9pPr>
             </a:lstStyle>
             <a:p>
+              <a:pPr>
+                <a:defRPr/>
+              </a:pPr>
               <a:endParaRPr lang="pt-PT"/>
             </a:p>
           </p:txBody>
@@ -12566,11 +13544,7 @@
             </a:ln>
           </p:spPr>
           <p:txBody>
-            <a:bodyPr vert="horz" wrap="square" lIns="91440" tIns="45720" rIns="91440" bIns="45720" numCol="1" anchor="t" anchorCtr="0" compatLnSpc="1">
-              <a:prstTxWarp prst="textNoShape">
-                <a:avLst/>
-              </a:prstTxWarp>
-            </a:bodyPr>
+            <a:bodyPr/>
             <a:lstStyle>
               <a:defPPr>
                 <a:defRPr lang="pt-PT"/>
@@ -12697,6 +13671,9 @@
               </a:lvl9pPr>
             </a:lstStyle>
             <a:p>
+              <a:pPr>
+                <a:defRPr/>
+              </a:pPr>
               <a:endParaRPr lang="pt-PT"/>
             </a:p>
           </p:txBody>
@@ -13293,11 +14270,7 @@
             </a:ln>
           </p:spPr>
           <p:txBody>
-            <a:bodyPr vert="horz" wrap="square" lIns="91440" tIns="45720" rIns="91440" bIns="45720" numCol="1" anchor="t" anchorCtr="0" compatLnSpc="1">
-              <a:prstTxWarp prst="textNoShape">
-                <a:avLst/>
-              </a:prstTxWarp>
-            </a:bodyPr>
+            <a:bodyPr/>
             <a:lstStyle>
               <a:defPPr>
                 <a:defRPr lang="pt-PT"/>
@@ -13424,6 +14397,9 @@
               </a:lvl9pPr>
             </a:lstStyle>
             <a:p>
+              <a:pPr>
+                <a:defRPr/>
+              </a:pPr>
               <a:endParaRPr lang="pt-PT"/>
             </a:p>
           </p:txBody>
@@ -13439,8 +14415,8 @@
         </p:nvSpPr>
         <p:spPr bwMode="auto">
           <a:xfrm>
-            <a:off x="361898" y="9572321"/>
-            <a:ext cx="5281680" cy="309901"/>
+            <a:off x="115888" y="9561513"/>
+            <a:ext cx="5281612" cy="304800"/>
           </a:xfrm>
           <a:prstGeom prst="rect">
             <a:avLst/>
@@ -13461,32 +14437,16 @@
           </a:effectLst>
         </p:spPr>
         <p:txBody>
-          <a:bodyPr vert="horz" wrap="square" lIns="91440" tIns="45720" rIns="91440" bIns="45720" numCol="1" anchor="ctr" anchorCtr="0" compatLnSpc="1">
-            <a:prstTxWarp prst="textNoShape">
-              <a:avLst/>
-            </a:prstTxWarp>
+          <a:bodyPr anchor="ctr">
             <a:spAutoFit/>
           </a:bodyPr>
           <a:lstStyle/>
           <a:p>
-            <a:pPr marL="0" marR="0" lvl="0" indent="0" algn="r" defTabSz="914400" rtl="0" eaLnBrk="0" fontAlgn="base" latinLnBrk="0" hangingPunct="0">
-              <a:lnSpc>
-                <a:spcPct val="100000"/>
-              </a:lnSpc>
-              <a:spcBef>
-                <a:spcPct val="0"/>
-              </a:spcBef>
-              <a:spcAft>
-                <a:spcPct val="0"/>
-              </a:spcAft>
-              <a:buClrTx/>
-              <a:buSzTx/>
-              <a:buFontTx/>
-              <a:buNone/>
-              <a:tabLst/>
+            <a:pPr algn="r" eaLnBrk="0" hangingPunct="0">
+              <a:defRPr/>
             </a:pPr>
             <a:r>
-              <a:rPr lang="pt-PT" sz="1400" dirty="0" smtClean="0">
+              <a:rPr lang="pt-PT" sz="1400" dirty="0">
                 <a:solidFill>
                   <a:schemeClr val="bg1"/>
                 </a:solidFill>
@@ -13503,6 +14463,109 @@
               <a:latin typeface="Tahoma" pitchFamily="34" charset="0"/>
               <a:ea typeface="Tahoma" pitchFamily="34" charset="0"/>
               <a:cs typeface="Tahoma" pitchFamily="34" charset="0"/>
+            </a:endParaRPr>
+          </a:p>
+        </p:txBody>
+      </p:sp>
+      <p:sp>
+        <p:nvSpPr>
+          <p:cNvPr id="14414" name="TextBox 85"/>
+          <p:cNvSpPr txBox="1">
+            <a:spLocks noChangeArrowheads="1"/>
+          </p:cNvSpPr>
+          <p:nvPr/>
+        </p:nvSpPr>
+        <p:spPr bwMode="auto">
+          <a:xfrm>
+            <a:off x="0" y="9228138"/>
+            <a:ext cx="5661025" cy="549275"/>
+          </a:xfrm>
+          <a:prstGeom prst="rect">
+            <a:avLst/>
+          </a:prstGeom>
+          <a:noFill/>
+          <a:ln w="9525">
+            <a:noFill/>
+            <a:miter lim="800000"/>
+            <a:headEnd/>
+            <a:tailEnd/>
+          </a:ln>
+        </p:spPr>
+        <p:txBody>
+          <a:bodyPr>
+            <a:spAutoFit/>
+          </a:bodyPr>
+          <a:lstStyle/>
+          <a:p>
+            <a:pPr algn="ctr">
+              <a:buFont typeface="Wingdings" pitchFamily="2" charset="2"/>
+              <a:buNone/>
+            </a:pPr>
+            <a:r>
+              <a:rPr lang="pt-PT" sz="1000" b="1">
+                <a:latin typeface="Calibri" pitchFamily="34" charset="0"/>
+                <a:sym typeface="Bookshelf Symbol 7" pitchFamily="2" charset="2"/>
+              </a:rPr>
+              <a:t></a:t>
+            </a:r>
+            <a:r>
+              <a:rPr lang="pt-PT" sz="1000" b="1">
+                <a:latin typeface="Calibri" pitchFamily="34" charset="0"/>
+              </a:rPr>
+              <a:t>Ricardo Neto</a:t>
+            </a:r>
+            <a:r>
+              <a:rPr lang="pt-PT" sz="1000">
+                <a:latin typeface="Calibri" pitchFamily="34" charset="0"/>
+              </a:rPr>
+              <a:t> 26657@alunos.isel.pt </a:t>
+            </a:r>
+            <a:r>
+              <a:rPr lang="pt-PT" sz="1000">
+                <a:latin typeface="Calibri" pitchFamily="34" charset="0"/>
+                <a:sym typeface="Bookshelf Symbol 7" pitchFamily="2" charset="2"/>
+              </a:rPr>
+              <a:t></a:t>
+            </a:r>
+            <a:r>
+              <a:rPr lang="pt-PT" sz="1000" b="1">
+                <a:latin typeface="Calibri" pitchFamily="34" charset="0"/>
+              </a:rPr>
+              <a:t>Nuno Sousa</a:t>
+            </a:r>
+            <a:r>
+              <a:rPr lang="pt-PT" sz="1000">
+                <a:latin typeface="Calibri" pitchFamily="34" charset="0"/>
+              </a:rPr>
+              <a:t> 31923@alunos.isel.pt  </a:t>
+            </a:r>
+            <a:r>
+              <a:rPr lang="pt-PT" sz="1000">
+                <a:latin typeface="Calibri" pitchFamily="34" charset="0"/>
+                <a:sym typeface="Bookshelf Symbol 7" pitchFamily="2" charset="2"/>
+              </a:rPr>
+              <a:t></a:t>
+            </a:r>
+            <a:r>
+              <a:rPr lang="pt-PT" sz="1000" b="1">
+                <a:latin typeface="Calibri" pitchFamily="34" charset="0"/>
+              </a:rPr>
+              <a:t>Paulo Pires </a:t>
+            </a:r>
+            <a:r>
+              <a:rPr lang="pt-PT" sz="1000">
+                <a:latin typeface="Calibri" pitchFamily="34" charset="0"/>
+              </a:rPr>
+              <a:t>32223@alunos.isel.pt</a:t>
+            </a:r>
+          </a:p>
+          <a:p>
+            <a:pPr>
+              <a:buFont typeface="Wingdings" pitchFamily="2" charset="2"/>
+              <a:buNone/>
+            </a:pPr>
+            <a:endParaRPr lang="pt-PT" sz="1000">
+              <a:latin typeface="Calibri" pitchFamily="34" charset="0"/>
             </a:endParaRPr>
           </a:p>
         </p:txBody>

--- a/trunk/Entregáveis/Cartaz/Draft Poster.pptx
+++ b/trunk/Entregáveis/Cartaz/Draft Poster.pptx
@@ -5,11 +5,10 @@
     <p:sldMasterId id="2147483648" r:id="rId1"/>
   </p:sldMasterIdLst>
   <p:notesMasterIdLst>
-    <p:notesMasterId r:id="rId4"/>
+    <p:notesMasterId r:id="rId3"/>
   </p:notesMasterIdLst>
   <p:sldIdLst>
     <p:sldId id="256" r:id="rId2"/>
-    <p:sldId id="257" r:id="rId3"/>
   </p:sldIdLst>
   <p:sldSz cx="6858000" cy="9906000" type="A4"/>
   <p:notesSz cx="6858000" cy="9144000"/>
@@ -4147,18 +4146,40 @@
       </p:pic>
       <p:sp>
         <p:nvSpPr>
-          <p:cNvPr id="158" name="Rounded Rectangle 157"/>
+          <p:cNvPr id="87" name="Flowchart: Document 86"/>
           <p:cNvSpPr/>
           <p:nvPr/>
         </p:nvSpPr>
         <p:spPr>
-          <a:xfrm>
-            <a:off x="142875" y="6953250"/>
-            <a:ext cx="3357563" cy="1928813"/>
+          <a:xfrm rot="10800000" flipH="1">
+            <a:off x="0" y="9024965"/>
+            <a:ext cx="6858000" cy="881033"/>
           </a:xfrm>
-          <a:prstGeom prst="roundRect">
+          <a:prstGeom prst="flowChartDocument">
             <a:avLst/>
           </a:prstGeom>
+          <a:gradFill flip="none" rotWithShape="0">
+            <a:gsLst>
+              <a:gs pos="6000">
+                <a:srgbClr val="6703D5"/>
+              </a:gs>
+              <a:gs pos="100000">
+                <a:srgbClr val="00CCFF"/>
+              </a:gs>
+            </a:gsLst>
+            <a:lin ang="15000000" scaled="0"/>
+            <a:tileRect/>
+          </a:gradFill>
+          <a:ln>
+            <a:noFill/>
+          </a:ln>
+          <a:effectLst>
+            <a:outerShdw blurRad="127000" dist="76200" dir="2700000" algn="tl" rotWithShape="0">
+              <a:prstClr val="black">
+                <a:alpha val="40000"/>
+              </a:prstClr>
+            </a:outerShdw>
+          </a:effectLst>
         </p:spPr>
         <p:style>
           <a:lnRef idx="2">
@@ -4177,18 +4198,10 @@
           </a:fontRef>
         </p:style>
         <p:txBody>
-          <a:bodyPr anchor="ctr"/>
+          <a:bodyPr rtlCol="0" anchor="ctr"/>
           <a:lstStyle/>
           <a:p>
-            <a:pPr algn="ctr" fontAlgn="auto">
-              <a:spcBef>
-                <a:spcPts val="0"/>
-              </a:spcBef>
-              <a:spcAft>
-                <a:spcPts val="0"/>
-              </a:spcAft>
-              <a:defRPr/>
-            </a:pPr>
+            <a:pPr algn="ctr"/>
             <a:endParaRPr lang="pt-PT"/>
           </a:p>
         </p:txBody>
@@ -4203,7 +4216,7 @@
         </p:nvSpPr>
         <p:spPr bwMode="auto">
           <a:xfrm>
-            <a:off x="142875" y="2881313"/>
+            <a:off x="142875" y="2881298"/>
             <a:ext cx="2362200" cy="517525"/>
           </a:xfrm>
           <a:prstGeom prst="rect">
@@ -4228,7 +4241,7 @@
               <a:buChar char="§"/>
             </a:pPr>
             <a:r>
-              <a:rPr lang="pt-PT" sz="1400">
+              <a:rPr lang="pt-PT" sz="1400" dirty="0">
                 <a:latin typeface="Calibri" pitchFamily="34" charset="0"/>
               </a:rPr>
               <a:t>Identificação de objectivos</a:t>
@@ -4240,7 +4253,7 @@
               <a:buChar char="§"/>
             </a:pPr>
             <a:r>
-              <a:rPr lang="pt-PT" sz="1400">
+              <a:rPr lang="pt-PT" sz="1400" dirty="0">
                 <a:latin typeface="Calibri" pitchFamily="34" charset="0"/>
               </a:rPr>
               <a:t>Modularização em requisitos</a:t>
@@ -4414,7 +4427,7 @@
         </p:nvSpPr>
         <p:spPr>
           <a:xfrm rot="1724109">
-            <a:off x="2893513" y="5538330"/>
+            <a:off x="2936793" y="5324016"/>
             <a:ext cx="1456322" cy="820059"/>
           </a:xfrm>
           <a:prstGeom prst="rightArrow">
@@ -4495,7 +4508,7 @@
         </p:nvSpPr>
         <p:spPr bwMode="auto">
           <a:xfrm>
-            <a:off x="3357563" y="4167188"/>
+            <a:off x="3357563" y="3952868"/>
             <a:ext cx="3357562" cy="1368425"/>
           </a:xfrm>
           <a:prstGeom prst="rect">
@@ -4520,7 +4533,7 @@
               <a:buChar char="§"/>
             </a:pPr>
             <a:r>
-              <a:rPr lang="pt-PT" sz="1400">
+              <a:rPr lang="pt-PT" sz="1400" dirty="0">
                 <a:latin typeface="Calibri" pitchFamily="34" charset="0"/>
               </a:rPr>
               <a:t> Definição do modelo de tipos</a:t>
@@ -4532,7 +4545,7 @@
               <a:buChar char="§"/>
             </a:pPr>
             <a:r>
-              <a:rPr lang="pt-PT" sz="1400">
+              <a:rPr lang="pt-PT" sz="1400" dirty="0">
                 <a:latin typeface="Calibri" pitchFamily="34" charset="0"/>
               </a:rPr>
               <a:t> Diagrama de classes e modelo entidade associação</a:t>
@@ -4544,7 +4557,7 @@
               <a:buChar char="§"/>
             </a:pPr>
             <a:r>
-              <a:rPr lang="pt-PT" sz="1400">
+              <a:rPr lang="pt-PT" sz="1400" dirty="0">
                 <a:latin typeface="Calibri" pitchFamily="34" charset="0"/>
               </a:rPr>
               <a:t> Levantamento de recursos (BD, email, ...)</a:t>
@@ -4556,7 +4569,7 @@
               <a:buChar char="§"/>
             </a:pPr>
             <a:r>
-              <a:rPr lang="pt-PT" sz="1400">
+              <a:rPr lang="pt-PT" sz="1400" dirty="0">
                 <a:latin typeface="Calibri" pitchFamily="34" charset="0"/>
               </a:rPr>
               <a:t>Especificação de processos de negócio e respectivas permissões (RBAC)</a:t>
@@ -4574,7 +4587,7 @@
         </p:nvSpPr>
         <p:spPr bwMode="auto">
           <a:xfrm>
-            <a:off x="71438" y="5453063"/>
+            <a:off x="71438" y="5667380"/>
             <a:ext cx="3214687" cy="942975"/>
           </a:xfrm>
           <a:prstGeom prst="rect">
@@ -4629,7 +4642,7 @@
         </p:nvSpPr>
         <p:spPr bwMode="auto">
           <a:xfrm>
-            <a:off x="3714750" y="7569200"/>
+            <a:off x="3714750" y="7239016"/>
             <a:ext cx="3214688" cy="942975"/>
           </a:xfrm>
           <a:prstGeom prst="rect">
@@ -4769,75 +4782,6 @@
       </p:sp>
       <p:sp>
         <p:nvSpPr>
-          <p:cNvPr id="56" name="Flowchart: Document 55"/>
-          <p:cNvSpPr/>
-          <p:nvPr/>
-        </p:nvSpPr>
-        <p:spPr>
-          <a:xfrm rot="10800000">
-            <a:off x="0" y="8953500"/>
-            <a:ext cx="6858000" cy="952500"/>
-          </a:xfrm>
-          <a:prstGeom prst="flowChartDocument">
-            <a:avLst/>
-          </a:prstGeom>
-          <a:gradFill>
-            <a:gsLst>
-              <a:gs pos="6000">
-                <a:srgbClr val="6703D5"/>
-              </a:gs>
-              <a:gs pos="100000">
-                <a:srgbClr val="00CCFF"/>
-              </a:gs>
-            </a:gsLst>
-            <a:lin ang="15000000" scaled="0"/>
-          </a:gradFill>
-          <a:ln>
-            <a:noFill/>
-          </a:ln>
-          <a:effectLst>
-            <a:outerShdw blurRad="127000" dist="76200" dir="2700000" algn="tl" rotWithShape="0">
-              <a:prstClr val="black">
-                <a:alpha val="40000"/>
-              </a:prstClr>
-            </a:outerShdw>
-          </a:effectLst>
-        </p:spPr>
-        <p:style>
-          <a:lnRef idx="2">
-            <a:schemeClr val="accent1">
-              <a:shade val="50000"/>
-            </a:schemeClr>
-          </a:lnRef>
-          <a:fillRef idx="1">
-            <a:schemeClr val="accent1"/>
-          </a:fillRef>
-          <a:effectRef idx="0">
-            <a:schemeClr val="accent1"/>
-          </a:effectRef>
-          <a:fontRef idx="minor">
-            <a:schemeClr val="lt1"/>
-          </a:fontRef>
-        </p:style>
-        <p:txBody>
-          <a:bodyPr anchor="ctr"/>
-          <a:lstStyle/>
-          <a:p>
-            <a:pPr algn="ctr" fontAlgn="auto">
-              <a:spcBef>
-                <a:spcPts val="0"/>
-              </a:spcBef>
-              <a:spcAft>
-                <a:spcPts val="0"/>
-              </a:spcAft>
-              <a:defRPr/>
-            </a:pPr>
-            <a:endParaRPr lang="pt-PT"/>
-          </a:p>
-        </p:txBody>
-      </p:sp>
-      <p:sp>
-        <p:nvSpPr>
           <p:cNvPr id="57" name="TextBox 56"/>
           <p:cNvSpPr txBox="1"/>
           <p:nvPr/>
@@ -4883,12 +4827,6 @@
               </a:rPr>
               <a:t>Rapid Application Development</a:t>
             </a:r>
-            <a:endParaRPr lang="pt-PT" sz="2400" b="1" dirty="0">
-              <a:solidFill>
-                <a:schemeClr val="bg1"/>
-              </a:solidFill>
-              <a:latin typeface="+mn-lt"/>
-            </a:endParaRPr>
           </a:p>
         </p:txBody>
       </p:sp>
@@ -5245,7 +5183,7 @@
         </p:nvGrpSpPr>
         <p:grpSpPr bwMode="auto">
           <a:xfrm>
-            <a:off x="214313" y="3595688"/>
+            <a:off x="214313" y="3738564"/>
             <a:ext cx="1852612" cy="1806575"/>
             <a:chOff x="686143" y="4426391"/>
             <a:chExt cx="1852531" cy="1805960"/>
@@ -5602,7 +5540,7 @@
         </p:nvGrpSpPr>
         <p:grpSpPr bwMode="auto">
           <a:xfrm>
-            <a:off x="3357563" y="1023938"/>
+            <a:off x="3357563" y="809596"/>
             <a:ext cx="3378200" cy="2992437"/>
             <a:chOff x="3265532" y="1388533"/>
             <a:chExt cx="3378178" cy="2992963"/>
@@ -6275,22 +6213,6 @@
                 </a:rPr>
                 <a:t>Business Processes</a:t>
               </a:r>
-              <a:endParaRPr lang="en-US" sz="1600" dirty="0">
-                <a:ln w="10541" cmpd="sng">
-                  <a:solidFill>
-                    <a:srgbClr val="7D7D7D">
-                      <a:tint val="100000"/>
-                      <a:shade val="100000"/>
-                      <a:satMod val="110000"/>
-                    </a:srgbClr>
-                  </a:solidFill>
-                  <a:prstDash val="solid"/>
-                </a:ln>
-                <a:solidFill>
-                  <a:srgbClr val="01359D"/>
-                </a:solidFill>
-                <a:latin typeface="+mn-lt"/>
-              </a:endParaRPr>
             </a:p>
           </p:txBody>
         </p:sp>
@@ -6449,22 +6371,6 @@
                 </a:rPr>
                 <a:t>Security</a:t>
               </a:r>
-              <a:endParaRPr lang="en-US" sz="1600" dirty="0">
-                <a:ln w="10541" cmpd="sng">
-                  <a:solidFill>
-                    <a:srgbClr val="7D7D7D">
-                      <a:tint val="100000"/>
-                      <a:shade val="100000"/>
-                      <a:satMod val="110000"/>
-                    </a:srgbClr>
-                  </a:solidFill>
-                  <a:prstDash val="solid"/>
-                </a:ln>
-                <a:solidFill>
-                  <a:srgbClr val="01359D"/>
-                </a:solidFill>
-                <a:latin typeface="+mn-lt"/>
-              </a:endParaRPr>
             </a:p>
           </p:txBody>
         </p:sp>
@@ -6655,7 +6561,7 @@
         </p:nvGrpSpPr>
         <p:grpSpPr bwMode="auto">
           <a:xfrm>
-            <a:off x="4425950" y="5667375"/>
+            <a:off x="4640283" y="5310190"/>
             <a:ext cx="1789113" cy="1784350"/>
             <a:chOff x="4755066" y="6103901"/>
             <a:chExt cx="1788857" cy="1783838"/>
@@ -6965,16 +6871,16 @@
       </p:grpSp>
       <p:sp>
         <p:nvSpPr>
-          <p:cNvPr id="14360" name="TextBox 122"/>
-          <p:cNvSpPr txBox="1">
+          <p:cNvPr id="88" name="Rectangle 1"/>
+          <p:cNvSpPr>
             <a:spLocks noChangeArrowheads="1"/>
           </p:cNvSpPr>
           <p:nvPr/>
         </p:nvSpPr>
         <p:spPr bwMode="auto">
           <a:xfrm>
-            <a:off x="-26988" y="7258050"/>
-            <a:ext cx="3643313" cy="701675"/>
+            <a:off x="-7620" y="9075394"/>
+            <a:ext cx="2928934" cy="840166"/>
           </a:xfrm>
           <a:prstGeom prst="rect">
             <a:avLst/>
@@ -6986,35 +6892,197 @@
             <a:headEnd/>
             <a:tailEnd/>
           </a:ln>
+          <a:effectLst>
+            <a:outerShdw blurRad="50800" dist="38100" dir="8100000" algn="tr" rotWithShape="0">
+              <a:prstClr val="black">
+                <a:alpha val="40000"/>
+              </a:prstClr>
+            </a:outerShdw>
+          </a:effectLst>
         </p:spPr>
         <p:txBody>
-          <a:bodyPr>
+          <a:bodyPr vert="horz" wrap="square" lIns="91440" tIns="45720" rIns="91440" bIns="45720" numCol="1" anchor="ctr" anchorCtr="0" compatLnSpc="1">
+            <a:prstTxWarp prst="textNoShape">
+              <a:avLst/>
+            </a:prstTxWarp>
             <a:spAutoFit/>
           </a:bodyPr>
           <a:lstStyle/>
           <a:p>
-            <a:pPr algn="ctr"/>
+            <a:pPr marL="0" marR="0" lvl="0" indent="0" defTabSz="914400" rtl="0" eaLnBrk="0" fontAlgn="base" latinLnBrk="0" hangingPunct="0">
+              <a:lnSpc>
+                <a:spcPct val="120000"/>
+              </a:lnSpc>
+              <a:spcBef>
+                <a:spcPct val="0"/>
+              </a:spcBef>
+              <a:spcAft>
+                <a:spcPct val="0"/>
+              </a:spcAft>
+              <a:buClrTx/>
+              <a:buSzTx/>
+              <a:buFontTx/>
+              <a:buNone/>
+              <a:tabLst/>
+            </a:pPr>
             <a:r>
-              <a:rPr lang="pt-PT" sz="2000">
-                <a:latin typeface="Calibri" pitchFamily="34" charset="0"/>
+              <a:rPr lang="pt-PT" sz="1400" dirty="0" smtClean="0">
+                <a:solidFill>
+                  <a:schemeClr val="bg1"/>
+                </a:solidFill>
+                <a:latin typeface="Tahoma" pitchFamily="34" charset="0"/>
+                <a:ea typeface="Tahoma" pitchFamily="34" charset="0"/>
+                <a:cs typeface="Tahoma" pitchFamily="34" charset="0"/>
               </a:rPr>
-              <a:t>Análise da solução centralizada no dicionário de dados</a:t>
+              <a:t>Ricardo Neto (</a:t>
             </a:r>
+            <a:r>
+              <a:rPr lang="pt-PT" sz="1200" dirty="0" smtClean="0">
+                <a:solidFill>
+                  <a:schemeClr val="bg1"/>
+                </a:solidFill>
+                <a:latin typeface="Tahoma" pitchFamily="34" charset="0"/>
+                <a:ea typeface="Tahoma" pitchFamily="34" charset="0"/>
+                <a:cs typeface="Tahoma" pitchFamily="34" charset="0"/>
+              </a:rPr>
+              <a:t>26657@alunos.isel.pt</a:t>
+            </a:r>
+            <a:r>
+              <a:rPr lang="pt-PT" sz="1400" dirty="0" smtClean="0">
+                <a:solidFill>
+                  <a:schemeClr val="bg1"/>
+                </a:solidFill>
+                <a:latin typeface="Tahoma" pitchFamily="34" charset="0"/>
+                <a:ea typeface="Tahoma" pitchFamily="34" charset="0"/>
+                <a:cs typeface="Tahoma" pitchFamily="34" charset="0"/>
+              </a:rPr>
+              <a:t>)</a:t>
+            </a:r>
+          </a:p>
+          <a:p>
+            <a:pPr marL="0" marR="0" lvl="0" indent="0" defTabSz="914400" rtl="0" eaLnBrk="0" fontAlgn="base" latinLnBrk="0" hangingPunct="0">
+              <a:lnSpc>
+                <a:spcPct val="120000"/>
+              </a:lnSpc>
+              <a:spcBef>
+                <a:spcPct val="0"/>
+              </a:spcBef>
+              <a:spcAft>
+                <a:spcPct val="0"/>
+              </a:spcAft>
+              <a:buClrTx/>
+              <a:buSzTx/>
+              <a:buFontTx/>
+              <a:buNone/>
+              <a:tabLst/>
+            </a:pPr>
+            <a:r>
+              <a:rPr lang="pt-PT" sz="1400" dirty="0" smtClean="0">
+                <a:solidFill>
+                  <a:schemeClr val="bg1"/>
+                </a:solidFill>
+                <a:latin typeface="Tahoma" pitchFamily="34" charset="0"/>
+                <a:ea typeface="Tahoma" pitchFamily="34" charset="0"/>
+                <a:cs typeface="Tahoma" pitchFamily="34" charset="0"/>
+              </a:rPr>
+              <a:t>Nuno Sousa (</a:t>
+            </a:r>
+            <a:r>
+              <a:rPr lang="pt-PT" sz="1200" dirty="0" smtClean="0">
+                <a:solidFill>
+                  <a:schemeClr val="bg1"/>
+                </a:solidFill>
+                <a:latin typeface="Tahoma" pitchFamily="34" charset="0"/>
+                <a:ea typeface="Tahoma" pitchFamily="34" charset="0"/>
+                <a:cs typeface="Tahoma" pitchFamily="34" charset="0"/>
+              </a:rPr>
+              <a:t>31923@alunos.isel.pt</a:t>
+            </a:r>
+            <a:r>
+              <a:rPr lang="pt-PT" sz="1400" dirty="0" smtClean="0">
+                <a:solidFill>
+                  <a:schemeClr val="bg1"/>
+                </a:solidFill>
+                <a:latin typeface="Tahoma" pitchFamily="34" charset="0"/>
+                <a:ea typeface="Tahoma" pitchFamily="34" charset="0"/>
+                <a:cs typeface="Tahoma" pitchFamily="34" charset="0"/>
+              </a:rPr>
+              <a:t>)</a:t>
+            </a:r>
+          </a:p>
+          <a:p>
+            <a:pPr marL="0" marR="0" lvl="0" indent="0" defTabSz="914400" rtl="0" eaLnBrk="0" fontAlgn="base" latinLnBrk="0" hangingPunct="0">
+              <a:lnSpc>
+                <a:spcPct val="120000"/>
+              </a:lnSpc>
+              <a:spcBef>
+                <a:spcPct val="0"/>
+              </a:spcBef>
+              <a:spcAft>
+                <a:spcPct val="0"/>
+              </a:spcAft>
+              <a:buClrTx/>
+              <a:buSzTx/>
+              <a:buFontTx/>
+              <a:buNone/>
+              <a:tabLst/>
+            </a:pPr>
+            <a:r>
+              <a:rPr lang="pt-PT" sz="1400" dirty="0" smtClean="0">
+                <a:solidFill>
+                  <a:schemeClr val="bg1"/>
+                </a:solidFill>
+                <a:latin typeface="Tahoma" pitchFamily="34" charset="0"/>
+                <a:ea typeface="Tahoma" pitchFamily="34" charset="0"/>
+                <a:cs typeface="Tahoma" pitchFamily="34" charset="0"/>
+              </a:rPr>
+              <a:t>Paulo Pires (</a:t>
+            </a:r>
+            <a:r>
+              <a:rPr lang="pt-PT" sz="1200" dirty="0" smtClean="0">
+                <a:solidFill>
+                  <a:schemeClr val="bg1"/>
+                </a:solidFill>
+                <a:latin typeface="Tahoma" pitchFamily="34" charset="0"/>
+                <a:ea typeface="Tahoma" pitchFamily="34" charset="0"/>
+                <a:cs typeface="Tahoma" pitchFamily="34" charset="0"/>
+              </a:rPr>
+              <a:t>32223@alunos.isel.pt</a:t>
+            </a:r>
+            <a:r>
+              <a:rPr lang="pt-PT" sz="1400" dirty="0" smtClean="0">
+                <a:solidFill>
+                  <a:schemeClr val="bg1"/>
+                </a:solidFill>
+                <a:latin typeface="Tahoma" pitchFamily="34" charset="0"/>
+                <a:ea typeface="Tahoma" pitchFamily="34" charset="0"/>
+                <a:cs typeface="Tahoma" pitchFamily="34" charset="0"/>
+              </a:rPr>
+              <a:t>)</a:t>
+            </a:r>
+            <a:endParaRPr lang="pt-PT" sz="1400" dirty="0">
+              <a:solidFill>
+                <a:schemeClr val="bg1"/>
+              </a:solidFill>
+              <a:latin typeface="Tahoma" pitchFamily="34" charset="0"/>
+              <a:ea typeface="Tahoma" pitchFamily="34" charset="0"/>
+              <a:cs typeface="Tahoma" pitchFamily="34" charset="0"/>
+            </a:endParaRPr>
           </a:p>
         </p:txBody>
       </p:sp>
       <p:sp>
         <p:nvSpPr>
-          <p:cNvPr id="14361" name="TextBox 123"/>
-          <p:cNvSpPr txBox="1">
+          <p:cNvPr id="89" name="Rectangle 1"/>
+          <p:cNvSpPr>
             <a:spLocks noChangeArrowheads="1"/>
           </p:cNvSpPr>
           <p:nvPr/>
         </p:nvSpPr>
         <p:spPr bwMode="auto">
           <a:xfrm>
-            <a:off x="-26988" y="8048625"/>
-            <a:ext cx="3643313" cy="701675"/>
+            <a:off x="2467922" y="9240119"/>
+            <a:ext cx="3000348" cy="510717"/>
           </a:xfrm>
           <a:prstGeom prst="rect">
             <a:avLst/>
@@ -7026,47 +7094,147 @@
             <a:headEnd/>
             <a:tailEnd/>
           </a:ln>
+          <a:effectLst>
+            <a:outerShdw blurRad="50800" dist="38100" dir="8100000" algn="tr" rotWithShape="0">
+              <a:prstClr val="black">
+                <a:alpha val="40000"/>
+              </a:prstClr>
+            </a:outerShdw>
+          </a:effectLst>
         </p:spPr>
         <p:txBody>
-          <a:bodyPr>
+          <a:bodyPr vert="horz" wrap="square" lIns="91440" tIns="45720" rIns="91440" bIns="45720" numCol="1" anchor="ctr" anchorCtr="0" compatLnSpc="1">
+            <a:prstTxWarp prst="textNoShape">
+              <a:avLst/>
+            </a:prstTxWarp>
             <a:spAutoFit/>
           </a:bodyPr>
           <a:lstStyle/>
           <a:p>
-            <a:pPr algn="ctr"/>
+            <a:pPr marL="0" marR="0" lvl="0" indent="0" algn="ctr" defTabSz="914400" rtl="0" eaLnBrk="0" fontAlgn="base" latinLnBrk="0" hangingPunct="0">
+              <a:lnSpc>
+                <a:spcPts val="1650"/>
+              </a:lnSpc>
+              <a:spcBef>
+                <a:spcPct val="0"/>
+              </a:spcBef>
+              <a:spcAft>
+                <a:spcPct val="0"/>
+              </a:spcAft>
+              <a:buClrTx/>
+              <a:buSzTx/>
+              <a:buFontTx/>
+              <a:buNone/>
+              <a:tabLst/>
+            </a:pPr>
             <a:r>
-              <a:rPr lang="pt-PT" sz="2000">
-                <a:latin typeface="Calibri" pitchFamily="34" charset="0"/>
+              <a:rPr lang="pt-PT" sz="1400" dirty="0" smtClean="0">
+                <a:solidFill>
+                  <a:schemeClr val="bg1"/>
+                </a:solidFill>
+                <a:latin typeface="Tahoma" pitchFamily="34" charset="0"/>
+                <a:ea typeface="Tahoma" pitchFamily="34" charset="0"/>
+                <a:cs typeface="Tahoma" pitchFamily="34" charset="0"/>
               </a:rPr>
-              <a:t>Geração de todo o código estrutural da solução</a:t>
+              <a:t>Orientador:</a:t>
             </a:r>
+          </a:p>
+          <a:p>
+            <a:pPr marL="0" marR="0" lvl="0" indent="0" algn="ctr" defTabSz="914400" rtl="0" eaLnBrk="0" fontAlgn="base" latinLnBrk="0" hangingPunct="0">
+              <a:lnSpc>
+                <a:spcPts val="1650"/>
+              </a:lnSpc>
+              <a:spcBef>
+                <a:spcPct val="0"/>
+              </a:spcBef>
+              <a:spcAft>
+                <a:spcPct val="0"/>
+              </a:spcAft>
+              <a:buClrTx/>
+              <a:buSzTx/>
+              <a:buFontTx/>
+              <a:buNone/>
+              <a:tabLst/>
+            </a:pPr>
+            <a:r>
+              <a:rPr lang="pt-PT" sz="1400" dirty="0" smtClean="0">
+                <a:solidFill>
+                  <a:schemeClr val="bg1"/>
+                </a:solidFill>
+                <a:latin typeface="Tahoma" pitchFamily="34" charset="0"/>
+                <a:ea typeface="Tahoma" pitchFamily="34" charset="0"/>
+                <a:cs typeface="Tahoma" pitchFamily="34" charset="0"/>
+              </a:rPr>
+              <a:t>Eng</a:t>
+            </a:r>
+            <a:r>
+              <a:rPr lang="pt-PT" sz="1400" dirty="0" smtClean="0">
+                <a:solidFill>
+                  <a:schemeClr val="bg1"/>
+                </a:solidFill>
+                <a:latin typeface="Tahoma" pitchFamily="34" charset="0"/>
+                <a:ea typeface="Tahoma" pitchFamily="34" charset="0"/>
+                <a:cs typeface="Tahoma" pitchFamily="34" charset="0"/>
+              </a:rPr>
+              <a:t>. Fernando </a:t>
+            </a:r>
+            <a:r>
+              <a:rPr lang="pt-PT" sz="1400" dirty="0" smtClean="0">
+                <a:solidFill>
+                  <a:schemeClr val="bg1"/>
+                </a:solidFill>
+                <a:latin typeface="Tahoma" pitchFamily="34" charset="0"/>
+                <a:ea typeface="Tahoma" pitchFamily="34" charset="0"/>
+                <a:cs typeface="Tahoma" pitchFamily="34" charset="0"/>
+              </a:rPr>
+              <a:t>M. </a:t>
+            </a:r>
+            <a:r>
+              <a:rPr lang="pt-PT" sz="1400" dirty="0" smtClean="0">
+                <a:solidFill>
+                  <a:schemeClr val="bg1"/>
+                </a:solidFill>
+                <a:latin typeface="Tahoma" pitchFamily="34" charset="0"/>
+                <a:ea typeface="Tahoma" pitchFamily="34" charset="0"/>
+                <a:cs typeface="Tahoma" pitchFamily="34" charset="0"/>
+              </a:rPr>
+              <a:t>Carvalho</a:t>
+            </a:r>
+            <a:endParaRPr lang="pt-PT" sz="1400" dirty="0">
+              <a:solidFill>
+                <a:schemeClr val="bg1"/>
+              </a:solidFill>
+              <a:latin typeface="Tahoma" pitchFamily="34" charset="0"/>
+              <a:ea typeface="Tahoma" pitchFamily="34" charset="0"/>
+              <a:cs typeface="Tahoma" pitchFamily="34" charset="0"/>
+            </a:endParaRPr>
           </a:p>
         </p:txBody>
       </p:sp>
       <p:grpSp>
         <p:nvGrpSpPr>
-          <p:cNvPr id="126" name="Grupo 76"/>
+          <p:cNvPr id="95" name="Grupo 76"/>
           <p:cNvGrpSpPr/>
           <p:nvPr/>
         </p:nvGrpSpPr>
         <p:grpSpPr>
           <a:xfrm>
-            <a:off x="5622250" y="8686064"/>
+            <a:off x="5522608" y="8467558"/>
             <a:ext cx="1131189" cy="1126471"/>
             <a:chOff x="3175" y="1708151"/>
             <a:chExt cx="3425825" cy="3411539"/>
           </a:xfrm>
           <a:effectLst>
-            <a:outerShdw blurRad="25400" dir="21540000" sy="23000" kx="1200000" algn="br" rotWithShape="0">
+            <a:outerShdw blurRad="76200" dir="13500000" sy="23000" kx="1200000" algn="br" rotWithShape="0">
               <a:prstClr val="black">
-                <a:alpha val="25000"/>
+                <a:alpha val="20000"/>
               </a:prstClr>
             </a:outerShdw>
           </a:effectLst>
         </p:grpSpPr>
         <p:sp>
           <p:nvSpPr>
-            <p:cNvPr id="127" name="Freeform 126"/>
+            <p:cNvPr id="97" name="Freeform 96"/>
             <p:cNvSpPr>
               <a:spLocks/>
             </p:cNvSpPr>
@@ -7455,7 +7623,11 @@
             </a:ln>
           </p:spPr>
           <p:txBody>
-            <a:bodyPr/>
+            <a:bodyPr vert="horz" wrap="square" lIns="91440" tIns="45720" rIns="91440" bIns="45720" numCol="1" anchor="t" anchorCtr="0" compatLnSpc="1">
+              <a:prstTxWarp prst="textNoShape">
+                <a:avLst/>
+              </a:prstTxWarp>
+            </a:bodyPr>
             <a:lstStyle>
               <a:defPPr>
                 <a:defRPr lang="pt-PT"/>
@@ -7582,16 +7754,13 @@
               </a:lvl9pPr>
             </a:lstStyle>
             <a:p>
-              <a:pPr>
-                <a:defRPr/>
-              </a:pPr>
               <a:endParaRPr lang="pt-PT"/>
             </a:p>
           </p:txBody>
         </p:sp>
         <p:sp>
           <p:nvSpPr>
-            <p:cNvPr id="128" name="Freeform 127"/>
+            <p:cNvPr id="98" name="Freeform 97"/>
             <p:cNvSpPr>
               <a:spLocks/>
             </p:cNvSpPr>
@@ -7980,7 +8149,11 @@
             </a:ln>
           </p:spPr>
           <p:txBody>
-            <a:bodyPr/>
+            <a:bodyPr vert="horz" wrap="square" lIns="91440" tIns="45720" rIns="91440" bIns="45720" numCol="1" anchor="t" anchorCtr="0" compatLnSpc="1">
+              <a:prstTxWarp prst="textNoShape">
+                <a:avLst/>
+              </a:prstTxWarp>
+            </a:bodyPr>
             <a:lstStyle>
               <a:defPPr>
                 <a:defRPr lang="pt-PT"/>
@@ -8107,16 +8280,13 @@
               </a:lvl9pPr>
             </a:lstStyle>
             <a:p>
-              <a:pPr>
-                <a:defRPr/>
-              </a:pPr>
               <a:endParaRPr lang="pt-PT"/>
             </a:p>
           </p:txBody>
         </p:sp>
         <p:sp>
           <p:nvSpPr>
-            <p:cNvPr id="129" name="Line 52"/>
+            <p:cNvPr id="100" name="Line 52"/>
             <p:cNvSpPr>
               <a:spLocks noChangeShapeType="1"/>
             </p:cNvSpPr>
@@ -8142,7 +8312,11 @@
             </a:ln>
           </p:spPr>
           <p:txBody>
-            <a:bodyPr/>
+            <a:bodyPr vert="horz" wrap="square" lIns="91440" tIns="45720" rIns="91440" bIns="45720" numCol="1" anchor="t" anchorCtr="0" compatLnSpc="1">
+              <a:prstTxWarp prst="textNoShape">
+                <a:avLst/>
+              </a:prstTxWarp>
+            </a:bodyPr>
             <a:lstStyle>
               <a:defPPr>
                 <a:defRPr lang="pt-PT"/>
@@ -8269,16 +8443,13 @@
               </a:lvl9pPr>
             </a:lstStyle>
             <a:p>
-              <a:pPr>
-                <a:defRPr/>
-              </a:pPr>
               <a:endParaRPr lang="pt-PT"/>
             </a:p>
           </p:txBody>
         </p:sp>
         <p:sp>
           <p:nvSpPr>
-            <p:cNvPr id="130" name="Line 53"/>
+            <p:cNvPr id="101" name="Line 53"/>
             <p:cNvSpPr>
               <a:spLocks noChangeShapeType="1"/>
             </p:cNvSpPr>
@@ -8304,7 +8475,11 @@
             </a:ln>
           </p:spPr>
           <p:txBody>
-            <a:bodyPr/>
+            <a:bodyPr vert="horz" wrap="square" lIns="91440" tIns="45720" rIns="91440" bIns="45720" numCol="1" anchor="t" anchorCtr="0" compatLnSpc="1">
+              <a:prstTxWarp prst="textNoShape">
+                <a:avLst/>
+              </a:prstTxWarp>
+            </a:bodyPr>
             <a:lstStyle>
               <a:defPPr>
                 <a:defRPr lang="pt-PT"/>
@@ -8431,16 +8606,13 @@
               </a:lvl9pPr>
             </a:lstStyle>
             <a:p>
-              <a:pPr>
-                <a:defRPr/>
-              </a:pPr>
               <a:endParaRPr lang="pt-PT"/>
             </a:p>
           </p:txBody>
         </p:sp>
         <p:sp>
           <p:nvSpPr>
-            <p:cNvPr id="131" name="Line 54"/>
+            <p:cNvPr id="103" name="Line 54"/>
             <p:cNvSpPr>
               <a:spLocks noChangeShapeType="1"/>
             </p:cNvSpPr>
@@ -8466,7 +8638,11 @@
             </a:ln>
           </p:spPr>
           <p:txBody>
-            <a:bodyPr/>
+            <a:bodyPr vert="horz" wrap="square" lIns="91440" tIns="45720" rIns="91440" bIns="45720" numCol="1" anchor="t" anchorCtr="0" compatLnSpc="1">
+              <a:prstTxWarp prst="textNoShape">
+                <a:avLst/>
+              </a:prstTxWarp>
+            </a:bodyPr>
             <a:lstStyle>
               <a:defPPr>
                 <a:defRPr lang="pt-PT"/>
@@ -8593,16 +8769,13 @@
               </a:lvl9pPr>
             </a:lstStyle>
             <a:p>
-              <a:pPr>
-                <a:defRPr/>
-              </a:pPr>
               <a:endParaRPr lang="pt-PT"/>
             </a:p>
           </p:txBody>
         </p:sp>
         <p:sp>
           <p:nvSpPr>
-            <p:cNvPr id="132" name="Line 55"/>
+            <p:cNvPr id="106" name="Line 55"/>
             <p:cNvSpPr>
               <a:spLocks noChangeShapeType="1"/>
             </p:cNvSpPr>
@@ -8628,7 +8801,11 @@
             </a:ln>
           </p:spPr>
           <p:txBody>
-            <a:bodyPr/>
+            <a:bodyPr vert="horz" wrap="square" lIns="91440" tIns="45720" rIns="91440" bIns="45720" numCol="1" anchor="t" anchorCtr="0" compatLnSpc="1">
+              <a:prstTxWarp prst="textNoShape">
+                <a:avLst/>
+              </a:prstTxWarp>
+            </a:bodyPr>
             <a:lstStyle>
               <a:defPPr>
                 <a:defRPr lang="pt-PT"/>
@@ -8755,16 +8932,13 @@
               </a:lvl9pPr>
             </a:lstStyle>
             <a:p>
-              <a:pPr>
-                <a:defRPr/>
-              </a:pPr>
               <a:endParaRPr lang="pt-PT"/>
             </a:p>
           </p:txBody>
         </p:sp>
         <p:sp>
           <p:nvSpPr>
-            <p:cNvPr id="133" name="Line 56"/>
+            <p:cNvPr id="107" name="Line 56"/>
             <p:cNvSpPr>
               <a:spLocks noChangeShapeType="1"/>
             </p:cNvSpPr>
@@ -8790,7 +8964,11 @@
             </a:ln>
           </p:spPr>
           <p:txBody>
-            <a:bodyPr/>
+            <a:bodyPr vert="horz" wrap="square" lIns="91440" tIns="45720" rIns="91440" bIns="45720" numCol="1" anchor="t" anchorCtr="0" compatLnSpc="1">
+              <a:prstTxWarp prst="textNoShape">
+                <a:avLst/>
+              </a:prstTxWarp>
+            </a:bodyPr>
             <a:lstStyle>
               <a:defPPr>
                 <a:defRPr lang="pt-PT"/>
@@ -8917,16 +9095,13 @@
               </a:lvl9pPr>
             </a:lstStyle>
             <a:p>
-              <a:pPr>
-                <a:defRPr/>
-              </a:pPr>
               <a:endParaRPr lang="pt-PT"/>
             </a:p>
           </p:txBody>
         </p:sp>
         <p:sp>
           <p:nvSpPr>
-            <p:cNvPr id="134" name="Line 57"/>
+            <p:cNvPr id="108" name="Line 57"/>
             <p:cNvSpPr>
               <a:spLocks noChangeShapeType="1"/>
             </p:cNvSpPr>
@@ -8952,7 +9127,11 @@
             </a:ln>
           </p:spPr>
           <p:txBody>
-            <a:bodyPr/>
+            <a:bodyPr vert="horz" wrap="square" lIns="91440" tIns="45720" rIns="91440" bIns="45720" numCol="1" anchor="t" anchorCtr="0" compatLnSpc="1">
+              <a:prstTxWarp prst="textNoShape">
+                <a:avLst/>
+              </a:prstTxWarp>
+            </a:bodyPr>
             <a:lstStyle>
               <a:defPPr>
                 <a:defRPr lang="pt-PT"/>
@@ -9079,16 +9258,13 @@
               </a:lvl9pPr>
             </a:lstStyle>
             <a:p>
-              <a:pPr>
-                <a:defRPr/>
-              </a:pPr>
               <a:endParaRPr lang="pt-PT"/>
             </a:p>
           </p:txBody>
         </p:sp>
         <p:sp>
           <p:nvSpPr>
-            <p:cNvPr id="135" name="Freeform 134"/>
+            <p:cNvPr id="109" name="Freeform 108"/>
             <p:cNvSpPr>
               <a:spLocks/>
             </p:cNvSpPr>
@@ -9225,7 +9401,11 @@
             </a:ln>
           </p:spPr>
           <p:txBody>
-            <a:bodyPr/>
+            <a:bodyPr vert="horz" wrap="square" lIns="91440" tIns="45720" rIns="91440" bIns="45720" numCol="1" anchor="t" anchorCtr="0" compatLnSpc="1">
+              <a:prstTxWarp prst="textNoShape">
+                <a:avLst/>
+              </a:prstTxWarp>
+            </a:bodyPr>
             <a:lstStyle>
               <a:defPPr>
                 <a:defRPr lang="pt-PT"/>
@@ -9352,16 +9532,13 @@
               </a:lvl9pPr>
             </a:lstStyle>
             <a:p>
-              <a:pPr>
-                <a:defRPr/>
-              </a:pPr>
               <a:endParaRPr lang="pt-PT"/>
             </a:p>
           </p:txBody>
         </p:sp>
         <p:sp>
           <p:nvSpPr>
-            <p:cNvPr id="136" name="Freeform 135"/>
+            <p:cNvPr id="111" name="Freeform 110"/>
             <p:cNvSpPr>
               <a:spLocks/>
             </p:cNvSpPr>
@@ -9414,7 +9591,11 @@
             </a:ln>
           </p:spPr>
           <p:txBody>
-            <a:bodyPr/>
+            <a:bodyPr vert="horz" wrap="square" lIns="91440" tIns="45720" rIns="91440" bIns="45720" numCol="1" anchor="t" anchorCtr="0" compatLnSpc="1">
+              <a:prstTxWarp prst="textNoShape">
+                <a:avLst/>
+              </a:prstTxWarp>
+            </a:bodyPr>
             <a:lstStyle>
               <a:defPPr>
                 <a:defRPr lang="pt-PT"/>
@@ -9541,16 +9722,13 @@
               </a:lvl9pPr>
             </a:lstStyle>
             <a:p>
-              <a:pPr>
-                <a:defRPr/>
-              </a:pPr>
               <a:endParaRPr lang="pt-PT"/>
             </a:p>
           </p:txBody>
         </p:sp>
         <p:sp>
           <p:nvSpPr>
-            <p:cNvPr id="137" name="Line 60"/>
+            <p:cNvPr id="112" name="Line 60"/>
             <p:cNvSpPr>
               <a:spLocks noChangeShapeType="1"/>
             </p:cNvSpPr>
@@ -9576,7 +9754,11 @@
             </a:ln>
           </p:spPr>
           <p:txBody>
-            <a:bodyPr/>
+            <a:bodyPr vert="horz" wrap="square" lIns="91440" tIns="45720" rIns="91440" bIns="45720" numCol="1" anchor="t" anchorCtr="0" compatLnSpc="1">
+              <a:prstTxWarp prst="textNoShape">
+                <a:avLst/>
+              </a:prstTxWarp>
+            </a:bodyPr>
             <a:lstStyle>
               <a:defPPr>
                 <a:defRPr lang="pt-PT"/>
@@ -9703,16 +9885,13 @@
               </a:lvl9pPr>
             </a:lstStyle>
             <a:p>
-              <a:pPr>
-                <a:defRPr/>
-              </a:pPr>
               <a:endParaRPr lang="pt-PT"/>
             </a:p>
           </p:txBody>
         </p:sp>
         <p:sp>
           <p:nvSpPr>
-            <p:cNvPr id="138" name="Line 61"/>
+            <p:cNvPr id="114" name="Line 61"/>
             <p:cNvSpPr>
               <a:spLocks noChangeShapeType="1"/>
             </p:cNvSpPr>
@@ -9738,7 +9917,11 @@
             </a:ln>
           </p:spPr>
           <p:txBody>
-            <a:bodyPr/>
+            <a:bodyPr vert="horz" wrap="square" lIns="91440" tIns="45720" rIns="91440" bIns="45720" numCol="1" anchor="t" anchorCtr="0" compatLnSpc="1">
+              <a:prstTxWarp prst="textNoShape">
+                <a:avLst/>
+              </a:prstTxWarp>
+            </a:bodyPr>
             <a:lstStyle>
               <a:defPPr>
                 <a:defRPr lang="pt-PT"/>
@@ -9865,16 +10048,13 @@
               </a:lvl9pPr>
             </a:lstStyle>
             <a:p>
-              <a:pPr>
-                <a:defRPr/>
-              </a:pPr>
               <a:endParaRPr lang="pt-PT"/>
             </a:p>
           </p:txBody>
         </p:sp>
         <p:sp>
           <p:nvSpPr>
-            <p:cNvPr id="139" name="Line 62"/>
+            <p:cNvPr id="115" name="Line 62"/>
             <p:cNvSpPr>
               <a:spLocks noChangeShapeType="1"/>
             </p:cNvSpPr>
@@ -9900,7 +10080,11 @@
             </a:ln>
           </p:spPr>
           <p:txBody>
-            <a:bodyPr/>
+            <a:bodyPr vert="horz" wrap="square" lIns="91440" tIns="45720" rIns="91440" bIns="45720" numCol="1" anchor="t" anchorCtr="0" compatLnSpc="1">
+              <a:prstTxWarp prst="textNoShape">
+                <a:avLst/>
+              </a:prstTxWarp>
+            </a:bodyPr>
             <a:lstStyle>
               <a:defPPr>
                 <a:defRPr lang="pt-PT"/>
@@ -10027,16 +10211,13 @@
               </a:lvl9pPr>
             </a:lstStyle>
             <a:p>
-              <a:pPr>
-                <a:defRPr/>
-              </a:pPr>
               <a:endParaRPr lang="pt-PT"/>
             </a:p>
           </p:txBody>
         </p:sp>
         <p:sp>
           <p:nvSpPr>
-            <p:cNvPr id="140" name="Line 63"/>
+            <p:cNvPr id="116" name="Line 63"/>
             <p:cNvSpPr>
               <a:spLocks noChangeShapeType="1"/>
             </p:cNvSpPr>
@@ -10062,7 +10243,11 @@
             </a:ln>
           </p:spPr>
           <p:txBody>
-            <a:bodyPr/>
+            <a:bodyPr vert="horz" wrap="square" lIns="91440" tIns="45720" rIns="91440" bIns="45720" numCol="1" anchor="t" anchorCtr="0" compatLnSpc="1">
+              <a:prstTxWarp prst="textNoShape">
+                <a:avLst/>
+              </a:prstTxWarp>
+            </a:bodyPr>
             <a:lstStyle>
               <a:defPPr>
                 <a:defRPr lang="pt-PT"/>
@@ -10189,16 +10374,13 @@
               </a:lvl9pPr>
             </a:lstStyle>
             <a:p>
-              <a:pPr>
-                <a:defRPr/>
-              </a:pPr>
               <a:endParaRPr lang="pt-PT"/>
             </a:p>
           </p:txBody>
         </p:sp>
         <p:sp>
           <p:nvSpPr>
-            <p:cNvPr id="141" name="Line 64"/>
+            <p:cNvPr id="117" name="Line 64"/>
             <p:cNvSpPr>
               <a:spLocks noChangeShapeType="1"/>
             </p:cNvSpPr>
@@ -10224,7 +10406,11 @@
             </a:ln>
           </p:spPr>
           <p:txBody>
-            <a:bodyPr/>
+            <a:bodyPr vert="horz" wrap="square" lIns="91440" tIns="45720" rIns="91440" bIns="45720" numCol="1" anchor="t" anchorCtr="0" compatLnSpc="1">
+              <a:prstTxWarp prst="textNoShape">
+                <a:avLst/>
+              </a:prstTxWarp>
+            </a:bodyPr>
             <a:lstStyle>
               <a:defPPr>
                 <a:defRPr lang="pt-PT"/>
@@ -10351,16 +10537,13 @@
               </a:lvl9pPr>
             </a:lstStyle>
             <a:p>
-              <a:pPr>
-                <a:defRPr/>
-              </a:pPr>
               <a:endParaRPr lang="pt-PT"/>
             </a:p>
           </p:txBody>
         </p:sp>
         <p:sp>
           <p:nvSpPr>
-            <p:cNvPr id="142" name="Freeform 141"/>
+            <p:cNvPr id="118" name="Freeform 117"/>
             <p:cNvSpPr>
               <a:spLocks/>
             </p:cNvSpPr>
@@ -10467,7 +10650,11 @@
             </a:ln>
           </p:spPr>
           <p:txBody>
-            <a:bodyPr/>
+            <a:bodyPr vert="horz" wrap="square" lIns="91440" tIns="45720" rIns="91440" bIns="45720" numCol="1" anchor="t" anchorCtr="0" compatLnSpc="1">
+              <a:prstTxWarp prst="textNoShape">
+                <a:avLst/>
+              </a:prstTxWarp>
+            </a:bodyPr>
             <a:lstStyle>
               <a:defPPr>
                 <a:defRPr lang="pt-PT"/>
@@ -10594,16 +10781,13 @@
               </a:lvl9pPr>
             </a:lstStyle>
             <a:p>
-              <a:pPr>
-                <a:defRPr/>
-              </a:pPr>
               <a:endParaRPr lang="pt-PT"/>
             </a:p>
           </p:txBody>
         </p:sp>
         <p:sp>
           <p:nvSpPr>
-            <p:cNvPr id="143" name="Freeform 142"/>
+            <p:cNvPr id="119" name="Freeform 118"/>
             <p:cNvSpPr>
               <a:spLocks/>
             </p:cNvSpPr>
@@ -10662,7 +10846,11 @@
             </a:ln>
           </p:spPr>
           <p:txBody>
-            <a:bodyPr/>
+            <a:bodyPr vert="horz" wrap="square" lIns="91440" tIns="45720" rIns="91440" bIns="45720" numCol="1" anchor="t" anchorCtr="0" compatLnSpc="1">
+              <a:prstTxWarp prst="textNoShape">
+                <a:avLst/>
+              </a:prstTxWarp>
+            </a:bodyPr>
             <a:lstStyle>
               <a:defPPr>
                 <a:defRPr lang="pt-PT"/>
@@ -10789,16 +10977,13 @@
               </a:lvl9pPr>
             </a:lstStyle>
             <a:p>
-              <a:pPr>
-                <a:defRPr/>
-              </a:pPr>
               <a:endParaRPr lang="pt-PT"/>
             </a:p>
           </p:txBody>
         </p:sp>
         <p:sp>
           <p:nvSpPr>
-            <p:cNvPr id="144" name="Freeform 143"/>
+            <p:cNvPr id="120" name="Freeform 119"/>
             <p:cNvSpPr>
               <a:spLocks noEditPoints="1"/>
             </p:cNvSpPr>
@@ -11365,7 +11550,11 @@
             </a:ln>
           </p:spPr>
           <p:txBody>
-            <a:bodyPr/>
+            <a:bodyPr vert="horz" wrap="square" lIns="91440" tIns="45720" rIns="91440" bIns="45720" numCol="1" anchor="t" anchorCtr="0" compatLnSpc="1">
+              <a:prstTxWarp prst="textNoShape">
+                <a:avLst/>
+              </a:prstTxWarp>
+            </a:bodyPr>
             <a:lstStyle>
               <a:defPPr>
                 <a:defRPr lang="pt-PT"/>
@@ -11492,16 +11681,13 @@
               </a:lvl9pPr>
             </a:lstStyle>
             <a:p>
-              <a:pPr>
-                <a:defRPr/>
-              </a:pPr>
               <a:endParaRPr lang="pt-PT"/>
             </a:p>
           </p:txBody>
         </p:sp>
         <p:sp>
           <p:nvSpPr>
-            <p:cNvPr id="145" name="Freeform 144"/>
+            <p:cNvPr id="121" name="Freeform 120"/>
             <p:cNvSpPr>
               <a:spLocks/>
             </p:cNvSpPr>
@@ -11611,7 +11797,11 @@
             </a:ln>
           </p:spPr>
           <p:txBody>
-            <a:bodyPr/>
+            <a:bodyPr vert="horz" wrap="square" lIns="91440" tIns="45720" rIns="91440" bIns="45720" numCol="1" anchor="t" anchorCtr="0" compatLnSpc="1">
+              <a:prstTxWarp prst="textNoShape">
+                <a:avLst/>
+              </a:prstTxWarp>
+            </a:bodyPr>
             <a:lstStyle>
               <a:defPPr>
                 <a:defRPr lang="pt-PT"/>
@@ -11738,16 +11928,13 @@
               </a:lvl9pPr>
             </a:lstStyle>
             <a:p>
-              <a:pPr>
-                <a:defRPr/>
-              </a:pPr>
               <a:endParaRPr lang="pt-PT"/>
             </a:p>
           </p:txBody>
         </p:sp>
         <p:sp>
           <p:nvSpPr>
-            <p:cNvPr id="146" name="Line 69"/>
+            <p:cNvPr id="122" name="Line 69"/>
             <p:cNvSpPr>
               <a:spLocks noChangeShapeType="1"/>
             </p:cNvSpPr>
@@ -11773,7 +11960,11 @@
             </a:ln>
           </p:spPr>
           <p:txBody>
-            <a:bodyPr/>
+            <a:bodyPr vert="horz" wrap="square" lIns="91440" tIns="45720" rIns="91440" bIns="45720" numCol="1" anchor="t" anchorCtr="0" compatLnSpc="1">
+              <a:prstTxWarp prst="textNoShape">
+                <a:avLst/>
+              </a:prstTxWarp>
+            </a:bodyPr>
             <a:lstStyle>
               <a:defPPr>
                 <a:defRPr lang="pt-PT"/>
@@ -11900,16 +12091,13 @@
               </a:lvl9pPr>
             </a:lstStyle>
             <a:p>
-              <a:pPr>
-                <a:defRPr/>
-              </a:pPr>
               <a:endParaRPr lang="pt-PT"/>
             </a:p>
           </p:txBody>
         </p:sp>
         <p:sp>
           <p:nvSpPr>
-            <p:cNvPr id="147" name="Line 70"/>
+            <p:cNvPr id="123" name="Line 70"/>
             <p:cNvSpPr>
               <a:spLocks noChangeShapeType="1"/>
             </p:cNvSpPr>
@@ -11935,7 +12123,11 @@
             </a:ln>
           </p:spPr>
           <p:txBody>
-            <a:bodyPr/>
+            <a:bodyPr vert="horz" wrap="square" lIns="91440" tIns="45720" rIns="91440" bIns="45720" numCol="1" anchor="t" anchorCtr="0" compatLnSpc="1">
+              <a:prstTxWarp prst="textNoShape">
+                <a:avLst/>
+              </a:prstTxWarp>
+            </a:bodyPr>
             <a:lstStyle>
               <a:defPPr>
                 <a:defRPr lang="pt-PT"/>
@@ -12062,16 +12254,13 @@
               </a:lvl9pPr>
             </a:lstStyle>
             <a:p>
-              <a:pPr>
-                <a:defRPr/>
-              </a:pPr>
               <a:endParaRPr lang="pt-PT"/>
             </a:p>
           </p:txBody>
         </p:sp>
         <p:sp>
           <p:nvSpPr>
-            <p:cNvPr id="148" name="Line 71"/>
+            <p:cNvPr id="124" name="Line 71"/>
             <p:cNvSpPr>
               <a:spLocks noChangeShapeType="1"/>
             </p:cNvSpPr>
@@ -12097,7 +12286,11 @@
             </a:ln>
           </p:spPr>
           <p:txBody>
-            <a:bodyPr/>
+            <a:bodyPr vert="horz" wrap="square" lIns="91440" tIns="45720" rIns="91440" bIns="45720" numCol="1" anchor="t" anchorCtr="0" compatLnSpc="1">
+              <a:prstTxWarp prst="textNoShape">
+                <a:avLst/>
+              </a:prstTxWarp>
+            </a:bodyPr>
             <a:lstStyle>
               <a:defPPr>
                 <a:defRPr lang="pt-PT"/>
@@ -12224,16 +12417,13 @@
               </a:lvl9pPr>
             </a:lstStyle>
             <a:p>
-              <a:pPr>
-                <a:defRPr/>
-              </a:pPr>
               <a:endParaRPr lang="pt-PT"/>
             </a:p>
           </p:txBody>
         </p:sp>
         <p:sp>
           <p:nvSpPr>
-            <p:cNvPr id="149" name="Line 72"/>
+            <p:cNvPr id="125" name="Line 72"/>
             <p:cNvSpPr>
               <a:spLocks noChangeShapeType="1"/>
             </p:cNvSpPr>
@@ -12259,7 +12449,11 @@
             </a:ln>
           </p:spPr>
           <p:txBody>
-            <a:bodyPr/>
+            <a:bodyPr vert="horz" wrap="square" lIns="91440" tIns="45720" rIns="91440" bIns="45720" numCol="1" anchor="t" anchorCtr="0" compatLnSpc="1">
+              <a:prstTxWarp prst="textNoShape">
+                <a:avLst/>
+              </a:prstTxWarp>
+            </a:bodyPr>
             <a:lstStyle>
               <a:defPPr>
                 <a:defRPr lang="pt-PT"/>
@@ -12386,16 +12580,13 @@
               </a:lvl9pPr>
             </a:lstStyle>
             <a:p>
-              <a:pPr>
-                <a:defRPr/>
-              </a:pPr>
               <a:endParaRPr lang="pt-PT"/>
             </a:p>
           </p:txBody>
         </p:sp>
         <p:sp>
           <p:nvSpPr>
-            <p:cNvPr id="150" name="Line 73"/>
+            <p:cNvPr id="157" name="Line 73"/>
             <p:cNvSpPr>
               <a:spLocks noChangeShapeType="1"/>
             </p:cNvSpPr>
@@ -12421,7 +12612,11 @@
             </a:ln>
           </p:spPr>
           <p:txBody>
-            <a:bodyPr/>
+            <a:bodyPr vert="horz" wrap="square" lIns="91440" tIns="45720" rIns="91440" bIns="45720" numCol="1" anchor="t" anchorCtr="0" compatLnSpc="1">
+              <a:prstTxWarp prst="textNoShape">
+                <a:avLst/>
+              </a:prstTxWarp>
+            </a:bodyPr>
             <a:lstStyle>
               <a:defPPr>
                 <a:defRPr lang="pt-PT"/>
@@ -12548,16 +12743,13 @@
               </a:lvl9pPr>
             </a:lstStyle>
             <a:p>
-              <a:pPr>
-                <a:defRPr/>
-              </a:pPr>
               <a:endParaRPr lang="pt-PT"/>
             </a:p>
           </p:txBody>
         </p:sp>
         <p:sp>
           <p:nvSpPr>
-            <p:cNvPr id="151" name="Freeform 150"/>
+            <p:cNvPr id="159" name="Freeform 158"/>
             <p:cNvSpPr>
               <a:spLocks/>
             </p:cNvSpPr>
@@ -12709,7 +12901,11 @@
             </a:ln>
           </p:spPr>
           <p:txBody>
-            <a:bodyPr/>
+            <a:bodyPr vert="horz" wrap="square" lIns="91440" tIns="45720" rIns="91440" bIns="45720" numCol="1" anchor="t" anchorCtr="0" compatLnSpc="1">
+              <a:prstTxWarp prst="textNoShape">
+                <a:avLst/>
+              </a:prstTxWarp>
+            </a:bodyPr>
             <a:lstStyle>
               <a:defPPr>
                 <a:defRPr lang="pt-PT"/>
@@ -12836,16 +13032,13 @@
               </a:lvl9pPr>
             </a:lstStyle>
             <a:p>
-              <a:pPr>
-                <a:defRPr/>
-              </a:pPr>
               <a:endParaRPr lang="pt-PT"/>
             </a:p>
           </p:txBody>
         </p:sp>
         <p:sp>
           <p:nvSpPr>
-            <p:cNvPr id="152" name="Freeform 151"/>
+            <p:cNvPr id="160" name="Freeform 159"/>
             <p:cNvSpPr>
               <a:spLocks noEditPoints="1"/>
             </p:cNvSpPr>
@@ -12950,7 +13143,11 @@
             </a:ln>
           </p:spPr>
           <p:txBody>
-            <a:bodyPr/>
+            <a:bodyPr vert="horz" wrap="square" lIns="91440" tIns="45720" rIns="91440" bIns="45720" numCol="1" anchor="t" anchorCtr="0" compatLnSpc="1">
+              <a:prstTxWarp prst="textNoShape">
+                <a:avLst/>
+              </a:prstTxWarp>
+            </a:bodyPr>
             <a:lstStyle>
               <a:defPPr>
                 <a:defRPr lang="pt-PT"/>
@@ -13077,16 +13274,13 @@
               </a:lvl9pPr>
             </a:lstStyle>
             <a:p>
-              <a:pPr>
-                <a:defRPr/>
-              </a:pPr>
               <a:endParaRPr lang="pt-PT"/>
             </a:p>
           </p:txBody>
         </p:sp>
         <p:sp>
           <p:nvSpPr>
-            <p:cNvPr id="153" name="Freeform 152"/>
+            <p:cNvPr id="161" name="Freeform 160"/>
             <p:cNvSpPr>
               <a:spLocks/>
             </p:cNvSpPr>
@@ -13148,7 +13342,11 @@
             </a:ln>
           </p:spPr>
           <p:txBody>
-            <a:bodyPr/>
+            <a:bodyPr vert="horz" wrap="square" lIns="91440" tIns="45720" rIns="91440" bIns="45720" numCol="1" anchor="t" anchorCtr="0" compatLnSpc="1">
+              <a:prstTxWarp prst="textNoShape">
+                <a:avLst/>
+              </a:prstTxWarp>
+            </a:bodyPr>
             <a:lstStyle>
               <a:defPPr>
                 <a:defRPr lang="pt-PT"/>
@@ -13275,16 +13473,13 @@
               </a:lvl9pPr>
             </a:lstStyle>
             <a:p>
-              <a:pPr>
-                <a:defRPr/>
-              </a:pPr>
               <a:endParaRPr lang="pt-PT"/>
             </a:p>
           </p:txBody>
         </p:sp>
         <p:sp>
           <p:nvSpPr>
-            <p:cNvPr id="154" name="Freeform 153"/>
+            <p:cNvPr id="162" name="Freeform 161"/>
             <p:cNvSpPr>
               <a:spLocks/>
             </p:cNvSpPr>
@@ -13544,7 +13739,11 @@
             </a:ln>
           </p:spPr>
           <p:txBody>
-            <a:bodyPr/>
+            <a:bodyPr vert="horz" wrap="square" lIns="91440" tIns="45720" rIns="91440" bIns="45720" numCol="1" anchor="t" anchorCtr="0" compatLnSpc="1">
+              <a:prstTxWarp prst="textNoShape">
+                <a:avLst/>
+              </a:prstTxWarp>
+            </a:bodyPr>
             <a:lstStyle>
               <a:defPPr>
                 <a:defRPr lang="pt-PT"/>
@@ -13671,16 +13870,13 @@
               </a:lvl9pPr>
             </a:lstStyle>
             <a:p>
-              <a:pPr>
-                <a:defRPr/>
-              </a:pPr>
               <a:endParaRPr lang="pt-PT"/>
             </a:p>
           </p:txBody>
         </p:sp>
         <p:sp>
           <p:nvSpPr>
-            <p:cNvPr id="155" name="Freeform 154"/>
+            <p:cNvPr id="163" name="Freeform 162"/>
             <p:cNvSpPr>
               <a:spLocks/>
             </p:cNvSpPr>
@@ -14270,7 +14466,11 @@
             </a:ln>
           </p:spPr>
           <p:txBody>
-            <a:bodyPr/>
+            <a:bodyPr vert="horz" wrap="square" lIns="91440" tIns="45720" rIns="91440" bIns="45720" numCol="1" anchor="t" anchorCtr="0" compatLnSpc="1">
+              <a:prstTxWarp prst="textNoShape">
+                <a:avLst/>
+              </a:prstTxWarp>
+            </a:bodyPr>
             <a:lstStyle>
               <a:defPPr>
                 <a:defRPr lang="pt-PT"/>
@@ -14397,9 +14597,6 @@
               </a:lvl9pPr>
             </a:lstStyle>
             <a:p>
-              <a:pPr>
-                <a:defRPr/>
-              </a:pPr>
               <a:endParaRPr lang="pt-PT"/>
             </a:p>
           </p:txBody>
@@ -14407,29 +14604,140 @@
       </p:grpSp>
       <p:sp>
         <p:nvSpPr>
-          <p:cNvPr id="156" name="Rectangle 1"/>
-          <p:cNvSpPr>
-            <a:spLocks noChangeArrowheads="1"/>
-          </p:cNvSpPr>
+          <p:cNvPr id="96" name="Rectangle 95"/>
+          <p:cNvSpPr/>
           <p:nvPr/>
         </p:nvSpPr>
-        <p:spPr bwMode="auto">
-          <a:xfrm>
-            <a:off x="115888" y="9561513"/>
-            <a:ext cx="5281612" cy="304800"/>
+        <p:spPr>
+          <a:xfrm rot="18900000">
+            <a:off x="5368965" y="8328582"/>
+            <a:ext cx="1434151" cy="1410764"/>
           </a:xfrm>
           <a:prstGeom prst="rect">
             <a:avLst/>
           </a:prstGeom>
           <a:noFill/>
-          <a:ln w="9525">
-            <a:noFill/>
-            <a:miter lim="800000"/>
-            <a:headEnd/>
-            <a:tailEnd/>
-          </a:ln>
           <a:effectLst>
-            <a:outerShdw blurRad="50800" dist="38100" dir="8100000" algn="tr" rotWithShape="0">
+            <a:outerShdw blurRad="25400" dist="38100" dir="8100000" algn="tr" rotWithShape="0">
+              <a:schemeClr val="bg1">
+                <a:alpha val="50000"/>
+              </a:schemeClr>
+            </a:outerShdw>
+          </a:effectLst>
+        </p:spPr>
+        <p:txBody>
+          <a:bodyPr wrap="none" lIns="91440" tIns="45720" rIns="91440" bIns="45720">
+            <a:prstTxWarp prst="textArchDown">
+              <a:avLst>
+                <a:gd name="adj" fmla="val 16307241"/>
+              </a:avLst>
+            </a:prstTxWarp>
+            <a:spAutoFit/>
+          </a:bodyPr>
+          <a:lstStyle/>
+          <a:p>
+            <a:pPr algn="ctr"/>
+            <a:r>
+              <a:rPr lang="pt-PT" sz="1400" dirty="0" smtClean="0">
+                <a:ln w="10541" cmpd="sng">
+                  <a:solidFill>
+                    <a:schemeClr val="tx1"/>
+                  </a:solidFill>
+                  <a:prstDash val="solid"/>
+                </a:ln>
+              </a:rPr>
+              <a:t>Instituto Superior de Engenharia de Lisboa</a:t>
+            </a:r>
+            <a:endParaRPr lang="en-US" sz="1400" dirty="0">
+              <a:ln w="10541" cmpd="sng">
+                <a:solidFill>
+                  <a:schemeClr val="tx1"/>
+                </a:solidFill>
+                <a:prstDash val="solid"/>
+              </a:ln>
+            </a:endParaRPr>
+          </a:p>
+        </p:txBody>
+      </p:sp>
+      <p:sp>
+        <p:nvSpPr>
+          <p:cNvPr id="164" name="Rounded Rectangle 163"/>
+          <p:cNvSpPr/>
+          <p:nvPr/>
+        </p:nvSpPr>
+        <p:spPr>
+          <a:xfrm>
+            <a:off x="212344" y="6810388"/>
+            <a:ext cx="3423858" cy="1857388"/>
+          </a:xfrm>
+          <a:prstGeom prst="roundRect">
+            <a:avLst/>
+          </a:prstGeom>
+          <a:gradFill flip="none" rotWithShape="1">
+            <a:gsLst>
+              <a:gs pos="0">
+                <a:schemeClr val="accent1">
+                  <a:tint val="66000"/>
+                  <a:satMod val="160000"/>
+                  <a:alpha val="0"/>
+                </a:schemeClr>
+              </a:gs>
+              <a:gs pos="100000">
+                <a:schemeClr val="tx2">
+                  <a:lumMod val="60000"/>
+                  <a:lumOff val="40000"/>
+                  <a:alpha val="46000"/>
+                </a:schemeClr>
+              </a:gs>
+            </a:gsLst>
+            <a:path path="circle">
+              <a:fillToRect l="50000" t="50000" r="50000" b="50000"/>
+            </a:path>
+            <a:tileRect/>
+          </a:gradFill>
+        </p:spPr>
+        <p:style>
+          <a:lnRef idx="2">
+            <a:schemeClr val="accent1">
+              <a:shade val="50000"/>
+            </a:schemeClr>
+          </a:lnRef>
+          <a:fillRef idx="1">
+            <a:schemeClr val="accent1"/>
+          </a:fillRef>
+          <a:effectRef idx="0">
+            <a:schemeClr val="accent1"/>
+          </a:effectRef>
+          <a:fontRef idx="minor">
+            <a:schemeClr val="lt1"/>
+          </a:fontRef>
+        </p:style>
+        <p:txBody>
+          <a:bodyPr rtlCol="0" anchor="ctr"/>
+          <a:lstStyle/>
+          <a:p>
+            <a:pPr algn="ctr"/>
+            <a:endParaRPr lang="pt-PT"/>
+          </a:p>
+        </p:txBody>
+      </p:sp>
+      <p:sp>
+        <p:nvSpPr>
+          <p:cNvPr id="165" name="TextBox 164"/>
+          <p:cNvSpPr txBox="1"/>
+          <p:nvPr/>
+        </p:nvSpPr>
+        <p:spPr>
+          <a:xfrm>
+            <a:off x="117476" y="7042990"/>
+            <a:ext cx="3643314" cy="707886"/>
+          </a:xfrm>
+          <a:prstGeom prst="rect">
+            <a:avLst/>
+          </a:prstGeom>
+          <a:noFill/>
+          <a:effectLst>
+            <a:outerShdw blurRad="50800" dist="38100" dir="2700000" algn="tl" rotWithShape="0">
               <a:prstClr val="black">
                 <a:alpha val="40000"/>
               </a:prstClr>
@@ -14437,171 +14745,72 @@
           </a:effectLst>
         </p:spPr>
         <p:txBody>
-          <a:bodyPr anchor="ctr">
+          <a:bodyPr wrap="square" rtlCol="0">
             <a:spAutoFit/>
           </a:bodyPr>
           <a:lstStyle/>
           <a:p>
-            <a:pPr algn="r" eaLnBrk="0" hangingPunct="0">
-              <a:defRPr/>
-            </a:pPr>
+            <a:pPr algn="ctr"/>
             <a:r>
-              <a:rPr lang="pt-PT" sz="1400" dirty="0">
+              <a:rPr lang="pt-PT" sz="2000" b="1" dirty="0" smtClean="0">
                 <a:solidFill>
-                  <a:schemeClr val="bg1"/>
+                  <a:schemeClr val="tx1">
+                    <a:lumMod val="85000"/>
+                    <a:lumOff val="15000"/>
+                  </a:schemeClr>
                 </a:solidFill>
-                <a:latin typeface="Tahoma" pitchFamily="34" charset="0"/>
-                <a:ea typeface="Tahoma" pitchFamily="34" charset="0"/>
-                <a:cs typeface="Tahoma" pitchFamily="34" charset="0"/>
+                <a:latin typeface="+mj-lt"/>
               </a:rPr>
-              <a:t>INSTITUTO SUPERIOR DE ENGENHARIA DE LISBOA</a:t>
+              <a:t>Análise da solução centralizada no dicionário de dados</a:t>
             </a:r>
-            <a:endParaRPr lang="pt-PT" sz="1400" dirty="0">
-              <a:solidFill>
-                <a:schemeClr val="bg1"/>
-              </a:solidFill>
-              <a:latin typeface="Tahoma" pitchFamily="34" charset="0"/>
-              <a:ea typeface="Tahoma" pitchFamily="34" charset="0"/>
-              <a:cs typeface="Tahoma" pitchFamily="34" charset="0"/>
-            </a:endParaRPr>
           </a:p>
         </p:txBody>
       </p:sp>
       <p:sp>
         <p:nvSpPr>
-          <p:cNvPr id="14414" name="TextBox 85"/>
-          <p:cNvSpPr txBox="1">
-            <a:spLocks noChangeArrowheads="1"/>
-          </p:cNvSpPr>
+          <p:cNvPr id="166" name="TextBox 165"/>
+          <p:cNvSpPr txBox="1"/>
           <p:nvPr/>
         </p:nvSpPr>
-        <p:spPr bwMode="auto">
+        <p:spPr>
           <a:xfrm>
-            <a:off x="0" y="9228138"/>
-            <a:ext cx="5661025" cy="549275"/>
+            <a:off x="117476" y="7833588"/>
+            <a:ext cx="3643314" cy="707886"/>
           </a:xfrm>
           <a:prstGeom prst="rect">
             <a:avLst/>
           </a:prstGeom>
           <a:noFill/>
-          <a:ln w="9525">
-            <a:noFill/>
-            <a:miter lim="800000"/>
-            <a:headEnd/>
-            <a:tailEnd/>
-          </a:ln>
+          <a:effectLst>
+            <a:outerShdw blurRad="50800" dist="38100" dir="2700000" algn="tl" rotWithShape="0">
+              <a:prstClr val="black">
+                <a:alpha val="40000"/>
+              </a:prstClr>
+            </a:outerShdw>
+          </a:effectLst>
         </p:spPr>
         <p:txBody>
-          <a:bodyPr>
+          <a:bodyPr wrap="square" rtlCol="0">
             <a:spAutoFit/>
           </a:bodyPr>
           <a:lstStyle/>
           <a:p>
-            <a:pPr algn="ctr">
-              <a:buFont typeface="Wingdings" pitchFamily="2" charset="2"/>
-              <a:buNone/>
-            </a:pPr>
+            <a:pPr algn="ctr"/>
             <a:r>
-              <a:rPr lang="pt-PT" sz="1000" b="1">
-                <a:latin typeface="Calibri" pitchFamily="34" charset="0"/>
-                <a:sym typeface="Bookshelf Symbol 7" pitchFamily="2" charset="2"/>
+              <a:rPr lang="pt-PT" sz="2000" b="1" dirty="0" smtClean="0">
+                <a:solidFill>
+                  <a:schemeClr val="tx1">
+                    <a:lumMod val="85000"/>
+                    <a:lumOff val="15000"/>
+                  </a:schemeClr>
+                </a:solidFill>
+                <a:latin typeface="+mj-lt"/>
               </a:rPr>
-              <a:t></a:t>
+              <a:t>Geração automática de todo o código estrutural da solução</a:t>
             </a:r>
-            <a:r>
-              <a:rPr lang="pt-PT" sz="1000" b="1">
-                <a:latin typeface="Calibri" pitchFamily="34" charset="0"/>
-              </a:rPr>
-              <a:t>Ricardo Neto</a:t>
-            </a:r>
-            <a:r>
-              <a:rPr lang="pt-PT" sz="1000">
-                <a:latin typeface="Calibri" pitchFamily="34" charset="0"/>
-              </a:rPr>
-              <a:t> 26657@alunos.isel.pt </a:t>
-            </a:r>
-            <a:r>
-              <a:rPr lang="pt-PT" sz="1000">
-                <a:latin typeface="Calibri" pitchFamily="34" charset="0"/>
-                <a:sym typeface="Bookshelf Symbol 7" pitchFamily="2" charset="2"/>
-              </a:rPr>
-              <a:t></a:t>
-            </a:r>
-            <a:r>
-              <a:rPr lang="pt-PT" sz="1000" b="1">
-                <a:latin typeface="Calibri" pitchFamily="34" charset="0"/>
-              </a:rPr>
-              <a:t>Nuno Sousa</a:t>
-            </a:r>
-            <a:r>
-              <a:rPr lang="pt-PT" sz="1000">
-                <a:latin typeface="Calibri" pitchFamily="34" charset="0"/>
-              </a:rPr>
-              <a:t> 31923@alunos.isel.pt  </a:t>
-            </a:r>
-            <a:r>
-              <a:rPr lang="pt-PT" sz="1000">
-                <a:latin typeface="Calibri" pitchFamily="34" charset="0"/>
-                <a:sym typeface="Bookshelf Symbol 7" pitchFamily="2" charset="2"/>
-              </a:rPr>
-              <a:t></a:t>
-            </a:r>
-            <a:r>
-              <a:rPr lang="pt-PT" sz="1000" b="1">
-                <a:latin typeface="Calibri" pitchFamily="34" charset="0"/>
-              </a:rPr>
-              <a:t>Paulo Pires </a:t>
-            </a:r>
-            <a:r>
-              <a:rPr lang="pt-PT" sz="1000">
-                <a:latin typeface="Calibri" pitchFamily="34" charset="0"/>
-              </a:rPr>
-              <a:t>32223@alunos.isel.pt</a:t>
-            </a:r>
-          </a:p>
-          <a:p>
-            <a:pPr>
-              <a:buFont typeface="Wingdings" pitchFamily="2" charset="2"/>
-              <a:buNone/>
-            </a:pPr>
-            <a:endParaRPr lang="pt-PT" sz="1000">
-              <a:latin typeface="Calibri" pitchFamily="34" charset="0"/>
-            </a:endParaRPr>
           </a:p>
         </p:txBody>
       </p:sp>
-    </p:spTree>
-  </p:cSld>
-  <p:clrMapOvr>
-    <a:masterClrMapping/>
-  </p:clrMapOvr>
-  <p:timing>
-    <p:tnLst>
-      <p:par>
-        <p:cTn id="1" dur="indefinite" restart="never" nodeType="tmRoot"/>
-      </p:par>
-    </p:tnLst>
-  </p:timing>
-</p:sld>
-</file>
-
-<file path=ppt/slides/slide2.xml><?xml version="1.0" encoding="utf-8"?>
-<p:sld xmlns:a="http://schemas.openxmlformats.org/drawingml/2006/main" xmlns:r="http://schemas.openxmlformats.org/officeDocument/2006/relationships" xmlns:p="http://schemas.openxmlformats.org/presentationml/2006/main">
-  <p:cSld>
-    <p:spTree>
-      <p:nvGrpSpPr>
-        <p:cNvPr id="1" name=""/>
-        <p:cNvGrpSpPr/>
-        <p:nvPr/>
-      </p:nvGrpSpPr>
-      <p:grpSpPr>
-        <a:xfrm>
-          <a:off x="0" y="0"/>
-          <a:ext cx="0" cy="0"/>
-          <a:chOff x="0" y="0"/>
-          <a:chExt cx="0" cy="0"/>
-        </a:xfrm>
-      </p:grpSpPr>
     </p:spTree>
   </p:cSld>
   <p:clrMapOvr>
